--- a/CDC-rapport-jdt/Presentation/Presentation_philipona.pptx
+++ b/CDC-rapport-jdt/Presentation/Presentation_philipona.pptx
@@ -365,10 +365,55 @@
               <c:idx val="4"/>
               <c:layout>
                 <c:manualLayout>
-                  <c:x val="-1.4814814814814874E-2"/>
-                  <c:y val="-0.15817113073287645"/>
+                  <c:x val="2.4305245549290731E-3"/>
+                  <c:y val="-0.14828993795116582"/>
                 </c:manualLayout>
               </c:layout>
+              <c:spPr>
+                <a:pattFill prst="pct75">
+                  <a:fgClr>
+                    <a:schemeClr val="dk1">
+                      <a:lumMod val="75000"/>
+                      <a:lumOff val="25000"/>
+                    </a:schemeClr>
+                  </a:fgClr>
+                  <a:bgClr>
+                    <a:schemeClr val="dk1">
+                      <a:lumMod val="65000"/>
+                      <a:lumOff val="35000"/>
+                    </a:schemeClr>
+                  </a:bgClr>
+                </a:pattFill>
+                <a:ln>
+                  <a:noFill/>
+                </a:ln>
+                <a:effectLst>
+                  <a:outerShdw blurRad="50800" dist="38100" dir="2700000" algn="tl" rotWithShape="0">
+                    <a:prstClr val="black">
+                      <a:alpha val="40000"/>
+                    </a:prstClr>
+                  </a:outerShdw>
+                </a:effectLst>
+              </c:spPr>
+              <c:txPr>
+                <a:bodyPr rot="0" spcFirstLastPara="1" vertOverflow="ellipsis" vert="horz" wrap="square" lIns="38100" tIns="19050" rIns="38100" bIns="19050" anchor="ctr" anchorCtr="1">
+                  <a:noAutofit/>
+                </a:bodyPr>
+                <a:lstStyle/>
+                <a:p>
+                  <a:pPr>
+                    <a:defRPr sz="1400" b="1" i="0" u="none" strike="noStrike" kern="1200" baseline="0">
+                      <a:solidFill>
+                        <a:schemeClr val="lt1"/>
+                      </a:solidFill>
+                      <a:latin typeface="+mn-lt"/>
+                      <a:ea typeface="+mn-ea"/>
+                      <a:cs typeface="+mn-cs"/>
+                    </a:defRPr>
+                  </a:pPr>
+                  <a:endParaRPr lang="fr-FR"/>
+                </a:p>
+              </c:txPr>
               <c:showLegendKey val="0"/>
               <c:showVal val="0"/>
               <c:showCatName val="1"/>
@@ -376,7 +421,14 @@
               <c:showPercent val="1"/>
               <c:showBubbleSize val="0"/>
               <c:extLst>
-                <c:ext xmlns:c15="http://schemas.microsoft.com/office/drawing/2012/chart" uri="{CE6537A1-D6FC-4f65-9D91-7224C49458BB}"/>
+                <c:ext xmlns:c15="http://schemas.microsoft.com/office/drawing/2012/chart" uri="{CE6537A1-D6FC-4f65-9D91-7224C49458BB}">
+                  <c15:layout>
+                    <c:manualLayout>
+                      <c:w val="0.15946884455426824"/>
+                      <c:h val="9.4473655166671305E-2"/>
+                    </c:manualLayout>
+                  </c15:layout>
+                </c:ext>
                 <c:ext xmlns:c16="http://schemas.microsoft.com/office/drawing/2014/chart" uri="{C3380CC4-5D6E-409C-BE32-E72D297353CC}">
                   <c16:uniqueId val="{00000009-62D2-4F46-85E5-4C5BA9CAE4EF}"/>
                 </c:ext>
@@ -572,37 +624,7 @@
     </mc:Fallback>
   </mc:AlternateContent>
   <c:chart>
-    <c:title>
-      <c:overlay val="0"/>
-      <c:spPr>
-        <a:noFill/>
-        <a:ln>
-          <a:noFill/>
-        </a:ln>
-        <a:effectLst/>
-      </c:spPr>
-      <c:txPr>
-        <a:bodyPr rot="0" spcFirstLastPara="1" vertOverflow="ellipsis" vert="horz" wrap="square" anchor="ctr" anchorCtr="1"/>
-        <a:lstStyle/>
-        <a:p>
-          <a:pPr>
-            <a:defRPr sz="1800" b="1" i="0" u="none" strike="noStrike" kern="1200" baseline="0">
-              <a:solidFill>
-                <a:schemeClr val="dk1">
-                  <a:lumMod val="75000"/>
-                  <a:lumOff val="25000"/>
-                </a:schemeClr>
-              </a:solidFill>
-              <a:latin typeface="+mn-lt"/>
-              <a:ea typeface="+mn-ea"/>
-              <a:cs typeface="+mn-cs"/>
-            </a:defRPr>
-          </a:pPr>
-          <a:endParaRPr lang="fr-FR"/>
-        </a:p>
-      </c:txPr>
-    </c:title>
-    <c:autoTitleDeleted val="0"/>
+    <c:autoTitleDeleted val="1"/>
     <c:plotArea>
       <c:layout/>
       <c:lineChart>
@@ -689,34 +711,31 @@
           </c:dLbls>
           <c:cat>
             <c:strRef>
-              <c:f>Feuil2!$B$3:$B$11</c:f>
+              <c:f>Feuil2!$B$3:$B$10</c:f>
               <c:strCache>
-                <c:ptCount val="9"/>
+                <c:ptCount val="8"/>
                 <c:pt idx="0">
                   <c:v>JDT</c:v>
                 </c:pt>
                 <c:pt idx="1">
-                  <c:v>Vacances</c:v>
+                  <c:v>Informer</c:v>
                 </c:pt>
                 <c:pt idx="2">
-                  <c:v>Informer</c:v>
+                  <c:v>Planifier</c:v>
                 </c:pt>
                 <c:pt idx="3">
-                  <c:v>Planifier</c:v>
+                  <c:v>Décider</c:v>
                 </c:pt>
                 <c:pt idx="4">
-                  <c:v>Décider</c:v>
+                  <c:v>Réaliser</c:v>
                 </c:pt>
                 <c:pt idx="5">
-                  <c:v>Réaliser</c:v>
+                  <c:v>Tester</c:v>
                 </c:pt>
                 <c:pt idx="6">
-                  <c:v>Tester</c:v>
+                  <c:v>Evaluer</c:v>
                 </c:pt>
                 <c:pt idx="7">
-                  <c:v>Evaluer</c:v>
-                </c:pt>
-                <c:pt idx="8">
                   <c:v>Autre</c:v>
                 </c:pt>
               </c:strCache>
@@ -724,35 +743,32 @@
           </c:cat>
           <c:val>
             <c:numRef>
-              <c:f>Feuil2!$C$3:$C$11</c:f>
+              <c:f>Feuil2!$C$3:$C$10</c:f>
               <c:numCache>
                 <c:formatCode>General</c:formatCode>
-                <c:ptCount val="9"/>
+                <c:ptCount val="8"/>
                 <c:pt idx="0">
                   <c:v>27</c:v>
                 </c:pt>
                 <c:pt idx="1">
-                  <c:v>114</c:v>
+                  <c:v>163</c:v>
                 </c:pt>
                 <c:pt idx="2">
+                  <c:v>22</c:v>
+                </c:pt>
+                <c:pt idx="3">
                   <c:v>15</c:v>
                 </c:pt>
-                <c:pt idx="3">
-                  <c:v>22</c:v>
-                </c:pt>
                 <c:pt idx="4">
-                  <c:v>15</c:v>
+                  <c:v>235</c:v>
                 </c:pt>
                 <c:pt idx="5">
-                  <c:v>383</c:v>
+                  <c:v>62</c:v>
                 </c:pt>
                 <c:pt idx="6">
-                  <c:v>62</c:v>
+                  <c:v>26</c:v>
                 </c:pt>
                 <c:pt idx="7">
-                  <c:v>26</c:v>
-                </c:pt>
-                <c:pt idx="8">
                   <c:v>56</c:v>
                 </c:pt>
               </c:numCache>
@@ -761,7 +777,7 @@
           <c:smooth val="0"/>
           <c:extLst>
             <c:ext xmlns:c16="http://schemas.microsoft.com/office/drawing/2014/chart" uri="{C3380CC4-5D6E-409C-BE32-E72D297353CC}">
-              <c16:uniqueId val="{00000000-729E-4F9D-A591-DBA1F512455F}"/>
+              <c16:uniqueId val="{00000000-8229-47FC-B2AA-EF0D48C210C7}"/>
             </c:ext>
           </c:extLst>
         </c:ser>
@@ -770,34 +786,31 @@
           <c:order val="1"/>
           <c:tx>
             <c:strRef>
-              <c:f>Feuil2!$B$14:$B$22</c:f>
+              <c:f>Feuil2!$B$13:$B$20</c:f>
               <c:strCache>
-                <c:ptCount val="9"/>
+                <c:ptCount val="8"/>
                 <c:pt idx="0">
                   <c:v>JDT</c:v>
                 </c:pt>
                 <c:pt idx="1">
-                  <c:v>Vacances</c:v>
+                  <c:v>Informer</c:v>
                 </c:pt>
                 <c:pt idx="2">
-                  <c:v>Informer</c:v>
+                  <c:v>Planifier</c:v>
                 </c:pt>
                 <c:pt idx="3">
-                  <c:v>Planifier</c:v>
+                  <c:v>Décider</c:v>
                 </c:pt>
                 <c:pt idx="4">
-                  <c:v>Décider</c:v>
+                  <c:v>Réaliser</c:v>
                 </c:pt>
                 <c:pt idx="5">
-                  <c:v>Réaliser</c:v>
+                  <c:v>Tester</c:v>
                 </c:pt>
                 <c:pt idx="6">
-                  <c:v>Tester</c:v>
+                  <c:v>Evaluer</c:v>
                 </c:pt>
                 <c:pt idx="7">
-                  <c:v>Evaluer</c:v>
-                </c:pt>
-                <c:pt idx="8">
                   <c:v>Autre</c:v>
                 </c:pt>
               </c:strCache>
@@ -881,35 +894,32 @@
           </c:dLbls>
           <c:val>
             <c:numRef>
-              <c:f>Feuil2!$C$14:$C$22</c:f>
+              <c:f>Feuil2!$C$13:$C$20</c:f>
               <c:numCache>
                 <c:formatCode>General</c:formatCode>
-                <c:ptCount val="9"/>
+                <c:ptCount val="8"/>
                 <c:pt idx="0">
                   <c:v>21</c:v>
                 </c:pt>
                 <c:pt idx="1">
-                  <c:v>114</c:v>
+                  <c:v>221</c:v>
                 </c:pt>
                 <c:pt idx="2">
-                  <c:v>12</c:v>
+                  <c:v>9</c:v>
                 </c:pt>
                 <c:pt idx="3">
-                  <c:v>9</c:v>
+                  <c:v>6</c:v>
                 </c:pt>
                 <c:pt idx="4">
-                  <c:v>6</c:v>
+                  <c:v>208</c:v>
                 </c:pt>
                 <c:pt idx="5">
-                  <c:v>417</c:v>
+                  <c:v>27</c:v>
                 </c:pt>
                 <c:pt idx="6">
-                  <c:v>27</c:v>
+                  <c:v>20</c:v>
                 </c:pt>
                 <c:pt idx="7">
-                  <c:v>20</c:v>
-                </c:pt>
-                <c:pt idx="8">
                   <c:v>94</c:v>
                 </c:pt>
               </c:numCache>
@@ -918,7 +928,7 @@
           <c:smooth val="0"/>
           <c:extLst>
             <c:ext xmlns:c16="http://schemas.microsoft.com/office/drawing/2014/chart" uri="{C3380CC4-5D6E-409C-BE32-E72D297353CC}">
-              <c16:uniqueId val="{00000001-729E-4F9D-A591-DBA1F512455F}"/>
+              <c16:uniqueId val="{00000001-8229-47FC-B2AA-EF0D48C210C7}"/>
             </c:ext>
           </c:extLst>
         </c:ser>
@@ -965,7 +975,7 @@
           <a:lstStyle/>
           <a:p>
             <a:pPr>
-              <a:defRPr sz="900" b="0" i="0" u="none" strike="noStrike" kern="1200" cap="all" baseline="0">
+              <a:defRPr sz="1400" b="0" i="0" u="none" strike="noStrike" kern="1200" cap="all" baseline="0">
                 <a:solidFill>
                   <a:schemeClr val="dk1">
                     <a:lumMod val="75000"/>
@@ -2404,7 +2414,7 @@
             <a:pPr rtl="0"/>
             <a:fld id="{1CE37904-F8A2-4E51-8C8D-2EB9E27B435C}" type="datetime1">
               <a:rPr lang="fr-FR" smtClean="0"/>
-              <a:t>13/03/2023</a:t>
+              <a:t>15/03/2023</a:t>
             </a:fld>
             <a:endParaRPr lang="fr-FR"/>
           </a:p>
@@ -2574,7 +2584,7 @@
             <a:pPr rtl="0"/>
             <a:fld id="{0B870E99-AA52-4646-AE77-854CDBAA685F}" type="datetime1">
               <a:rPr lang="fr-FR" noProof="0" smtClean="0"/>
-              <a:t>13/03/2023</a:t>
+              <a:t>15/03/2023</a:t>
             </a:fld>
             <a:endParaRPr lang="fr-FR" noProof="0"/>
           </a:p>
@@ -3346,9 +3356,9 @@
           <a:lstStyle/>
           <a:p>
             <a:pPr rtl="0"/>
-            <a:fld id="{E3E33BFC-BD04-402A-817E-DE062681A7FD}" type="datetime1">
+            <a:fld id="{C5498FFD-EAD9-4585-A194-3220D3007036}" type="datetime1">
               <a:rPr lang="fr-FR" noProof="0" smtClean="0"/>
-              <a:t>13/03/2023</a:t>
+              <a:t>15/03/2023</a:t>
             </a:fld>
             <a:endParaRPr lang="fr-FR" noProof="0"/>
           </a:p>
@@ -3375,7 +3385,10 @@
           <a:lstStyle/>
           <a:p>
             <a:pPr rtl="0"/>
-            <a:endParaRPr lang="fr-FR" noProof="0"/>
+            <a:r>
+              <a:rPr lang="fr-FR" noProof="0"/>
+              <a:t>ETML - P_Appro1 2023</a:t>
+            </a:r>
           </a:p>
         </p:txBody>
       </p:sp>
@@ -3641,9 +3654,9 @@
           <a:lstStyle/>
           <a:p>
             <a:pPr rtl="0"/>
-            <a:fld id="{03A6BAFD-287D-40A0-92ED-D16489C7E3C6}" type="datetime1">
+            <a:fld id="{50A0745B-DC62-4654-8AEF-5D3FD4494526}" type="datetime1">
               <a:rPr lang="fr-FR" noProof="0" smtClean="0"/>
-              <a:t>13/03/2023</a:t>
+              <a:t>15/03/2023</a:t>
             </a:fld>
             <a:endParaRPr lang="fr-FR" noProof="0"/>
           </a:p>
@@ -3665,7 +3678,10 @@
           <a:lstStyle/>
           <a:p>
             <a:pPr rtl="0"/>
-            <a:endParaRPr lang="fr-FR" noProof="0"/>
+            <a:r>
+              <a:rPr lang="fr-FR" noProof="0"/>
+              <a:t>ETML - P_Appro1 2023</a:t>
+            </a:r>
           </a:p>
         </p:txBody>
       </p:sp>
@@ -3888,9 +3904,9 @@
           <a:lstStyle/>
           <a:p>
             <a:pPr rtl="0"/>
-            <a:fld id="{0B220345-42AF-4D37-8714-A926E475129E}" type="datetime1">
+            <a:fld id="{52B25911-6907-4BD4-878D-7E043B5E123C}" type="datetime1">
               <a:rPr lang="fr-FR" noProof="0" smtClean="0"/>
-              <a:t>13/03/2023</a:t>
+              <a:t>15/03/2023</a:t>
             </a:fld>
             <a:endParaRPr lang="fr-FR" noProof="0"/>
           </a:p>
@@ -3912,7 +3928,10 @@
           <a:lstStyle/>
           <a:p>
             <a:pPr rtl="0"/>
-            <a:endParaRPr lang="fr-FR" noProof="0"/>
+            <a:r>
+              <a:rPr lang="fr-FR" noProof="0"/>
+              <a:t>ETML - P_Appro1 2023</a:t>
+            </a:r>
           </a:p>
         </p:txBody>
       </p:sp>
@@ -4427,9 +4446,9 @@
           <a:lstStyle/>
           <a:p>
             <a:pPr rtl="0"/>
-            <a:fld id="{57A57665-9B27-48EF-8416-6A28D4F348A8}" type="datetime1">
+            <a:fld id="{C059C4D4-B58A-45A3-99D0-1C9725606474}" type="datetime1">
               <a:rPr lang="fr-FR" noProof="0" smtClean="0"/>
-              <a:t>13/03/2023</a:t>
+              <a:t>15/03/2023</a:t>
             </a:fld>
             <a:endParaRPr lang="fr-FR" noProof="0"/>
           </a:p>
@@ -4451,7 +4470,10 @@
           <a:lstStyle/>
           <a:p>
             <a:pPr rtl="0"/>
-            <a:endParaRPr lang="fr-FR" noProof="0"/>
+            <a:r>
+              <a:rPr lang="fr-FR" noProof="0"/>
+              <a:t>ETML - P_Appro1 2023</a:t>
+            </a:r>
           </a:p>
         </p:txBody>
       </p:sp>
@@ -4674,9 +4696,9 @@
           <a:lstStyle/>
           <a:p>
             <a:pPr rtl="0"/>
-            <a:fld id="{D61268DB-C5EC-4403-9A50-D6532576F294}" type="datetime1">
+            <a:fld id="{57B0A11B-3B38-45BB-A21B-D1904BF4FCAB}" type="datetime1">
               <a:rPr lang="fr-FR" noProof="0" smtClean="0"/>
-              <a:t>13/03/2023</a:t>
+              <a:t>15/03/2023</a:t>
             </a:fld>
             <a:endParaRPr lang="fr-FR" noProof="0"/>
           </a:p>
@@ -4698,7 +4720,10 @@
           <a:lstStyle/>
           <a:p>
             <a:pPr rtl="0"/>
-            <a:endParaRPr lang="fr-FR" noProof="0"/>
+            <a:r>
+              <a:rPr lang="fr-FR" noProof="0"/>
+              <a:t>ETML - P_Appro1 2023</a:t>
+            </a:r>
           </a:p>
         </p:txBody>
       </p:sp>
@@ -5200,9 +5225,9 @@
           <a:lstStyle/>
           <a:p>
             <a:pPr rtl="0"/>
-            <a:fld id="{CB2549DD-2B3E-4D7A-9846-5D75DE84BDAA}" type="datetime1">
+            <a:fld id="{E9365DFE-E4AB-44B0-BBA3-B1FE2B7ED134}" type="datetime1">
               <a:rPr lang="fr-FR" noProof="0" smtClean="0"/>
-              <a:t>13/03/2023</a:t>
+              <a:t>15/03/2023</a:t>
             </a:fld>
             <a:endParaRPr lang="fr-FR" noProof="0"/>
           </a:p>
@@ -5224,7 +5249,10 @@
           <a:lstStyle/>
           <a:p>
             <a:pPr rtl="0"/>
-            <a:endParaRPr lang="fr-FR" noProof="0"/>
+            <a:r>
+              <a:rPr lang="fr-FR" noProof="0"/>
+              <a:t>ETML - P_Appro1 2023</a:t>
+            </a:r>
           </a:p>
         </p:txBody>
       </p:sp>
@@ -5490,9 +5518,9 @@
           <a:lstStyle/>
           <a:p>
             <a:pPr rtl="0"/>
-            <a:fld id="{F1EEA524-4CF8-4EE7-B4AF-53249D56DD70}" type="datetime1">
+            <a:fld id="{4236A796-F0B2-48C0-BFD0-8A48AC76542F}" type="datetime1">
               <a:rPr lang="fr-FR" noProof="0" smtClean="0"/>
-              <a:t>13/03/2023</a:t>
+              <a:t>15/03/2023</a:t>
             </a:fld>
             <a:endParaRPr lang="fr-FR" noProof="0"/>
           </a:p>
@@ -5514,7 +5542,10 @@
           <a:lstStyle/>
           <a:p>
             <a:pPr rtl="0"/>
-            <a:endParaRPr lang="fr-FR" noProof="0"/>
+            <a:r>
+              <a:rPr lang="fr-FR" noProof="0"/>
+              <a:t>ETML - P_Appro1 2023</a:t>
+            </a:r>
           </a:p>
         </p:txBody>
       </p:sp>
@@ -5662,9 +5693,9 @@
           <a:lstStyle/>
           <a:p>
             <a:pPr rtl="0"/>
-            <a:fld id="{AB41C2CB-50C1-43A2-B64E-1E26D5707810}" type="datetime1">
+            <a:fld id="{35E6A9D2-68E7-49D6-9E6D-F7BC4D3A4536}" type="datetime1">
               <a:rPr lang="fr-FR" noProof="0" smtClean="0"/>
-              <a:t>13/03/2023</a:t>
+              <a:t>15/03/2023</a:t>
             </a:fld>
             <a:endParaRPr lang="fr-FR" noProof="0"/>
           </a:p>
@@ -5686,7 +5717,10 @@
           <a:lstStyle/>
           <a:p>
             <a:pPr rtl="0"/>
-            <a:endParaRPr lang="fr-FR" noProof="0"/>
+            <a:r>
+              <a:rPr lang="fr-FR" noProof="0"/>
+              <a:t>ETML - P_Appro1 2023</a:t>
+            </a:r>
           </a:p>
         </p:txBody>
       </p:sp>
@@ -5840,9 +5874,9 @@
           <a:lstStyle/>
           <a:p>
             <a:pPr rtl="0"/>
-            <a:fld id="{A63D292E-5D7B-4CF1-A3DB-B937112EDD17}" type="datetime1">
+            <a:fld id="{13DF2C16-2E7D-4907-86B0-534AE854E01B}" type="datetime1">
               <a:rPr lang="fr-FR" noProof="0" smtClean="0"/>
-              <a:t>13/03/2023</a:t>
+              <a:t>15/03/2023</a:t>
             </a:fld>
             <a:endParaRPr lang="fr-FR" noProof="0"/>
           </a:p>
@@ -5864,7 +5898,10 @@
           <a:lstStyle/>
           <a:p>
             <a:pPr rtl="0"/>
-            <a:endParaRPr lang="fr-FR" noProof="0"/>
+            <a:r>
+              <a:rPr lang="fr-FR" noProof="0"/>
+              <a:t>ETML - P_Appro1 2023</a:t>
+            </a:r>
           </a:p>
         </p:txBody>
       </p:sp>
@@ -6008,9 +6045,9 @@
           <a:lstStyle/>
           <a:p>
             <a:pPr rtl="0"/>
-            <a:fld id="{75B9B712-E9F6-4081-B1B5-28686DECEFBC}" type="datetime1">
+            <a:fld id="{CDF39FD1-D577-4483-9693-BC309742BFEC}" type="datetime1">
               <a:rPr lang="fr-FR" noProof="0" smtClean="0"/>
-              <a:t>13/03/2023</a:t>
+              <a:t>15/03/2023</a:t>
             </a:fld>
             <a:endParaRPr lang="fr-FR" noProof="0"/>
           </a:p>
@@ -6032,7 +6069,10 @@
           <a:lstStyle/>
           <a:p>
             <a:pPr rtl="0"/>
-            <a:endParaRPr lang="fr-FR" noProof="0"/>
+            <a:r>
+              <a:rPr lang="fr-FR" noProof="0"/>
+              <a:t>ETML - P_Appro1 2023</a:t>
+            </a:r>
           </a:p>
         </p:txBody>
       </p:sp>
@@ -6258,9 +6298,9 @@
           <a:lstStyle/>
           <a:p>
             <a:pPr rtl="0"/>
-            <a:fld id="{75C235E6-D63F-4490-8D99-8AB4B6496281}" type="datetime1">
+            <a:fld id="{AF8A4CB7-6AE5-4745-8BD0-A3CD7A710C8E}" type="datetime1">
               <a:rPr lang="fr-FR" noProof="0" smtClean="0"/>
-              <a:t>13/03/2023</a:t>
+              <a:t>15/03/2023</a:t>
             </a:fld>
             <a:endParaRPr lang="fr-FR" noProof="0"/>
           </a:p>
@@ -6282,7 +6322,10 @@
           <a:lstStyle/>
           <a:p>
             <a:pPr rtl="0"/>
-            <a:endParaRPr lang="fr-FR" noProof="0"/>
+            <a:r>
+              <a:rPr lang="fr-FR" noProof="0"/>
+              <a:t>ETML - P_Appro1 2023</a:t>
+            </a:r>
           </a:p>
         </p:txBody>
       </p:sp>
@@ -6552,9 +6595,9 @@
           <a:lstStyle/>
           <a:p>
             <a:pPr rtl="0"/>
-            <a:fld id="{6A9AB962-CB5C-49A6-B8E4-BEDA325A8BF4}" type="datetime1">
+            <a:fld id="{8A7559DF-0219-492D-955E-3D8A90E4F3F9}" type="datetime1">
               <a:rPr lang="fr-FR" noProof="0" smtClean="0"/>
-              <a:t>13/03/2023</a:t>
+              <a:t>15/03/2023</a:t>
             </a:fld>
             <a:endParaRPr lang="fr-FR" noProof="0"/>
           </a:p>
@@ -6576,7 +6619,10 @@
           <a:lstStyle/>
           <a:p>
             <a:pPr rtl="0"/>
-            <a:endParaRPr lang="fr-FR" noProof="0"/>
+            <a:r>
+              <a:rPr lang="fr-FR" noProof="0"/>
+              <a:t>ETML - P_Appro1 2023</a:t>
+            </a:r>
           </a:p>
         </p:txBody>
       </p:sp>
@@ -6991,9 +7037,9 @@
           <a:lstStyle/>
           <a:p>
             <a:pPr rtl="0"/>
-            <a:fld id="{C606FA10-8ACD-4AB7-9544-F560AD5C031A}" type="datetime1">
+            <a:fld id="{608A2168-E458-4CEC-B689-B506F86AAB4F}" type="datetime1">
               <a:rPr lang="fr-FR" noProof="0" smtClean="0"/>
-              <a:t>13/03/2023</a:t>
+              <a:t>15/03/2023</a:t>
             </a:fld>
             <a:endParaRPr lang="fr-FR" noProof="0"/>
           </a:p>
@@ -7015,7 +7061,10 @@
           <a:lstStyle/>
           <a:p>
             <a:pPr rtl="0"/>
-            <a:endParaRPr lang="fr-FR" noProof="0"/>
+            <a:r>
+              <a:rPr lang="fr-FR" noProof="0"/>
+              <a:t>ETML - P_Appro1 2023</a:t>
+            </a:r>
           </a:p>
         </p:txBody>
       </p:sp>
@@ -7108,9 +7157,9 @@
           <a:lstStyle/>
           <a:p>
             <a:pPr rtl="0"/>
-            <a:fld id="{2B4052B3-B8BC-44C8-9AA4-861EBEF0A118}" type="datetime1">
+            <a:fld id="{9B001CB9-777F-46D1-B2EC-DC3BA2FDDFA9}" type="datetime1">
               <a:rPr lang="fr-FR" noProof="0" smtClean="0"/>
-              <a:t>13/03/2023</a:t>
+              <a:t>15/03/2023</a:t>
             </a:fld>
             <a:endParaRPr lang="fr-FR" noProof="0"/>
           </a:p>
@@ -7132,7 +7181,10 @@
           <a:lstStyle/>
           <a:p>
             <a:pPr rtl="0"/>
-            <a:endParaRPr lang="fr-FR" noProof="0"/>
+            <a:r>
+              <a:rPr lang="fr-FR" noProof="0"/>
+              <a:t>ETML - P_Appro1 2023</a:t>
+            </a:r>
           </a:p>
         </p:txBody>
       </p:sp>
@@ -7202,9 +7254,9 @@
           <a:lstStyle/>
           <a:p>
             <a:pPr rtl="0"/>
-            <a:fld id="{0F688D4A-EA05-473F-8DF5-78AF9BC17B2D}" type="datetime1">
+            <a:fld id="{4D7956E9-AEC0-4DA1-BB87-2BA809D7EB38}" type="datetime1">
               <a:rPr lang="fr-FR" noProof="0" smtClean="0"/>
-              <a:t>13/03/2023</a:t>
+              <a:t>15/03/2023</a:t>
             </a:fld>
             <a:endParaRPr lang="fr-FR" noProof="0"/>
           </a:p>
@@ -7226,7 +7278,10 @@
           <a:lstStyle/>
           <a:p>
             <a:pPr rtl="0"/>
-            <a:endParaRPr lang="fr-FR" noProof="0"/>
+            <a:r>
+              <a:rPr lang="fr-FR" noProof="0"/>
+              <a:t>ETML - P_Appro1 2023</a:t>
+            </a:r>
           </a:p>
         </p:txBody>
       </p:sp>
@@ -7483,9 +7538,9 @@
           <a:lstStyle/>
           <a:p>
             <a:pPr rtl="0"/>
-            <a:fld id="{95713DF3-D1A3-46E9-8603-4FB5C647ED4D}" type="datetime1">
+            <a:fld id="{AFE9DDED-1587-4748-A10C-1C559DC89EFD}" type="datetime1">
               <a:rPr lang="fr-FR" noProof="0" smtClean="0"/>
-              <a:t>13/03/2023</a:t>
+              <a:t>15/03/2023</a:t>
             </a:fld>
             <a:endParaRPr lang="fr-FR" noProof="0"/>
           </a:p>
@@ -7507,7 +7562,10 @@
           <a:lstStyle/>
           <a:p>
             <a:pPr rtl="0"/>
-            <a:endParaRPr lang="fr-FR" noProof="0"/>
+            <a:r>
+              <a:rPr lang="fr-FR" noProof="0"/>
+              <a:t>ETML - P_Appro1 2023</a:t>
+            </a:r>
           </a:p>
         </p:txBody>
       </p:sp>
@@ -7773,9 +7831,9 @@
           <a:lstStyle/>
           <a:p>
             <a:pPr rtl="0"/>
-            <a:fld id="{D56B93D2-1A75-449A-B88F-CB4ED11F43E1}" type="datetime1">
+            <a:fld id="{56C38EC1-8C78-490D-93C7-F0929EF1A746}" type="datetime1">
               <a:rPr lang="fr-FR" noProof="0" smtClean="0"/>
-              <a:t>13/03/2023</a:t>
+              <a:t>15/03/2023</a:t>
             </a:fld>
             <a:endParaRPr lang="fr-FR" noProof="0"/>
           </a:p>
@@ -7797,7 +7855,10 @@
           <a:lstStyle/>
           <a:p>
             <a:pPr rtl="0"/>
-            <a:endParaRPr lang="fr-FR" noProof="0"/>
+            <a:r>
+              <a:rPr lang="fr-FR" noProof="0"/>
+              <a:t>ETML - P_Appro1 2023</a:t>
+            </a:r>
           </a:p>
         </p:txBody>
       </p:sp>
@@ -8301,9 +8362,9 @@
           </a:lstStyle>
           <a:p>
             <a:pPr rtl="0"/>
-            <a:fld id="{5B68EB04-CF7D-414C-9659-CB148B45D4B9}" type="datetime1">
+            <a:fld id="{4A389481-0702-4F41-9EB5-E681FC51ED9F}" type="datetime1">
               <a:rPr lang="fr-FR" noProof="0" smtClean="0"/>
-              <a:t>13/03/2023</a:t>
+              <a:t>15/03/2023</a:t>
             </a:fld>
             <a:endParaRPr lang="fr-FR" noProof="0"/>
           </a:p>
@@ -8343,7 +8404,10 @@
           </a:lstStyle>
           <a:p>
             <a:pPr rtl="0"/>
-            <a:endParaRPr lang="fr-FR" noProof="0"/>
+            <a:r>
+              <a:rPr lang="fr-FR" noProof="0"/>
+              <a:t>ETML - P_Appro1 2023</a:t>
+            </a:r>
           </a:p>
         </p:txBody>
       </p:sp>
@@ -8884,14 +8948,27 @@
             <p:ph type="subTitle" idx="1"/>
           </p:nvPr>
         </p:nvSpPr>
-        <p:spPr/>
+        <p:spPr>
+          <a:xfrm>
+            <a:off x="5972961" y="3996267"/>
+            <a:ext cx="2122415" cy="1084772"/>
+          </a:xfrm>
+        </p:spPr>
         <p:txBody>
           <a:bodyPr/>
           <a:lstStyle/>
           <a:p>
+            <a:pPr algn="l"/>
             <a:r>
               <a:rPr lang="fr-CH" dirty="0"/>
               <a:t>Sylvain Philipona</a:t>
+            </a:r>
+          </a:p>
+          <a:p>
+            <a:pPr algn="l"/>
+            <a:r>
+              <a:rPr lang="fr-CH" dirty="0"/>
+              <a:t>P_Appro1 2023</a:t>
             </a:r>
           </a:p>
         </p:txBody>
@@ -8965,46 +9042,306 @@
           <a:lstStyle/>
           <a:p>
             <a:pPr rtl="0"/>
+            <a:r>
+              <a:rPr lang="fr-FR" noProof="0"/>
+              <a:t>ETML - P_Appro1 2023</a:t>
+            </a:r>
             <a:endParaRPr lang="fr-FR" noProof="0" dirty="0"/>
           </a:p>
         </p:txBody>
       </p:sp>
       <p:sp>
         <p:nvSpPr>
-          <p:cNvPr id="5" name="Espace réservé du numéro de diapositive 4">
+          <p:cNvPr id="7" name="Sous-titre 2">
             <a:extLst>
               <a:ext uri="{FF2B5EF4-FFF2-40B4-BE49-F238E27FC236}">
-                <a16:creationId xmlns:a16="http://schemas.microsoft.com/office/drawing/2014/main" id="{DB3C9B57-ABAE-400A-A9A0-37081DE6C59F}"/>
+                <a16:creationId xmlns:a16="http://schemas.microsoft.com/office/drawing/2014/main" id="{D6C786A7-B760-413C-B1BC-E4DBD323611B}"/>
               </a:ext>
             </a:extLst>
           </p:cNvPr>
-          <p:cNvSpPr>
-            <a:spLocks noGrp="1"/>
-          </p:cNvSpPr>
-          <p:nvPr>
-            <p:ph type="sldNum" sz="quarter" idx="12"/>
-          </p:nvPr>
+          <p:cNvSpPr txBox="1">
+            <a:spLocks/>
+          </p:cNvSpPr>
+          <p:nvPr/>
         </p:nvSpPr>
         <p:spPr>
           <a:xfrm>
-            <a:off x="10133901" y="5883275"/>
-            <a:ext cx="1369123" cy="365125"/>
+            <a:off x="9380608" y="3981106"/>
+            <a:ext cx="2122415" cy="817397"/>
           </a:xfrm>
+          <a:prstGeom prst="rect">
+            <a:avLst/>
+          </a:prstGeom>
         </p:spPr>
         <p:txBody>
-          <a:bodyPr/>
-          <a:lstStyle/>
-          <a:p>
-            <a:pPr rtl="0"/>
-            <a:fld id="{D57F1E4F-1CFF-5643-939E-217C01CDF565}" type="slidenum">
-              <a:rPr lang="fr-FR" sz="4000" noProof="0" smtClean="0"/>
-              <a:pPr rtl="0"/>
-              <a:t>1</a:t>
-            </a:fld>
-            <a:r>
-              <a:rPr lang="fr-FR" sz="4000" noProof="0" dirty="0"/>
-              <a:t> / 99</a:t>
-            </a:r>
+          <a:bodyPr vert="horz" lIns="91440" tIns="45720" rIns="91440" bIns="45720" rtlCol="0" anchor="t">
+            <a:normAutofit/>
+          </a:bodyPr>
+          <a:lstStyle>
+            <a:lvl1pPr marL="0" indent="0" algn="r" defTabSz="457200" rtl="0" eaLnBrk="1" latinLnBrk="0" hangingPunct="1">
+              <a:spcBef>
+                <a:spcPct val="20000"/>
+              </a:spcBef>
+              <a:spcAft>
+                <a:spcPts val="600"/>
+              </a:spcAft>
+              <a:buClr>
+                <a:schemeClr val="accent1">
+                  <a:lumMod val="75000"/>
+                </a:schemeClr>
+              </a:buClr>
+              <a:buSzPct val="145000"/>
+              <a:buFont typeface="Arial"/>
+              <a:buNone/>
+              <a:defRPr sz="2100" kern="1200" cap="none">
+                <a:solidFill>
+                  <a:schemeClr val="tx1"/>
+                </a:solidFill>
+                <a:effectLst/>
+                <a:latin typeface="+mn-lt"/>
+                <a:ea typeface="+mn-ea"/>
+                <a:cs typeface="+mn-cs"/>
+              </a:defRPr>
+            </a:lvl1pPr>
+            <a:lvl2pPr marL="457200" indent="0" algn="ctr" defTabSz="457200" rtl="0" eaLnBrk="1" latinLnBrk="0" hangingPunct="1">
+              <a:spcBef>
+                <a:spcPct val="20000"/>
+              </a:spcBef>
+              <a:spcAft>
+                <a:spcPts val="600"/>
+              </a:spcAft>
+              <a:buClr>
+                <a:schemeClr val="accent1">
+                  <a:lumMod val="75000"/>
+                </a:schemeClr>
+              </a:buClr>
+              <a:buSzPct val="145000"/>
+              <a:buFont typeface="Arial"/>
+              <a:buNone/>
+              <a:defRPr sz="2000" kern="1200" cap="none">
+                <a:solidFill>
+                  <a:schemeClr val="tx1">
+                    <a:tint val="75000"/>
+                  </a:schemeClr>
+                </a:solidFill>
+                <a:effectLst/>
+                <a:latin typeface="+mn-lt"/>
+                <a:ea typeface="+mn-ea"/>
+                <a:cs typeface="+mn-cs"/>
+              </a:defRPr>
+            </a:lvl2pPr>
+            <a:lvl3pPr marL="914400" indent="0" algn="ctr" defTabSz="457200" rtl="0" eaLnBrk="1" latinLnBrk="0" hangingPunct="1">
+              <a:spcBef>
+                <a:spcPct val="20000"/>
+              </a:spcBef>
+              <a:spcAft>
+                <a:spcPts val="600"/>
+              </a:spcAft>
+              <a:buClr>
+                <a:schemeClr val="accent1">
+                  <a:lumMod val="75000"/>
+                </a:schemeClr>
+              </a:buClr>
+              <a:buSzPct val="145000"/>
+              <a:buFont typeface="Arial"/>
+              <a:buNone/>
+              <a:defRPr sz="1800" kern="1200" cap="none">
+                <a:solidFill>
+                  <a:schemeClr val="tx1">
+                    <a:tint val="75000"/>
+                  </a:schemeClr>
+                </a:solidFill>
+                <a:effectLst/>
+                <a:latin typeface="+mn-lt"/>
+                <a:ea typeface="+mn-ea"/>
+                <a:cs typeface="+mn-cs"/>
+              </a:defRPr>
+            </a:lvl3pPr>
+            <a:lvl4pPr marL="1371600" indent="0" algn="ctr" defTabSz="457200" rtl="0" eaLnBrk="1" latinLnBrk="0" hangingPunct="1">
+              <a:spcBef>
+                <a:spcPct val="20000"/>
+              </a:spcBef>
+              <a:spcAft>
+                <a:spcPts val="600"/>
+              </a:spcAft>
+              <a:buClr>
+                <a:schemeClr val="accent1">
+                  <a:lumMod val="75000"/>
+                </a:schemeClr>
+              </a:buClr>
+              <a:buSzPct val="145000"/>
+              <a:buFont typeface="Arial"/>
+              <a:buNone/>
+              <a:defRPr sz="1600" kern="1200" cap="none">
+                <a:solidFill>
+                  <a:schemeClr val="tx1">
+                    <a:tint val="75000"/>
+                  </a:schemeClr>
+                </a:solidFill>
+                <a:effectLst/>
+                <a:latin typeface="+mn-lt"/>
+                <a:ea typeface="+mn-ea"/>
+                <a:cs typeface="+mn-cs"/>
+              </a:defRPr>
+            </a:lvl4pPr>
+            <a:lvl5pPr marL="1828800" indent="0" algn="ctr" defTabSz="457200" rtl="0" eaLnBrk="1" latinLnBrk="0" hangingPunct="1">
+              <a:spcBef>
+                <a:spcPct val="20000"/>
+              </a:spcBef>
+              <a:spcAft>
+                <a:spcPts val="600"/>
+              </a:spcAft>
+              <a:buClr>
+                <a:schemeClr val="accent1">
+                  <a:lumMod val="75000"/>
+                </a:schemeClr>
+              </a:buClr>
+              <a:buSzPct val="145000"/>
+              <a:buFont typeface="Arial"/>
+              <a:buNone/>
+              <a:defRPr sz="1400" kern="1200" cap="none">
+                <a:solidFill>
+                  <a:schemeClr val="tx1">
+                    <a:tint val="75000"/>
+                  </a:schemeClr>
+                </a:solidFill>
+                <a:effectLst/>
+                <a:latin typeface="+mn-lt"/>
+                <a:ea typeface="+mn-ea"/>
+                <a:cs typeface="+mn-cs"/>
+              </a:defRPr>
+            </a:lvl5pPr>
+            <a:lvl6pPr marL="2286000" indent="0" algn="ctr" defTabSz="457200" rtl="0" eaLnBrk="1" latinLnBrk="0" hangingPunct="1">
+              <a:spcBef>
+                <a:spcPct val="20000"/>
+              </a:spcBef>
+              <a:spcAft>
+                <a:spcPts val="600"/>
+              </a:spcAft>
+              <a:buClr>
+                <a:schemeClr val="accent1">
+                  <a:lumMod val="75000"/>
+                </a:schemeClr>
+              </a:buClr>
+              <a:buSzPct val="145000"/>
+              <a:buFont typeface="Arial"/>
+              <a:buNone/>
+              <a:defRPr sz="1400" kern="1200" cap="none">
+                <a:solidFill>
+                  <a:schemeClr val="tx1">
+                    <a:tint val="75000"/>
+                  </a:schemeClr>
+                </a:solidFill>
+                <a:effectLst/>
+                <a:latin typeface="+mn-lt"/>
+                <a:ea typeface="+mn-ea"/>
+                <a:cs typeface="+mn-cs"/>
+              </a:defRPr>
+            </a:lvl6pPr>
+            <a:lvl7pPr marL="2743200" indent="0" algn="ctr" defTabSz="457200" rtl="0" eaLnBrk="1" latinLnBrk="0" hangingPunct="1">
+              <a:spcBef>
+                <a:spcPct val="20000"/>
+              </a:spcBef>
+              <a:spcAft>
+                <a:spcPts val="600"/>
+              </a:spcAft>
+              <a:buClr>
+                <a:schemeClr val="accent1">
+                  <a:lumMod val="75000"/>
+                </a:schemeClr>
+              </a:buClr>
+              <a:buSzPct val="145000"/>
+              <a:buFont typeface="Arial"/>
+              <a:buNone/>
+              <a:defRPr sz="1400" kern="1200" cap="none">
+                <a:solidFill>
+                  <a:schemeClr val="tx1">
+                    <a:tint val="75000"/>
+                  </a:schemeClr>
+                </a:solidFill>
+                <a:effectLst/>
+                <a:latin typeface="+mn-lt"/>
+                <a:ea typeface="+mn-ea"/>
+                <a:cs typeface="+mn-cs"/>
+              </a:defRPr>
+            </a:lvl7pPr>
+            <a:lvl8pPr marL="3200400" indent="0" algn="ctr" defTabSz="457200" rtl="0" eaLnBrk="1" latinLnBrk="0" hangingPunct="1">
+              <a:spcBef>
+                <a:spcPct val="20000"/>
+              </a:spcBef>
+              <a:spcAft>
+                <a:spcPts val="600"/>
+              </a:spcAft>
+              <a:buClr>
+                <a:schemeClr val="accent1">
+                  <a:lumMod val="75000"/>
+                </a:schemeClr>
+              </a:buClr>
+              <a:buSzPct val="145000"/>
+              <a:buFont typeface="Arial"/>
+              <a:buNone/>
+              <a:defRPr sz="1400" kern="1200" cap="none">
+                <a:solidFill>
+                  <a:schemeClr val="tx1">
+                    <a:tint val="75000"/>
+                  </a:schemeClr>
+                </a:solidFill>
+                <a:effectLst/>
+                <a:latin typeface="+mn-lt"/>
+                <a:ea typeface="+mn-ea"/>
+                <a:cs typeface="+mn-cs"/>
+              </a:defRPr>
+            </a:lvl8pPr>
+            <a:lvl9pPr marL="3657600" indent="0" algn="ctr" defTabSz="457200" rtl="0" eaLnBrk="1" latinLnBrk="0" hangingPunct="1">
+              <a:spcBef>
+                <a:spcPct val="20000"/>
+              </a:spcBef>
+              <a:spcAft>
+                <a:spcPts val="600"/>
+              </a:spcAft>
+              <a:buClr>
+                <a:schemeClr val="accent1">
+                  <a:lumMod val="75000"/>
+                </a:schemeClr>
+              </a:buClr>
+              <a:buSzPct val="145000"/>
+              <a:buFont typeface="Arial"/>
+              <a:buNone/>
+              <a:defRPr sz="1400" kern="1200" cap="none">
+                <a:solidFill>
+                  <a:schemeClr val="tx1">
+                    <a:tint val="75000"/>
+                  </a:schemeClr>
+                </a:solidFill>
+                <a:effectLst/>
+                <a:latin typeface="+mn-lt"/>
+                <a:ea typeface="+mn-ea"/>
+                <a:cs typeface="+mn-cs"/>
+              </a:defRPr>
+            </a:lvl9pPr>
+          </a:lstStyle>
+          <a:p>
+            <a:pPr algn="l"/>
+            <a:r>
+              <a:rPr lang="fr-CH" dirty="0"/>
+              <a:t>Gilbert </a:t>
+            </a:r>
+            <a:r>
+              <a:rPr lang="fr-CH" dirty="0" err="1"/>
+              <a:t>Gruaz</a:t>
+            </a:r>
+            <a:br>
+              <a:rPr lang="fr-CH" dirty="0"/>
+            </a:br>
+            <a:r>
+              <a:rPr lang="fr-CH" dirty="0"/>
+              <a:t>Romain </a:t>
+            </a:r>
+            <a:r>
+              <a:rPr lang="fr-CH" dirty="0" err="1"/>
+              <a:t>Gehrig</a:t>
+            </a:r>
+            <a:endParaRPr lang="fr-CH" dirty="0"/>
           </a:p>
         </p:txBody>
       </p:sp>
@@ -9068,9 +9405,10 @@
           <a:p>
             <a:pPr algn="l"/>
             <a:r>
-              <a:rPr lang="fr-CH" dirty="0"/>
+              <a:rPr lang="fr-CH" sz="3600" dirty="0"/>
               <a:t>Sommaire</a:t>
             </a:r>
+            <a:endParaRPr lang="fr-CH" dirty="0"/>
           </a:p>
         </p:txBody>
       </p:sp>
@@ -9179,47 +9517,11 @@
           <a:bodyPr/>
           <a:lstStyle/>
           <a:p>
-            <a:pPr rtl="0"/>
-            <a:endParaRPr lang="fr-FR" noProof="0"/>
-          </a:p>
-        </p:txBody>
-      </p:sp>
-      <p:sp>
-        <p:nvSpPr>
-          <p:cNvPr id="6" name="Espace réservé du numéro de diapositive 4">
-            <a:extLst>
-              <a:ext uri="{FF2B5EF4-FFF2-40B4-BE49-F238E27FC236}">
-                <a16:creationId xmlns:a16="http://schemas.microsoft.com/office/drawing/2014/main" id="{6AB5A7A3-0077-4D3B-8754-435563C5EE48}"/>
-              </a:ext>
-            </a:extLst>
-          </p:cNvPr>
-          <p:cNvSpPr>
-            <a:spLocks noGrp="1"/>
-          </p:cNvSpPr>
-          <p:nvPr>
-            <p:ph type="sldNum" sz="quarter" idx="12"/>
-          </p:nvPr>
-        </p:nvSpPr>
-        <p:spPr>
-          <a:xfrm>
-            <a:off x="10133901" y="5883275"/>
-            <a:ext cx="1369123" cy="365125"/>
-          </a:xfrm>
-        </p:spPr>
-        <p:txBody>
-          <a:bodyPr/>
-          <a:lstStyle/>
-          <a:p>
-            <a:pPr rtl="0"/>
-            <a:fld id="{D57F1E4F-1CFF-5643-939E-217C01CDF565}" type="slidenum">
-              <a:rPr lang="fr-FR" sz="4000" noProof="0" smtClean="0"/>
-              <a:pPr rtl="0"/>
-              <a:t>2</a:t>
-            </a:fld>
-            <a:r>
-              <a:rPr lang="fr-FR" sz="4000" noProof="0" dirty="0"/>
-              <a:t> / 99</a:t>
-            </a:r>
+            <a:r>
+              <a:rPr lang="fr-CH"/>
+              <a:t>ETML - P_Appro1 2023</a:t>
+            </a:r>
+            <a:endParaRPr lang="fr-CH" dirty="0"/>
           </a:p>
         </p:txBody>
       </p:sp>
@@ -9283,10 +9585,18 @@
           <a:p>
             <a:pPr algn="l"/>
             <a:r>
-              <a:rPr lang="fr-CH"/>
+              <a:rPr lang="fr-CH" sz="3600" dirty="0"/>
               <a:t>Introduction</a:t>
             </a:r>
-            <a:endParaRPr lang="fr-CH" dirty="0"/>
+            <a:r>
+              <a:rPr lang="fr-CH" sz="1600" dirty="0"/>
+              <a:t> </a:t>
+            </a:r>
+            <a:r>
+              <a:rPr lang="fr-CH" sz="1300" dirty="0"/>
+              <a:t>- Fonctionnalités demandées - Planification et journal de travail - Problèmes rencontrés - Conclusion</a:t>
+            </a:r>
+            <a:endParaRPr lang="fr-CH" sz="1600" dirty="0"/>
           </a:p>
         </p:txBody>
       </p:sp>
@@ -9334,6 +9644,25 @@
               <a:buFont typeface="Wingdings" panose="05000000000000000000" pitchFamily="2" charset="2"/>
               <a:buChar char="v"/>
             </a:pPr>
+            <a:r>
+              <a:rPr lang="fr-CH" sz="2800" dirty="0"/>
+              <a:t>Pourquoi PowerShell ?</a:t>
+            </a:r>
+          </a:p>
+          <a:p>
+            <a:pPr>
+              <a:buSzPct val="100000"/>
+              <a:buFont typeface="Wingdings" panose="05000000000000000000" pitchFamily="2" charset="2"/>
+              <a:buChar char="v"/>
+            </a:pPr>
+            <a:endParaRPr lang="fr-CH" sz="2800" dirty="0"/>
+          </a:p>
+          <a:p>
+            <a:pPr>
+              <a:buSzPct val="100000"/>
+              <a:buFont typeface="Wingdings" panose="05000000000000000000" pitchFamily="2" charset="2"/>
+              <a:buChar char="v"/>
+            </a:pPr>
             <a:endParaRPr lang="fr-CH" sz="2800" dirty="0"/>
           </a:p>
         </p:txBody>
@@ -9360,47 +9689,10 @@
           <a:lstStyle/>
           <a:p>
             <a:pPr rtl="0"/>
-            <a:endParaRPr lang="fr-FR" noProof="0"/>
-          </a:p>
-        </p:txBody>
-      </p:sp>
-      <p:sp>
-        <p:nvSpPr>
-          <p:cNvPr id="6" name="Espace réservé du numéro de diapositive 4">
-            <a:extLst>
-              <a:ext uri="{FF2B5EF4-FFF2-40B4-BE49-F238E27FC236}">
-                <a16:creationId xmlns:a16="http://schemas.microsoft.com/office/drawing/2014/main" id="{6AB5A7A3-0077-4D3B-8754-435563C5EE48}"/>
-              </a:ext>
-            </a:extLst>
-          </p:cNvPr>
-          <p:cNvSpPr>
-            <a:spLocks noGrp="1"/>
-          </p:cNvSpPr>
-          <p:nvPr>
-            <p:ph type="sldNum" sz="quarter" idx="12"/>
-          </p:nvPr>
-        </p:nvSpPr>
-        <p:spPr>
-          <a:xfrm>
-            <a:off x="10133901" y="5883275"/>
-            <a:ext cx="1369123" cy="365125"/>
-          </a:xfrm>
-        </p:spPr>
-        <p:txBody>
-          <a:bodyPr/>
-          <a:lstStyle/>
-          <a:p>
-            <a:pPr rtl="0"/>
-            <a:fld id="{D57F1E4F-1CFF-5643-939E-217C01CDF565}" type="slidenum">
-              <a:rPr lang="fr-FR" sz="4000" noProof="0" smtClean="0"/>
-              <a:pPr rtl="0"/>
-              <a:t>3</a:t>
-            </a:fld>
-            <a:r>
-              <a:rPr lang="fr-FR" sz="4000" noProof="0"/>
-              <a:t> / 99</a:t>
-            </a:r>
-            <a:endParaRPr lang="fr-FR" sz="4000" noProof="0" dirty="0"/>
+            <a:r>
+              <a:rPr lang="fr-FR" noProof="0"/>
+              <a:t>ETML - P_Appro1 2023</a:t>
+            </a:r>
           </a:p>
         </p:txBody>
       </p:sp>
@@ -9464,8 +9756,16 @@
           <a:p>
             <a:pPr algn="l"/>
             <a:r>
-              <a:rPr lang="fr-CH" dirty="0"/>
+              <a:rPr lang="fr-CH" sz="1200" dirty="0"/>
+              <a:t>Introduction - </a:t>
+            </a:r>
+            <a:r>
+              <a:rPr lang="fr-CH" sz="3600" dirty="0"/>
               <a:t>Fonctionnalités demandées</a:t>
+            </a:r>
+            <a:r>
+              <a:rPr lang="fr-CH" sz="1200" dirty="0"/>
+              <a:t> - Planification et journal de travail - Problèmes rencontrés - Conclusion</a:t>
             </a:r>
           </a:p>
         </p:txBody>
@@ -9492,45 +9792,9 @@
           <a:lstStyle/>
           <a:p>
             <a:pPr rtl="0"/>
-            <a:endParaRPr lang="fr-FR" noProof="0"/>
-          </a:p>
-        </p:txBody>
-      </p:sp>
-      <p:sp>
-        <p:nvSpPr>
-          <p:cNvPr id="6" name="Espace réservé du numéro de diapositive 4">
-            <a:extLst>
-              <a:ext uri="{FF2B5EF4-FFF2-40B4-BE49-F238E27FC236}">
-                <a16:creationId xmlns:a16="http://schemas.microsoft.com/office/drawing/2014/main" id="{6AB5A7A3-0077-4D3B-8754-435563C5EE48}"/>
-              </a:ext>
-            </a:extLst>
-          </p:cNvPr>
-          <p:cNvSpPr>
-            <a:spLocks noGrp="1"/>
-          </p:cNvSpPr>
-          <p:nvPr>
-            <p:ph type="sldNum" sz="quarter" idx="12"/>
-          </p:nvPr>
-        </p:nvSpPr>
-        <p:spPr>
-          <a:xfrm>
-            <a:off x="10133901" y="5883275"/>
-            <a:ext cx="1369123" cy="365125"/>
-          </a:xfrm>
-        </p:spPr>
-        <p:txBody>
-          <a:bodyPr/>
-          <a:lstStyle/>
-          <a:p>
-            <a:pPr rtl="0"/>
-            <a:fld id="{D57F1E4F-1CFF-5643-939E-217C01CDF565}" type="slidenum">
-              <a:rPr lang="fr-FR" sz="4000" noProof="0" smtClean="0"/>
-              <a:pPr rtl="0"/>
-              <a:t>4</a:t>
-            </a:fld>
-            <a:r>
-              <a:rPr lang="fr-FR" sz="4000" noProof="0" dirty="0"/>
-              <a:t> / 99</a:t>
+            <a:r>
+              <a:rPr lang="fr-FR" noProof="0"/>
+              <a:t>ETML - P_Appro1 2023</a:t>
             </a:r>
           </a:p>
         </p:txBody>
@@ -9550,14 +9814,14 @@
           <p:nvPr>
             <p:extLst>
               <p:ext uri="{D42A27DB-BD31-4B8C-83A1-F6EECF244321}">
-                <p14:modId xmlns:p14="http://schemas.microsoft.com/office/powerpoint/2010/main" val="2779101891"/>
+                <p14:modId xmlns:p14="http://schemas.microsoft.com/office/powerpoint/2010/main" val="3273559196"/>
               </p:ext>
             </p:extLst>
           </p:nvPr>
         </p:nvGraphicFramePr>
         <p:xfrm>
-          <a:off x="2110446" y="1233183"/>
-          <a:ext cx="8216402" cy="5015217"/>
+          <a:off x="1199381" y="1384184"/>
+          <a:ext cx="8837187" cy="5092118"/>
         </p:xfrm>
         <a:graphic>
           <a:graphicData uri="http://schemas.openxmlformats.org/drawingml/2006/chart">
@@ -9613,8 +9877,8 @@
         </p:nvSpPr>
         <p:spPr>
           <a:xfrm>
-            <a:off x="1484312" y="685801"/>
-            <a:ext cx="10018712" cy="547382"/>
+            <a:off x="1484311" y="685801"/>
+            <a:ext cx="10268665" cy="547382"/>
           </a:xfrm>
         </p:spPr>
         <p:txBody>
@@ -9627,8 +9891,16 @@
               <a:buSzPct val="100000"/>
             </a:pPr>
             <a:r>
-              <a:rPr lang="fr-CH" dirty="0"/>
+              <a:rPr lang="fr-CH" sz="1200" dirty="0"/>
+              <a:t>Introduction - Fonctionnalités demandées - </a:t>
+            </a:r>
+            <a:r>
+              <a:rPr lang="fr-CH" sz="3600" dirty="0"/>
               <a:t>Planification et journal de travail</a:t>
+            </a:r>
+            <a:r>
+              <a:rPr lang="fr-CH" sz="1200" dirty="0"/>
+              <a:t> - Problèmes rencontrés - Conclusion</a:t>
             </a:r>
           </a:p>
         </p:txBody>
@@ -9655,52 +9927,16 @@
           <a:lstStyle/>
           <a:p>
             <a:pPr rtl="0"/>
-            <a:endParaRPr lang="fr-FR" noProof="0"/>
-          </a:p>
-        </p:txBody>
-      </p:sp>
-      <p:sp>
-        <p:nvSpPr>
-          <p:cNvPr id="6" name="Espace réservé du numéro de diapositive 4">
-            <a:extLst>
-              <a:ext uri="{FF2B5EF4-FFF2-40B4-BE49-F238E27FC236}">
-                <a16:creationId xmlns:a16="http://schemas.microsoft.com/office/drawing/2014/main" id="{6AB5A7A3-0077-4D3B-8754-435563C5EE48}"/>
-              </a:ext>
-            </a:extLst>
-          </p:cNvPr>
-          <p:cNvSpPr>
-            <a:spLocks noGrp="1"/>
-          </p:cNvSpPr>
-          <p:nvPr>
-            <p:ph type="sldNum" sz="quarter" idx="12"/>
-          </p:nvPr>
-        </p:nvSpPr>
-        <p:spPr>
-          <a:xfrm>
-            <a:off x="10133901" y="5883275"/>
-            <a:ext cx="1369123" cy="365125"/>
-          </a:xfrm>
-        </p:spPr>
-        <p:txBody>
-          <a:bodyPr/>
-          <a:lstStyle/>
-          <a:p>
-            <a:pPr rtl="0"/>
-            <a:fld id="{D57F1E4F-1CFF-5643-939E-217C01CDF565}" type="slidenum">
-              <a:rPr lang="fr-FR" sz="4000" noProof="0" smtClean="0"/>
-              <a:pPr rtl="0"/>
-              <a:t>5</a:t>
-            </a:fld>
-            <a:r>
-              <a:rPr lang="fr-FR" sz="4000" noProof="0" dirty="0"/>
-              <a:t> / 99</a:t>
+            <a:r>
+              <a:rPr lang="fr-FR" noProof="0"/>
+              <a:t>ETML - P_Appro1 2023</a:t>
             </a:r>
           </a:p>
         </p:txBody>
       </p:sp>
       <p:graphicFrame>
         <p:nvGraphicFramePr>
-          <p:cNvPr id="7" name="Espace réservé du contenu 6">
+          <p:cNvPr id="10" name="Graphique 9">
             <a:extLst>
               <a:ext uri="{FF2B5EF4-FFF2-40B4-BE49-F238E27FC236}">
                 <a16:creationId xmlns:a16="http://schemas.microsoft.com/office/drawing/2014/main" id="{33B3B761-BE99-4B8F-9EDF-D4E603BAEECF}"/>
@@ -9708,20 +9944,19 @@
             </a:extLst>
           </p:cNvPr>
           <p:cNvGraphicFramePr>
-            <a:graphicFrameLocks noGrp="1"/>
+            <a:graphicFrameLocks/>
           </p:cNvGraphicFramePr>
           <p:nvPr>
-            <p:ph idx="1"/>
             <p:extLst>
               <p:ext uri="{D42A27DB-BD31-4B8C-83A1-F6EECF244321}">
-                <p14:modId xmlns:p14="http://schemas.microsoft.com/office/powerpoint/2010/main" val="2577240818"/>
+                <p14:modId xmlns:p14="http://schemas.microsoft.com/office/powerpoint/2010/main" val="763240194"/>
               </p:ext>
             </p:extLst>
           </p:nvPr>
         </p:nvGraphicFramePr>
         <p:xfrm>
-          <a:off x="2491208" y="1593850"/>
-          <a:ext cx="8004920" cy="4289425"/>
+          <a:off x="1385895" y="1076312"/>
+          <a:ext cx="9321793" cy="4806963"/>
         </p:xfrm>
         <a:graphic>
           <a:graphicData uri="http://schemas.openxmlformats.org/drawingml/2006/chart">
@@ -9729,6 +9964,181 @@
           </a:graphicData>
         </a:graphic>
       </p:graphicFrame>
+      <p:sp>
+        <p:nvSpPr>
+          <p:cNvPr id="12" name="Organigramme : Connecteur 11">
+            <a:extLst>
+              <a:ext uri="{FF2B5EF4-FFF2-40B4-BE49-F238E27FC236}">
+                <a16:creationId xmlns:a16="http://schemas.microsoft.com/office/drawing/2014/main" id="{49CE67B0-BB58-4BE4-A99B-9CB7D8ABB184}"/>
+              </a:ext>
+            </a:extLst>
+          </p:cNvPr>
+          <p:cNvSpPr/>
+          <p:nvPr/>
+        </p:nvSpPr>
+        <p:spPr>
+          <a:xfrm>
+            <a:off x="4226168" y="6089120"/>
+            <a:ext cx="382555" cy="365126"/>
+          </a:xfrm>
+          <a:prstGeom prst="flowChartConnector">
+            <a:avLst/>
+          </a:prstGeom>
+          <a:solidFill>
+            <a:srgbClr val="30ACEC"/>
+          </a:solidFill>
+        </p:spPr>
+        <p:style>
+          <a:lnRef idx="2">
+            <a:schemeClr val="accent1">
+              <a:shade val="50000"/>
+            </a:schemeClr>
+          </a:lnRef>
+          <a:fillRef idx="1">
+            <a:schemeClr val="accent1"/>
+          </a:fillRef>
+          <a:effectRef idx="0">
+            <a:schemeClr val="accent1"/>
+          </a:effectRef>
+          <a:fontRef idx="minor">
+            <a:schemeClr val="lt1"/>
+          </a:fontRef>
+        </p:style>
+        <p:txBody>
+          <a:bodyPr rtlCol="0" anchor="ctr"/>
+          <a:lstStyle/>
+          <a:p>
+            <a:pPr algn="ctr"/>
+            <a:endParaRPr lang="fr-CH"/>
+          </a:p>
+        </p:txBody>
+      </p:sp>
+      <p:sp>
+        <p:nvSpPr>
+          <p:cNvPr id="13" name="Organigramme : Connecteur 12">
+            <a:extLst>
+              <a:ext uri="{FF2B5EF4-FFF2-40B4-BE49-F238E27FC236}">
+                <a16:creationId xmlns:a16="http://schemas.microsoft.com/office/drawing/2014/main" id="{2E078ABC-1DAB-4B84-87EE-9EA5B10885A8}"/>
+              </a:ext>
+            </a:extLst>
+          </p:cNvPr>
+          <p:cNvSpPr/>
+          <p:nvPr/>
+        </p:nvSpPr>
+        <p:spPr>
+          <a:xfrm>
+            <a:off x="7529759" y="6089120"/>
+            <a:ext cx="382555" cy="365126"/>
+          </a:xfrm>
+          <a:prstGeom prst="flowChartConnector">
+            <a:avLst/>
+          </a:prstGeom>
+          <a:solidFill>
+            <a:srgbClr val="80C34F"/>
+          </a:solidFill>
+          <a:ln>
+            <a:solidFill>
+              <a:schemeClr val="accent2">
+                <a:lumMod val="75000"/>
+              </a:schemeClr>
+            </a:solidFill>
+          </a:ln>
+        </p:spPr>
+        <p:style>
+          <a:lnRef idx="2">
+            <a:schemeClr val="accent1">
+              <a:shade val="50000"/>
+            </a:schemeClr>
+          </a:lnRef>
+          <a:fillRef idx="1">
+            <a:schemeClr val="accent1"/>
+          </a:fillRef>
+          <a:effectRef idx="0">
+            <a:schemeClr val="accent1"/>
+          </a:effectRef>
+          <a:fontRef idx="minor">
+            <a:schemeClr val="lt1"/>
+          </a:fontRef>
+        </p:style>
+        <p:txBody>
+          <a:bodyPr rtlCol="0" anchor="ctr"/>
+          <a:lstStyle/>
+          <a:p>
+            <a:pPr algn="ctr"/>
+            <a:endParaRPr lang="fr-CH"/>
+          </a:p>
+        </p:txBody>
+      </p:sp>
+      <p:sp>
+        <p:nvSpPr>
+          <p:cNvPr id="14" name="ZoneTexte 13">
+            <a:extLst>
+              <a:ext uri="{FF2B5EF4-FFF2-40B4-BE49-F238E27FC236}">
+                <a16:creationId xmlns:a16="http://schemas.microsoft.com/office/drawing/2014/main" id="{F8AD311C-C369-4FB8-8C04-77BD06B23FA9}"/>
+              </a:ext>
+            </a:extLst>
+          </p:cNvPr>
+          <p:cNvSpPr txBox="1"/>
+          <p:nvPr/>
+        </p:nvSpPr>
+        <p:spPr>
+          <a:xfrm>
+            <a:off x="4683368" y="6089120"/>
+            <a:ext cx="905069" cy="369332"/>
+          </a:xfrm>
+          <a:prstGeom prst="rect">
+            <a:avLst/>
+          </a:prstGeom>
+          <a:noFill/>
+        </p:spPr>
+        <p:txBody>
+          <a:bodyPr wrap="square" rtlCol="0">
+            <a:spAutoFit/>
+          </a:bodyPr>
+          <a:lstStyle/>
+          <a:p>
+            <a:r>
+              <a:rPr lang="fr-CH" dirty="0"/>
+              <a:t>Planifié</a:t>
+            </a:r>
+          </a:p>
+        </p:txBody>
+      </p:sp>
+      <p:sp>
+        <p:nvSpPr>
+          <p:cNvPr id="15" name="ZoneTexte 14">
+            <a:extLst>
+              <a:ext uri="{FF2B5EF4-FFF2-40B4-BE49-F238E27FC236}">
+                <a16:creationId xmlns:a16="http://schemas.microsoft.com/office/drawing/2014/main" id="{95486A12-4216-44E0-A33F-7BAD377DD0C8}"/>
+              </a:ext>
+            </a:extLst>
+          </p:cNvPr>
+          <p:cNvSpPr txBox="1"/>
+          <p:nvPr/>
+        </p:nvSpPr>
+        <p:spPr>
+          <a:xfrm>
+            <a:off x="7995297" y="6089120"/>
+            <a:ext cx="905069" cy="369332"/>
+          </a:xfrm>
+          <a:prstGeom prst="rect">
+            <a:avLst/>
+          </a:prstGeom>
+          <a:noFill/>
+        </p:spPr>
+        <p:txBody>
+          <a:bodyPr wrap="square" rtlCol="0">
+            <a:spAutoFit/>
+          </a:bodyPr>
+          <a:lstStyle/>
+          <a:p>
+            <a:r>
+              <a:rPr lang="fr-CH" dirty="0"/>
+              <a:t>Réalisé</a:t>
+            </a:r>
+          </a:p>
+        </p:txBody>
+      </p:sp>
     </p:spTree>
     <p:extLst>
       <p:ext uri="{BB962C8B-B14F-4D97-AF65-F5344CB8AC3E}">
@@ -9791,9 +10201,26 @@
               <a:buSzPct val="100000"/>
             </a:pPr>
             <a:r>
-              <a:rPr lang="fr-CH" dirty="0"/>
+              <a:rPr lang="fr-CH" sz="1300" dirty="0"/>
+              <a:t>Introduction - Fonctionnalités demandées - Planification et journal de travail </a:t>
+            </a:r>
+            <a:r>
+              <a:rPr lang="fr-CH" sz="1200" dirty="0"/>
+              <a:t>- </a:t>
+            </a:r>
+            <a:r>
+              <a:rPr lang="fr-CH" sz="3600" dirty="0"/>
               <a:t>Problèmes rencontrés</a:t>
             </a:r>
+            <a:r>
+              <a:rPr lang="fr-CH" sz="1200" dirty="0"/>
+              <a:t> </a:t>
+            </a:r>
+            <a:r>
+              <a:rPr lang="fr-CH" sz="1300" dirty="0"/>
+              <a:t>- Conclusion</a:t>
+            </a:r>
+            <a:endParaRPr lang="fr-CH" sz="1200" dirty="0"/>
           </a:p>
         </p:txBody>
       </p:sp>
@@ -9878,45 +10305,9 @@
           <a:lstStyle/>
           <a:p>
             <a:pPr rtl="0"/>
-            <a:endParaRPr lang="fr-FR" noProof="0"/>
-          </a:p>
-        </p:txBody>
-      </p:sp>
-      <p:sp>
-        <p:nvSpPr>
-          <p:cNvPr id="6" name="Espace réservé du numéro de diapositive 4">
-            <a:extLst>
-              <a:ext uri="{FF2B5EF4-FFF2-40B4-BE49-F238E27FC236}">
-                <a16:creationId xmlns:a16="http://schemas.microsoft.com/office/drawing/2014/main" id="{6AB5A7A3-0077-4D3B-8754-435563C5EE48}"/>
-              </a:ext>
-            </a:extLst>
-          </p:cNvPr>
-          <p:cNvSpPr>
-            <a:spLocks noGrp="1"/>
-          </p:cNvSpPr>
-          <p:nvPr>
-            <p:ph type="sldNum" sz="quarter" idx="12"/>
-          </p:nvPr>
-        </p:nvSpPr>
-        <p:spPr>
-          <a:xfrm>
-            <a:off x="10133901" y="5883275"/>
-            <a:ext cx="1369123" cy="365125"/>
-          </a:xfrm>
-        </p:spPr>
-        <p:txBody>
-          <a:bodyPr/>
-          <a:lstStyle/>
-          <a:p>
-            <a:pPr rtl="0"/>
-            <a:fld id="{D57F1E4F-1CFF-5643-939E-217C01CDF565}" type="slidenum">
-              <a:rPr lang="fr-FR" sz="4000" noProof="0" smtClean="0"/>
-              <a:pPr rtl="0"/>
-              <a:t>6</a:t>
-            </a:fld>
-            <a:r>
-              <a:rPr lang="fr-FR" sz="4000" noProof="0" dirty="0"/>
-              <a:t> / 99</a:t>
+            <a:r>
+              <a:rPr lang="fr-FR" noProof="0"/>
+              <a:t>ETML - P_Appro1 2023</a:t>
             </a:r>
           </a:p>
         </p:txBody>
@@ -9969,8 +10360,8 @@
         </p:nvSpPr>
         <p:spPr>
           <a:xfrm>
-            <a:off x="1484312" y="685801"/>
-            <a:ext cx="10018712" cy="547382"/>
+            <a:off x="1484312" y="870498"/>
+            <a:ext cx="10184774" cy="729431"/>
           </a:xfrm>
         </p:spPr>
         <p:txBody>
@@ -9983,46 +10374,24 @@
               <a:buSzPct val="100000"/>
             </a:pPr>
             <a:r>
-              <a:rPr lang="fr-CH"/>
+              <a:rPr lang="fr-CH" sz="1300" dirty="0"/>
+              <a:t>Introduction - Fonctionnalités demandées - Planification et journal de travail - </a:t>
+            </a:r>
+            <a:r>
+              <a:rPr lang="fr-CH" sz="3600" dirty="0"/>
+              <a:t>Problèmes rencontrés</a:t>
+            </a:r>
+            <a:r>
+              <a:rPr lang="fr-CH" sz="1300" dirty="0"/>
+              <a:t> - Conclusion</a:t>
+            </a:r>
+            <a:br>
+              <a:rPr lang="fr-CH" sz="1100" dirty="0"/>
+            </a:br>
+            <a:r>
+              <a:rPr lang="fr-CH" dirty="0"/>
               <a:t>Encodage UTF-8 Bom</a:t>
             </a:r>
-            <a:endParaRPr lang="fr-CH" dirty="0"/>
-          </a:p>
-        </p:txBody>
-      </p:sp>
-      <p:sp>
-        <p:nvSpPr>
-          <p:cNvPr id="3" name="Espace réservé du contenu 2">
-            <a:extLst>
-              <a:ext uri="{FF2B5EF4-FFF2-40B4-BE49-F238E27FC236}">
-                <a16:creationId xmlns:a16="http://schemas.microsoft.com/office/drawing/2014/main" id="{D4B1096E-49F6-43B9-A15E-073F371B52BD}"/>
-              </a:ext>
-            </a:extLst>
-          </p:cNvPr>
-          <p:cNvSpPr>
-            <a:spLocks noGrp="1"/>
-          </p:cNvSpPr>
-          <p:nvPr>
-            <p:ph idx="1"/>
-          </p:nvPr>
-        </p:nvSpPr>
-        <p:spPr>
-          <a:xfrm>
-            <a:off x="1484310" y="1501629"/>
-            <a:ext cx="10018713" cy="4289572"/>
-          </a:xfrm>
-        </p:spPr>
-        <p:txBody>
-          <a:bodyPr>
-            <a:normAutofit/>
-          </a:bodyPr>
-          <a:lstStyle/>
-          <a:p>
-            <a:pPr marL="0" indent="0">
-              <a:buSzPct val="100000"/>
-              <a:buNone/>
-            </a:pPr>
-            <a:endParaRPr lang="fr-CH" sz="2800" dirty="0"/>
           </a:p>
         </p:txBody>
       </p:sp>
@@ -10048,50 +10417,118 @@
           <a:lstStyle/>
           <a:p>
             <a:pPr rtl="0"/>
-            <a:endParaRPr lang="fr-FR" noProof="0"/>
-          </a:p>
-        </p:txBody>
-      </p:sp>
-      <p:sp>
-        <p:nvSpPr>
-          <p:cNvPr id="6" name="Espace réservé du numéro de diapositive 4">
+            <a:r>
+              <a:rPr lang="fr-FR" noProof="0"/>
+              <a:t>ETML - P_Appro1 2023</a:t>
+            </a:r>
+          </a:p>
+        </p:txBody>
+      </p:sp>
+      <p:pic>
+        <p:nvPicPr>
+          <p:cNvPr id="9" name="Image 8">
             <a:extLst>
               <a:ext uri="{FF2B5EF4-FFF2-40B4-BE49-F238E27FC236}">
-                <a16:creationId xmlns:a16="http://schemas.microsoft.com/office/drawing/2014/main" id="{6AB5A7A3-0077-4D3B-8754-435563C5EE48}"/>
+                <a16:creationId xmlns:a16="http://schemas.microsoft.com/office/drawing/2014/main" id="{8CA0F07C-E695-41D3-9A31-386EFDBD4F79}"/>
               </a:ext>
             </a:extLst>
           </p:cNvPr>
-          <p:cNvSpPr>
-            <a:spLocks noGrp="1"/>
-          </p:cNvSpPr>
-          <p:nvPr>
-            <p:ph type="sldNum" sz="quarter" idx="12"/>
-          </p:nvPr>
-        </p:nvSpPr>
+          <p:cNvPicPr/>
+          <p:nvPr/>
+        </p:nvPicPr>
+        <p:blipFill>
+          <a:blip r:embed="rId2"/>
+          <a:stretch>
+            <a:fillRect/>
+          </a:stretch>
+        </p:blipFill>
         <p:spPr>
           <a:xfrm>
-            <a:off x="10133901" y="5883275"/>
-            <a:ext cx="1369123" cy="365125"/>
+            <a:off x="1767893" y="1998650"/>
+            <a:ext cx="4210050" cy="519430"/>
           </a:xfrm>
+          <a:prstGeom prst="rect">
+            <a:avLst/>
+          </a:prstGeom>
         </p:spPr>
-        <p:txBody>
-          <a:bodyPr/>
-          <a:lstStyle/>
-          <a:p>
-            <a:pPr rtl="0"/>
-            <a:fld id="{D57F1E4F-1CFF-5643-939E-217C01CDF565}" type="slidenum">
-              <a:rPr lang="fr-FR" sz="4000" noProof="0" smtClean="0"/>
-              <a:pPr rtl="0"/>
-              <a:t>7</a:t>
-            </a:fld>
-            <a:r>
-              <a:rPr lang="fr-FR" sz="4000" noProof="0"/>
-              <a:t> / 99</a:t>
-            </a:r>
-            <a:endParaRPr lang="fr-FR" sz="4000" noProof="0" dirty="0"/>
-          </a:p>
-        </p:txBody>
-      </p:sp>
+      </p:pic>
+      <p:pic>
+        <p:nvPicPr>
+          <p:cNvPr id="10" name="Image 9">
+            <a:extLst>
+              <a:ext uri="{FF2B5EF4-FFF2-40B4-BE49-F238E27FC236}">
+                <a16:creationId xmlns:a16="http://schemas.microsoft.com/office/drawing/2014/main" id="{FD77AAE2-D816-4F2F-97CD-CA8952F3AAC0}"/>
+              </a:ext>
+            </a:extLst>
+          </p:cNvPr>
+          <p:cNvPicPr>
+            <a:picLocks noChangeAspect="1"/>
+          </p:cNvPicPr>
+          <p:nvPr/>
+        </p:nvPicPr>
+        <p:blipFill>
+          <a:blip r:embed="rId3"/>
+          <a:stretch>
+            <a:fillRect/>
+          </a:stretch>
+        </p:blipFill>
+        <p:spPr>
+          <a:xfrm>
+            <a:off x="5740296" y="3101498"/>
+            <a:ext cx="5677692" cy="2476846"/>
+          </a:xfrm>
+          <a:prstGeom prst="rect">
+            <a:avLst/>
+          </a:prstGeom>
+        </p:spPr>
+      </p:pic>
+      <p:pic>
+        <p:nvPicPr>
+          <p:cNvPr id="4098" name="Picture 2" descr="UTF-8 Icons - Your no.1 source for UTF-8 character icons">
+            <a:extLst>
+              <a:ext uri="{FF2B5EF4-FFF2-40B4-BE49-F238E27FC236}">
+                <a16:creationId xmlns:a16="http://schemas.microsoft.com/office/drawing/2014/main" id="{287B697D-9267-478A-B133-1D9F98CC1051}"/>
+              </a:ext>
+            </a:extLst>
+          </p:cNvPr>
+          <p:cNvPicPr>
+            <a:picLocks noChangeAspect="1" noChangeArrowheads="1"/>
+          </p:cNvPicPr>
+          <p:nvPr/>
+        </p:nvPicPr>
+        <p:blipFill>
+          <a:blip r:embed="rId4">
+            <a:extLst>
+              <a:ext uri="{28A0092B-C50C-407E-A947-70E740481C1C}">
+                <a14:useLocalDpi xmlns:a14="http://schemas.microsoft.com/office/drawing/2010/main" val="0"/>
+              </a:ext>
+            </a:extLst>
+          </a:blip>
+          <a:srcRect/>
+          <a:stretch>
+            <a:fillRect/>
+          </a:stretch>
+        </p:blipFill>
+        <p:spPr bwMode="auto">
+          <a:xfrm>
+            <a:off x="2650382" y="3738703"/>
+            <a:ext cx="1762227" cy="991253"/>
+          </a:xfrm>
+          <a:prstGeom prst="rect">
+            <a:avLst/>
+          </a:prstGeom>
+          <a:noFill/>
+          <a:extLst>
+            <a:ext uri="{909E8E84-426E-40DD-AFC4-6F175D3DCCD1}">
+              <a14:hiddenFill xmlns:a14="http://schemas.microsoft.com/office/drawing/2010/main">
+                <a:solidFill>
+                  <a:srgbClr val="FFFFFF"/>
+                </a:solidFill>
+              </a14:hiddenFill>
+            </a:ext>
+          </a:extLst>
+        </p:spPr>
+      </p:pic>
     </p:spTree>
     <p:extLst>
       <p:ext uri="{BB962C8B-B14F-4D97-AF65-F5344CB8AC3E}">
@@ -10182,45 +10619,9 @@
           <a:lstStyle/>
           <a:p>
             <a:pPr rtl="0"/>
-            <a:endParaRPr lang="fr-FR" noProof="0"/>
-          </a:p>
-        </p:txBody>
-      </p:sp>
-      <p:sp>
-        <p:nvSpPr>
-          <p:cNvPr id="6" name="Espace réservé du numéro de diapositive 4">
-            <a:extLst>
-              <a:ext uri="{FF2B5EF4-FFF2-40B4-BE49-F238E27FC236}">
-                <a16:creationId xmlns:a16="http://schemas.microsoft.com/office/drawing/2014/main" id="{6AB5A7A3-0077-4D3B-8754-435563C5EE48}"/>
-              </a:ext>
-            </a:extLst>
-          </p:cNvPr>
-          <p:cNvSpPr>
-            <a:spLocks noGrp="1"/>
-          </p:cNvSpPr>
-          <p:nvPr>
-            <p:ph type="sldNum" sz="quarter" idx="12"/>
-          </p:nvPr>
-        </p:nvSpPr>
-        <p:spPr>
-          <a:xfrm>
-            <a:off x="10133901" y="5883275"/>
-            <a:ext cx="1369123" cy="365125"/>
-          </a:xfrm>
-        </p:spPr>
-        <p:txBody>
-          <a:bodyPr/>
-          <a:lstStyle/>
-          <a:p>
-            <a:pPr rtl="0"/>
-            <a:fld id="{D57F1E4F-1CFF-5643-939E-217C01CDF565}" type="slidenum">
-              <a:rPr lang="fr-FR" sz="4000" noProof="0" smtClean="0"/>
-              <a:pPr rtl="0"/>
-              <a:t>8</a:t>
-            </a:fld>
-            <a:r>
-              <a:rPr lang="fr-FR" sz="4000" noProof="0" dirty="0"/>
-              <a:t> / 99</a:t>
+            <a:r>
+              <a:rPr lang="fr-FR" noProof="0"/>
+              <a:t>ETML - P_Appro1 2023</a:t>
             </a:r>
           </a:p>
         </p:txBody>
@@ -10249,7 +10650,7 @@
         </p:blipFill>
         <p:spPr>
           <a:xfrm>
-            <a:off x="1288791" y="1681541"/>
+            <a:off x="1313958" y="1681541"/>
             <a:ext cx="5839640" cy="1876687"/>
           </a:xfrm>
           <a:prstGeom prst="rect">
@@ -10287,6 +10688,53 @@
           </a:prstGeom>
         </p:spPr>
       </p:pic>
+      <p:pic>
+        <p:nvPicPr>
+          <p:cNvPr id="3076" name="Picture 4">
+            <a:extLst>
+              <a:ext uri="{FF2B5EF4-FFF2-40B4-BE49-F238E27FC236}">
+                <a16:creationId xmlns:a16="http://schemas.microsoft.com/office/drawing/2014/main" id="{6DC68519-45C6-4699-9E32-4568F682C91C}"/>
+              </a:ext>
+            </a:extLst>
+          </p:cNvPr>
+          <p:cNvPicPr>
+            <a:picLocks noChangeAspect="1" noChangeArrowheads="1"/>
+          </p:cNvPicPr>
+          <p:nvPr/>
+        </p:nvPicPr>
+        <p:blipFill>
+          <a:blip r:embed="rId4">
+            <a:extLst>
+              <a:ext uri="{28A0092B-C50C-407E-A947-70E740481C1C}">
+                <a14:useLocalDpi xmlns:a14="http://schemas.microsoft.com/office/drawing/2010/main" val="0"/>
+              </a:ext>
+            </a:extLst>
+          </a:blip>
+          <a:srcRect/>
+          <a:stretch>
+            <a:fillRect/>
+          </a:stretch>
+        </p:blipFill>
+        <p:spPr bwMode="auto">
+          <a:xfrm>
+            <a:off x="2324348" y="3813635"/>
+            <a:ext cx="1317427" cy="1225250"/>
+          </a:xfrm>
+          <a:prstGeom prst="rect">
+            <a:avLst/>
+          </a:prstGeom>
+          <a:noFill/>
+          <a:extLst>
+            <a:ext uri="{909E8E84-426E-40DD-AFC4-6F175D3DCCD1}">
+              <a14:hiddenFill xmlns:a14="http://schemas.microsoft.com/office/drawing/2010/main">
+                <a:solidFill>
+                  <a:srgbClr val="FFFFFF"/>
+                </a:solidFill>
+              </a14:hiddenFill>
+            </a:ext>
+          </a:extLst>
+        </p:spPr>
+      </p:pic>
     </p:spTree>
     <p:extLst>
       <p:ext uri="{BB962C8B-B14F-4D97-AF65-F5344CB8AC3E}">
@@ -10335,23 +10783,28 @@
         </p:nvSpPr>
         <p:spPr>
           <a:xfrm>
-            <a:off x="1484312" y="685801"/>
-            <a:ext cx="10018712" cy="547382"/>
+            <a:off x="1484311" y="685800"/>
+            <a:ext cx="10018713" cy="1752599"/>
           </a:xfrm>
         </p:spPr>
         <p:txBody>
-          <a:bodyPr>
-            <a:normAutofit fontScale="90000"/>
+          <a:bodyPr anchor="ctr">
+            <a:normAutofit/>
           </a:bodyPr>
           <a:lstStyle/>
           <a:p>
-            <a:pPr algn="l">
+            <a:pPr>
               <a:buSzPct val="100000"/>
             </a:pPr>
             <a:r>
-              <a:rPr lang="fr-CH" dirty="0"/>
+              <a:rPr lang="fr-CH" sz="1200" dirty="0"/>
+              <a:t>Introduction - Fonctionnalités demandées - Planification et journal de travail - Problèmes rencontrés - </a:t>
+            </a:r>
+            <a:r>
+              <a:rPr lang="fr-CH" sz="3200" dirty="0"/>
               <a:t>Conclusion</a:t>
             </a:r>
+            <a:endParaRPr lang="fr-CH" sz="3600" dirty="0"/>
           </a:p>
         </p:txBody>
       </p:sp>
@@ -10368,17 +10821,17 @@
             <a:spLocks noGrp="1"/>
           </p:cNvSpPr>
           <p:nvPr>
-            <p:ph idx="1"/>
+            <p:ph sz="half" idx="2"/>
           </p:nvPr>
         </p:nvSpPr>
         <p:spPr>
           <a:xfrm>
-            <a:off x="1484310" y="1501629"/>
-            <a:ext cx="10018713" cy="4289572"/>
+            <a:off x="1484311" y="2127380"/>
+            <a:ext cx="4895056" cy="3663819"/>
           </a:xfrm>
         </p:spPr>
         <p:txBody>
-          <a:bodyPr>
+          <a:bodyPr anchor="ctr">
             <a:normAutofit/>
           </a:bodyPr>
           <a:lstStyle/>
@@ -10388,7 +10841,117 @@
               <a:buFont typeface="Wingdings" panose="05000000000000000000" pitchFamily="2" charset="2"/>
               <a:buChar char="v"/>
             </a:pPr>
-            <a:endParaRPr lang="fr-CH" sz="2800" dirty="0"/>
+            <a:r>
+              <a:rPr lang="fr-CH" dirty="0"/>
+              <a:t>Bilan des fonctionnalités</a:t>
+            </a:r>
+          </a:p>
+          <a:p>
+            <a:pPr>
+              <a:buSzPct val="100000"/>
+              <a:buFont typeface="Wingdings" panose="05000000000000000000" pitchFamily="2" charset="2"/>
+              <a:buChar char="v"/>
+            </a:pPr>
+            <a:r>
+              <a:rPr lang="fr-CH" dirty="0"/>
+              <a:t>Mise en production</a:t>
+            </a:r>
+          </a:p>
+          <a:p>
+            <a:pPr>
+              <a:buSzPct val="100000"/>
+              <a:buFont typeface="Wingdings" panose="05000000000000000000" pitchFamily="2" charset="2"/>
+              <a:buChar char="v"/>
+            </a:pPr>
+            <a:r>
+              <a:rPr lang="fr-CH" dirty="0"/>
+              <a:t>Points à améliorer</a:t>
+            </a:r>
+          </a:p>
+        </p:txBody>
+      </p:sp>
+      <p:sp>
+        <p:nvSpPr>
+          <p:cNvPr id="15" name="Content Placeholder 5">
+            <a:extLst>
+              <a:ext uri="{FF2B5EF4-FFF2-40B4-BE49-F238E27FC236}">
+                <a16:creationId xmlns:a16="http://schemas.microsoft.com/office/drawing/2014/main" id="{0B490B2C-754D-D5F0-1B2A-BB8153BD5175}"/>
+              </a:ext>
+            </a:extLst>
+          </p:cNvPr>
+          <p:cNvSpPr>
+            <a:spLocks noGrp="1"/>
+          </p:cNvSpPr>
+          <p:nvPr>
+            <p:ph sz="quarter" idx="4"/>
+          </p:nvPr>
+        </p:nvSpPr>
+        <p:spPr>
+          <a:xfrm>
+            <a:off x="6607967" y="2127380"/>
+            <a:ext cx="4895056" cy="3663819"/>
+          </a:xfrm>
+        </p:spPr>
+        <p:txBody>
+          <a:bodyPr anchor="ctr"/>
+          <a:lstStyle/>
+          <a:p>
+            <a:pPr marL="0" indent="0">
+              <a:buNone/>
+            </a:pPr>
+            <a:r>
+              <a:rPr lang="fr-CH" dirty="0"/>
+              <a:t>Les résultats des élèves sont récupérés ✔</a:t>
+            </a:r>
+          </a:p>
+          <a:p>
+            <a:pPr marL="0" indent="0">
+              <a:buNone/>
+            </a:pPr>
+            <a:r>
+              <a:rPr lang="fr-CH" dirty="0"/>
+              <a:t>Les commentaires des élèves sont récupérés ✔</a:t>
+            </a:r>
+          </a:p>
+          <a:p>
+            <a:pPr marL="0" indent="0">
+              <a:buNone/>
+            </a:pPr>
+            <a:r>
+              <a:rPr lang="fr-CH" dirty="0"/>
+              <a:t>Le dispositif est simple d’utilisation ✔</a:t>
+            </a:r>
+          </a:p>
+          <a:p>
+            <a:pPr marL="0" indent="0">
+              <a:buNone/>
+            </a:pPr>
+            <a:r>
+              <a:rPr lang="fr-CH" dirty="0"/>
+              <a:t>Le dispositif est fiable </a:t>
+            </a:r>
+            <a:endParaRPr lang="fr-CH" b="1" dirty="0"/>
+          </a:p>
+          <a:p>
+            <a:pPr marL="0" indent="0">
+              <a:buNone/>
+            </a:pPr>
+            <a:r>
+              <a:rPr lang="fr-CH" dirty="0"/>
+              <a:t>La grille est modifiable ✔ </a:t>
+            </a:r>
+          </a:p>
+          <a:p>
+            <a:pPr marL="0" indent="0">
+              <a:buNone/>
+            </a:pPr>
+            <a:r>
+              <a:rPr lang="fr-CH" dirty="0"/>
+              <a:t>Fonctionne sans configurations spéciales ✔</a:t>
+            </a:r>
+          </a:p>
+          <a:p>
+            <a:endParaRPr lang="fr-CH" dirty="0"/>
           </a:p>
         </p:txBody>
       </p:sp>
@@ -10408,55 +10971,107 @@
             <p:ph type="ftr" sz="quarter" idx="11"/>
           </p:nvPr>
         </p:nvSpPr>
-        <p:spPr/>
-        <p:txBody>
-          <a:bodyPr/>
+        <p:spPr>
+          <a:xfrm>
+            <a:off x="2572279" y="5883275"/>
+            <a:ext cx="7084177" cy="365125"/>
+          </a:xfrm>
+        </p:spPr>
+        <p:txBody>
+          <a:bodyPr anchor="ctr">
+            <a:normAutofit/>
+          </a:bodyPr>
           <a:lstStyle/>
           <a:p>
-            <a:pPr rtl="0"/>
-            <a:endParaRPr lang="fr-FR" noProof="0"/>
-          </a:p>
-        </p:txBody>
-      </p:sp>
-      <p:sp>
-        <p:nvSpPr>
-          <p:cNvPr id="6" name="Espace réservé du numéro de diapositive 4">
+            <a:pPr rtl="0">
+              <a:spcAft>
+                <a:spcPts val="600"/>
+              </a:spcAft>
+            </a:pPr>
+            <a:r>
+              <a:rPr lang="fr-FR" noProof="0"/>
+              <a:t>ETML - P_Appro1 2023</a:t>
+            </a:r>
+          </a:p>
+        </p:txBody>
+      </p:sp>
+      <p:pic>
+        <p:nvPicPr>
+          <p:cNvPr id="7" name="Image 6">
             <a:extLst>
               <a:ext uri="{FF2B5EF4-FFF2-40B4-BE49-F238E27FC236}">
-                <a16:creationId xmlns:a16="http://schemas.microsoft.com/office/drawing/2014/main" id="{6AB5A7A3-0077-4D3B-8754-435563C5EE48}"/>
+                <a16:creationId xmlns:a16="http://schemas.microsoft.com/office/drawing/2014/main" id="{3EF3C959-CA8D-41BD-8E3A-F8B9B63692DB}"/>
               </a:ext>
             </a:extLst>
           </p:cNvPr>
-          <p:cNvSpPr>
-            <a:spLocks noGrp="1"/>
-          </p:cNvSpPr>
-          <p:nvPr>
-            <p:ph type="sldNum" sz="quarter" idx="12"/>
-          </p:nvPr>
-        </p:nvSpPr>
+          <p:cNvPicPr>
+            <a:picLocks noChangeAspect="1"/>
+          </p:cNvPicPr>
+          <p:nvPr/>
+        </p:nvPicPr>
+        <p:blipFill>
+          <a:blip r:embed="rId2"/>
+          <a:stretch>
+            <a:fillRect/>
+          </a:stretch>
+        </p:blipFill>
         <p:spPr>
           <a:xfrm>
-            <a:off x="10133901" y="5883275"/>
-            <a:ext cx="1369123" cy="365125"/>
+            <a:off x="8721257" y="3750886"/>
+            <a:ext cx="422744" cy="422744"/>
           </a:xfrm>
+          <a:prstGeom prst="rect">
+            <a:avLst/>
+          </a:prstGeom>
         </p:spPr>
-        <p:txBody>
-          <a:bodyPr/>
-          <a:lstStyle/>
-          <a:p>
-            <a:pPr rtl="0"/>
-            <a:fld id="{D57F1E4F-1CFF-5643-939E-217C01CDF565}" type="slidenum">
-              <a:rPr lang="fr-FR" sz="4000" noProof="0" smtClean="0"/>
-              <a:pPr rtl="0"/>
-              <a:t>9</a:t>
-            </a:fld>
-            <a:r>
-              <a:rPr lang="fr-FR" sz="4000" noProof="0" dirty="0"/>
-              <a:t> / 99</a:t>
-            </a:r>
-          </a:p>
-        </p:txBody>
-      </p:sp>
+      </p:pic>
+      <p:pic>
+        <p:nvPicPr>
+          <p:cNvPr id="5124" name="Picture 4" descr="Gender Equality icon">
+            <a:extLst>
+              <a:ext uri="{FF2B5EF4-FFF2-40B4-BE49-F238E27FC236}">
+                <a16:creationId xmlns:a16="http://schemas.microsoft.com/office/drawing/2014/main" id="{F94CD12B-94F2-48BE-B3C4-09CEE0F7ECA5}"/>
+              </a:ext>
+            </a:extLst>
+          </p:cNvPr>
+          <p:cNvPicPr>
+            <a:picLocks noChangeAspect="1" noChangeArrowheads="1"/>
+          </p:cNvPicPr>
+          <p:nvPr/>
+        </p:nvPicPr>
+        <p:blipFill>
+          <a:blip r:embed="rId3">
+            <a:extLst>
+              <a:ext uri="{28A0092B-C50C-407E-A947-70E740481C1C}">
+                <a14:useLocalDpi xmlns:a14="http://schemas.microsoft.com/office/drawing/2010/main" val="0"/>
+              </a:ext>
+            </a:extLst>
+          </a:blip>
+          <a:srcRect/>
+          <a:stretch>
+            <a:fillRect/>
+          </a:stretch>
+        </p:blipFill>
+        <p:spPr bwMode="auto">
+          <a:xfrm>
+            <a:off x="1402549" y="6679036"/>
+            <a:ext cx="163523" cy="178964"/>
+          </a:xfrm>
+          <a:prstGeom prst="rect">
+            <a:avLst/>
+          </a:prstGeom>
+          <a:noFill/>
+          <a:extLst>
+            <a:ext uri="{909E8E84-426E-40DD-AFC4-6F175D3DCCD1}">
+              <a14:hiddenFill xmlns:a14="http://schemas.microsoft.com/office/drawing/2010/main">
+                <a:solidFill>
+                  <a:srgbClr val="FFFFFF"/>
+                </a:solidFill>
+              </a14:hiddenFill>
+            </a:ext>
+          </a:extLst>
+        </p:spPr>
+      </p:pic>
     </p:spTree>
     <p:extLst>
       <p:ext uri="{BB962C8B-B14F-4D97-AF65-F5344CB8AC3E}">
@@ -11283,11 +11898,12 @@
 </file>
 
 <file path=customXml/item1.xml><?xml version="1.0" encoding="utf-8"?>
-<p:properties xmlns:p="http://schemas.microsoft.com/office/2006/metadata/properties" xmlns:xsi="http://www.w3.org/2001/XMLSchema-instance" xmlns:pc="http://schemas.microsoft.com/office/infopath/2007/PartnerControls">
-  <documentManagement>
-    <MediaServiceKeyPoints xmlns="71af3243-3dd4-4a8d-8c0d-dd76da1f02a5" xsi:nil="true"/>
-  </documentManagement>
-</p:properties>
+<?mso-contentType ?>
+<FormTemplates xmlns="http://schemas.microsoft.com/sharepoint/v3/contenttype/forms">
+  <Display>DocumentLibraryForm</Display>
+  <Edit>DocumentLibraryForm</Edit>
+  <New>DocumentLibraryForm</New>
+</FormTemplates>
 </file>
 
 <file path=customXml/item2.xml><?xml version="1.0" encoding="utf-8"?>
@@ -11502,20 +12118,17 @@
 </file>
 
 <file path=customXml/item3.xml><?xml version="1.0" encoding="utf-8"?>
-<?mso-contentType ?>
-<FormTemplates xmlns="http://schemas.microsoft.com/sharepoint/v3/contenttype/forms">
-  <Display>DocumentLibraryForm</Display>
-  <Edit>DocumentLibraryForm</Edit>
-  <New>DocumentLibraryForm</New>
-</FormTemplates>
+<p:properties xmlns:p="http://schemas.microsoft.com/office/2006/metadata/properties" xmlns:xsi="http://www.w3.org/2001/XMLSchema-instance" xmlns:pc="http://schemas.microsoft.com/office/infopath/2007/PartnerControls">
+  <documentManagement>
+    <MediaServiceKeyPoints xmlns="71af3243-3dd4-4a8d-8c0d-dd76da1f02a5" xsi:nil="true"/>
+  </documentManagement>
+</p:properties>
 </file>
 
 <file path=customXml/itemProps1.xml><?xml version="1.0" encoding="utf-8"?>
-<ds:datastoreItem xmlns:ds="http://schemas.openxmlformats.org/officeDocument/2006/customXml" ds:itemID="{D7023227-530E-4024-91EF-312A851A758C}">
+<ds:datastoreItem xmlns:ds="http://schemas.openxmlformats.org/officeDocument/2006/customXml" ds:itemID="{33315AA3-EAE3-44ED-8368-BAC2FFFB4817}">
   <ds:schemaRefs>
-    <ds:schemaRef ds:uri="http://schemas.microsoft.com/office/2006/metadata/properties"/>
-    <ds:schemaRef ds:uri="http://schemas.microsoft.com/office/infopath/2007/PartnerControls"/>
-    <ds:schemaRef ds:uri="71af3243-3dd4-4a8d-8c0d-dd76da1f02a5"/>
+    <ds:schemaRef ds:uri="http://schemas.microsoft.com/sharepoint/v3/contenttype/forms"/>
   </ds:schemaRefs>
 </ds:datastoreItem>
 </file>
@@ -11540,9 +12153,11 @@
 </file>
 
 <file path=customXml/itemProps3.xml><?xml version="1.0" encoding="utf-8"?>
-<ds:datastoreItem xmlns:ds="http://schemas.openxmlformats.org/officeDocument/2006/customXml" ds:itemID="{33315AA3-EAE3-44ED-8368-BAC2FFFB4817}">
+<ds:datastoreItem xmlns:ds="http://schemas.openxmlformats.org/officeDocument/2006/customXml" ds:itemID="{D7023227-530E-4024-91EF-312A851A758C}">
   <ds:schemaRefs>
-    <ds:schemaRef ds:uri="http://schemas.microsoft.com/sharepoint/v3/contenttype/forms"/>
+    <ds:schemaRef ds:uri="http://schemas.microsoft.com/office/2006/metadata/properties"/>
+    <ds:schemaRef ds:uri="http://schemas.microsoft.com/office/infopath/2007/PartnerControls"/>
+    <ds:schemaRef ds:uri="71af3243-3dd4-4a8d-8c0d-dd76da1f02a5"/>
   </ds:schemaRefs>
 </ds:datastoreItem>
 </file>
--- a/CDC-rapport-jdt/Presentation/Presentation_philipona.pptx
+++ b/CDC-rapport-jdt/Presentation/Presentation_philipona.pptx
@@ -5,10 +5,10 @@
     <p:sldMasterId id="2147483648" r:id="rId4"/>
   </p:sldMasterIdLst>
   <p:notesMasterIdLst>
-    <p:notesMasterId r:id="rId14"/>
+    <p:notesMasterId r:id="rId15"/>
   </p:notesMasterIdLst>
   <p:handoutMasterIdLst>
-    <p:handoutMasterId r:id="rId15"/>
+    <p:handoutMasterId r:id="rId16"/>
   </p:handoutMasterIdLst>
   <p:sldIdLst>
     <p:sldId id="262" r:id="rId5"/>
@@ -17,9 +17,10 @@
     <p:sldId id="265" r:id="rId8"/>
     <p:sldId id="266" r:id="rId9"/>
     <p:sldId id="267" r:id="rId10"/>
-    <p:sldId id="269" r:id="rId11"/>
-    <p:sldId id="270" r:id="rId12"/>
-    <p:sldId id="268" r:id="rId13"/>
+    <p:sldId id="271" r:id="rId11"/>
+    <p:sldId id="269" r:id="rId12"/>
+    <p:sldId id="270" r:id="rId13"/>
+    <p:sldId id="268" r:id="rId14"/>
   </p:sldIdLst>
   <p:sldSz cx="12192000" cy="6858000"/>
   <p:notesSz cx="6858000" cy="9144000"/>
@@ -145,7 +146,17 @@
   <c:chart>
     <c:autoTitleDeleted val="1"/>
     <c:plotArea>
-      <c:layout/>
+      <c:layout>
+        <c:manualLayout>
+          <c:layoutTarget val="inner"/>
+          <c:xMode val="edge"/>
+          <c:yMode val="edge"/>
+          <c:x val="0.15436414922631403"/>
+          <c:y val="0.16263305603427347"/>
+          <c:w val="0.63107545018158939"/>
+          <c:h val="0.74588107775232149"/>
+        </c:manualLayout>
+      </c:layout>
       <c:doughnutChart>
         <c:varyColors val="1"/>
         <c:ser>
@@ -183,6 +194,7 @@
           <c:dPt>
             <c:idx val="1"/>
             <c:bubble3D val="0"/>
+            <c:explosion val="14"/>
             <c:spPr>
               <a:solidFill>
                 <a:schemeClr val="accent2"/>
@@ -302,8 +314,8 @@
               <c:idx val="1"/>
               <c:layout>
                 <c:manualLayout>
-                  <c:x val="0.1728395061728395"/>
-                  <c:y val="-0.29409944620644213"/>
+                  <c:x val="0.18530096207781332"/>
+                  <c:y val="-0.34439898117567197"/>
                 </c:manualLayout>
               </c:layout>
               <c:showLegendKey val="0"/>
@@ -344,8 +356,8 @@
               <c:idx val="3"/>
               <c:layout>
                 <c:manualLayout>
-                  <c:x val="-0.12839506172839507"/>
-                  <c:y val="-0.16558540248598005"/>
+                  <c:x val="-0.19750936035031444"/>
+                  <c:y val="-0.16863153213935966"/>
                 </c:manualLayout>
               </c:layout>
               <c:showLegendKey val="0"/>
@@ -365,8 +377,8 @@
               <c:idx val="4"/>
               <c:layout>
                 <c:manualLayout>
-                  <c:x val="2.4305245549290731E-3"/>
-                  <c:y val="-0.14828993795116582"/>
+                  <c:x val="-5.0081031711118268E-3"/>
+                  <c:y val="-0.1837752304969244"/>
                 </c:manualLayout>
               </c:layout>
               <c:spPr>
@@ -424,8 +436,8 @@
                 <c:ext xmlns:c15="http://schemas.microsoft.com/office/drawing/2012/chart" uri="{CE6537A1-D6FC-4f65-9D91-7224C49458BB}">
                   <c15:layout>
                     <c:manualLayout>
-                      <c:w val="0.15946884455426824"/>
-                      <c:h val="9.4473655166671305E-2"/>
+                      <c:w val="0.23304200149990309"/>
+                      <c:h val="0.14625669802344596"/>
                     </c:manualLayout>
                   </c15:layout>
                 </c:ext>
@@ -5965,7 +5977,12 @@
             <p:ph type="title"/>
           </p:nvPr>
         </p:nvSpPr>
-        <p:spPr/>
+        <p:spPr>
+          <a:xfrm>
+            <a:off x="1484309" y="190500"/>
+            <a:ext cx="10018713" cy="1752599"/>
+          </a:xfrm>
+        </p:spPr>
         <p:txBody>
           <a:bodyPr rtlCol="0"/>
           <a:lstStyle/>
@@ -9358,7 +9375,7 @@
 </p:sld>
 </file>
 
-<file path=ppt/slides/slide2.xml><?xml version="1.0" encoding="utf-8"?>
+<file path=ppt/slides/slide10.xml><?xml version="1.0" encoding="utf-8"?>
 <p:sld xmlns:a="http://schemas.openxmlformats.org/drawingml/2006/main" xmlns:r="http://schemas.openxmlformats.org/officeDocument/2006/relationships" xmlns:p="http://schemas.openxmlformats.org/presentationml/2006/main">
   <p:cSld>
     <p:spTree>
@@ -9377,43 +9394,6 @@
       </p:grpSpPr>
       <p:sp>
         <p:nvSpPr>
-          <p:cNvPr id="2" name="Titre 1">
-            <a:extLst>
-              <a:ext uri="{FF2B5EF4-FFF2-40B4-BE49-F238E27FC236}">
-                <a16:creationId xmlns:a16="http://schemas.microsoft.com/office/drawing/2014/main" id="{9452F6CC-EB5E-4CE1-B282-297E029854DF}"/>
-              </a:ext>
-            </a:extLst>
-          </p:cNvPr>
-          <p:cNvSpPr>
-            <a:spLocks noGrp="1"/>
-          </p:cNvSpPr>
-          <p:nvPr>
-            <p:ph type="title"/>
-          </p:nvPr>
-        </p:nvSpPr>
-        <p:spPr>
-          <a:xfrm>
-            <a:off x="1484312" y="685801"/>
-            <a:ext cx="10018712" cy="547382"/>
-          </a:xfrm>
-        </p:spPr>
-        <p:txBody>
-          <a:bodyPr>
-            <a:normAutofit fontScale="90000"/>
-          </a:bodyPr>
-          <a:lstStyle/>
-          <a:p>
-            <a:pPr algn="l"/>
-            <a:r>
-              <a:rPr lang="fr-CH" sz="3600" dirty="0"/>
-              <a:t>Sommaire</a:t>
-            </a:r>
-            <a:endParaRPr lang="fr-CH" dirty="0"/>
-          </a:p>
-        </p:txBody>
-      </p:sp>
-      <p:sp>
-        <p:nvSpPr>
           <p:cNvPr id="3" name="Espace réservé du contenu 2">
             <a:extLst>
               <a:ext uri="{FF2B5EF4-FFF2-40B4-BE49-F238E27FC236}">
@@ -9425,1402 +9405,6 @@
             <a:spLocks noGrp="1"/>
           </p:cNvSpPr>
           <p:nvPr>
-            <p:ph idx="1"/>
-          </p:nvPr>
-        </p:nvSpPr>
-        <p:spPr>
-          <a:xfrm>
-            <a:off x="1484310" y="1501629"/>
-            <a:ext cx="10018713" cy="4289572"/>
-          </a:xfrm>
-        </p:spPr>
-        <p:txBody>
-          <a:bodyPr>
-            <a:normAutofit/>
-          </a:bodyPr>
-          <a:lstStyle/>
-          <a:p>
-            <a:pPr>
-              <a:buSzPct val="100000"/>
-              <a:buFont typeface="Wingdings" panose="05000000000000000000" pitchFamily="2" charset="2"/>
-              <a:buChar char="v"/>
-            </a:pPr>
-            <a:r>
-              <a:rPr lang="fr-CH" sz="2800" dirty="0"/>
-              <a:t>Introduction</a:t>
-            </a:r>
-          </a:p>
-          <a:p>
-            <a:pPr>
-              <a:buSzPct val="100000"/>
-              <a:buFont typeface="Wingdings" panose="05000000000000000000" pitchFamily="2" charset="2"/>
-              <a:buChar char="v"/>
-            </a:pPr>
-            <a:r>
-              <a:rPr lang="fr-CH" sz="2800" dirty="0"/>
-              <a:t>Fonctionnalités demandées</a:t>
-            </a:r>
-          </a:p>
-          <a:p>
-            <a:pPr>
-              <a:buSzPct val="100000"/>
-              <a:buFont typeface="Wingdings" panose="05000000000000000000" pitchFamily="2" charset="2"/>
-              <a:buChar char="v"/>
-            </a:pPr>
-            <a:r>
-              <a:rPr lang="fr-CH" sz="2800" dirty="0"/>
-              <a:t>Planification et journal de travail</a:t>
-            </a:r>
-          </a:p>
-          <a:p>
-            <a:pPr>
-              <a:buSzPct val="100000"/>
-              <a:buFont typeface="Wingdings" panose="05000000000000000000" pitchFamily="2" charset="2"/>
-              <a:buChar char="v"/>
-            </a:pPr>
-            <a:r>
-              <a:rPr lang="fr-CH" sz="2800" dirty="0"/>
-              <a:t>Problèmes rencontrés</a:t>
-            </a:r>
-          </a:p>
-          <a:p>
-            <a:pPr>
-              <a:buSzPct val="100000"/>
-              <a:buFont typeface="Wingdings" panose="05000000000000000000" pitchFamily="2" charset="2"/>
-              <a:buChar char="v"/>
-            </a:pPr>
-            <a:r>
-              <a:rPr lang="fr-CH" sz="2800" dirty="0"/>
-              <a:t>Conclusion</a:t>
-            </a:r>
-          </a:p>
-        </p:txBody>
-      </p:sp>
-      <p:sp>
-        <p:nvSpPr>
-          <p:cNvPr id="4" name="Espace réservé du pied de page 3">
-            <a:extLst>
-              <a:ext uri="{FF2B5EF4-FFF2-40B4-BE49-F238E27FC236}">
-                <a16:creationId xmlns:a16="http://schemas.microsoft.com/office/drawing/2014/main" id="{6885CD8E-41C2-464B-934B-EE61BCB946BE}"/>
-              </a:ext>
-            </a:extLst>
-          </p:cNvPr>
-          <p:cNvSpPr>
-            <a:spLocks noGrp="1"/>
-          </p:cNvSpPr>
-          <p:nvPr>
-            <p:ph type="ftr" sz="quarter" idx="11"/>
-          </p:nvPr>
-        </p:nvSpPr>
-        <p:spPr/>
-        <p:txBody>
-          <a:bodyPr/>
-          <a:lstStyle/>
-          <a:p>
-            <a:r>
-              <a:rPr lang="fr-CH"/>
-              <a:t>ETML - P_Appro1 2023</a:t>
-            </a:r>
-            <a:endParaRPr lang="fr-CH" dirty="0"/>
-          </a:p>
-        </p:txBody>
-      </p:sp>
-    </p:spTree>
-    <p:extLst>
-      <p:ext uri="{BB962C8B-B14F-4D97-AF65-F5344CB8AC3E}">
-        <p14:creationId xmlns:p14="http://schemas.microsoft.com/office/powerpoint/2010/main" val="2106890894"/>
-      </p:ext>
-    </p:extLst>
-  </p:cSld>
-  <p:clrMapOvr>
-    <a:masterClrMapping/>
-  </p:clrMapOvr>
-</p:sld>
-</file>
-
-<file path=ppt/slides/slide3.xml><?xml version="1.0" encoding="utf-8"?>
-<p:sld xmlns:a="http://schemas.openxmlformats.org/drawingml/2006/main" xmlns:r="http://schemas.openxmlformats.org/officeDocument/2006/relationships" xmlns:p="http://schemas.openxmlformats.org/presentationml/2006/main">
-  <p:cSld>
-    <p:spTree>
-      <p:nvGrpSpPr>
-        <p:cNvPr id="1" name=""/>
-        <p:cNvGrpSpPr/>
-        <p:nvPr/>
-      </p:nvGrpSpPr>
-      <p:grpSpPr>
-        <a:xfrm>
-          <a:off x="0" y="0"/>
-          <a:ext cx="0" cy="0"/>
-          <a:chOff x="0" y="0"/>
-          <a:chExt cx="0" cy="0"/>
-        </a:xfrm>
-      </p:grpSpPr>
-      <p:sp>
-        <p:nvSpPr>
-          <p:cNvPr id="2" name="Titre 1">
-            <a:extLst>
-              <a:ext uri="{FF2B5EF4-FFF2-40B4-BE49-F238E27FC236}">
-                <a16:creationId xmlns:a16="http://schemas.microsoft.com/office/drawing/2014/main" id="{9452F6CC-EB5E-4CE1-B282-297E029854DF}"/>
-              </a:ext>
-            </a:extLst>
-          </p:cNvPr>
-          <p:cNvSpPr>
-            <a:spLocks noGrp="1"/>
-          </p:cNvSpPr>
-          <p:nvPr>
-            <p:ph type="title"/>
-          </p:nvPr>
-        </p:nvSpPr>
-        <p:spPr>
-          <a:xfrm>
-            <a:off x="1484312" y="685801"/>
-            <a:ext cx="10018712" cy="547382"/>
-          </a:xfrm>
-        </p:spPr>
-        <p:txBody>
-          <a:bodyPr>
-            <a:normAutofit fontScale="90000"/>
-          </a:bodyPr>
-          <a:lstStyle/>
-          <a:p>
-            <a:pPr algn="l"/>
-            <a:r>
-              <a:rPr lang="fr-CH" sz="3600" dirty="0"/>
-              <a:t>Introduction</a:t>
-            </a:r>
-            <a:r>
-              <a:rPr lang="fr-CH" sz="1600" dirty="0"/>
-              <a:t> </a:t>
-            </a:r>
-            <a:r>
-              <a:rPr lang="fr-CH" sz="1300" dirty="0"/>
-              <a:t>- Fonctionnalités demandées - Planification et journal de travail - Problèmes rencontrés - Conclusion</a:t>
-            </a:r>
-            <a:endParaRPr lang="fr-CH" sz="1600" dirty="0"/>
-          </a:p>
-        </p:txBody>
-      </p:sp>
-      <p:sp>
-        <p:nvSpPr>
-          <p:cNvPr id="3" name="Espace réservé du contenu 2">
-            <a:extLst>
-              <a:ext uri="{FF2B5EF4-FFF2-40B4-BE49-F238E27FC236}">
-                <a16:creationId xmlns:a16="http://schemas.microsoft.com/office/drawing/2014/main" id="{D4B1096E-49F6-43B9-A15E-073F371B52BD}"/>
-              </a:ext>
-            </a:extLst>
-          </p:cNvPr>
-          <p:cNvSpPr>
-            <a:spLocks noGrp="1"/>
-          </p:cNvSpPr>
-          <p:nvPr>
-            <p:ph idx="1"/>
-          </p:nvPr>
-        </p:nvSpPr>
-        <p:spPr>
-          <a:xfrm>
-            <a:off x="1484310" y="1501629"/>
-            <a:ext cx="10018713" cy="4289572"/>
-          </a:xfrm>
-        </p:spPr>
-        <p:txBody>
-          <a:bodyPr>
-            <a:normAutofit/>
-          </a:bodyPr>
-          <a:lstStyle/>
-          <a:p>
-            <a:pPr>
-              <a:buSzPct val="100000"/>
-              <a:buFont typeface="Wingdings" panose="05000000000000000000" pitchFamily="2" charset="2"/>
-              <a:buChar char="v"/>
-            </a:pPr>
-            <a:r>
-              <a:rPr lang="fr-CH" sz="2800" dirty="0"/>
-              <a:t>Automatisation de la gestion des auto évaluations</a:t>
-            </a:r>
-          </a:p>
-          <a:p>
-            <a:pPr>
-              <a:buSzPct val="100000"/>
-              <a:buFont typeface="Wingdings" panose="05000000000000000000" pitchFamily="2" charset="2"/>
-              <a:buChar char="v"/>
-            </a:pPr>
-            <a:r>
-              <a:rPr lang="fr-CH" sz="2800" dirty="0"/>
-              <a:t>Pourquoi PowerShell ?</a:t>
-            </a:r>
-          </a:p>
-          <a:p>
-            <a:pPr>
-              <a:buSzPct val="100000"/>
-              <a:buFont typeface="Wingdings" panose="05000000000000000000" pitchFamily="2" charset="2"/>
-              <a:buChar char="v"/>
-            </a:pPr>
-            <a:endParaRPr lang="fr-CH" sz="2800" dirty="0"/>
-          </a:p>
-          <a:p>
-            <a:pPr>
-              <a:buSzPct val="100000"/>
-              <a:buFont typeface="Wingdings" panose="05000000000000000000" pitchFamily="2" charset="2"/>
-              <a:buChar char="v"/>
-            </a:pPr>
-            <a:endParaRPr lang="fr-CH" sz="2800" dirty="0"/>
-          </a:p>
-        </p:txBody>
-      </p:sp>
-      <p:sp>
-        <p:nvSpPr>
-          <p:cNvPr id="4" name="Espace réservé du pied de page 3">
-            <a:extLst>
-              <a:ext uri="{FF2B5EF4-FFF2-40B4-BE49-F238E27FC236}">
-                <a16:creationId xmlns:a16="http://schemas.microsoft.com/office/drawing/2014/main" id="{6885CD8E-41C2-464B-934B-EE61BCB946BE}"/>
-              </a:ext>
-            </a:extLst>
-          </p:cNvPr>
-          <p:cNvSpPr>
-            <a:spLocks noGrp="1"/>
-          </p:cNvSpPr>
-          <p:nvPr>
-            <p:ph type="ftr" sz="quarter" idx="11"/>
-          </p:nvPr>
-        </p:nvSpPr>
-        <p:spPr/>
-        <p:txBody>
-          <a:bodyPr/>
-          <a:lstStyle/>
-          <a:p>
-            <a:pPr rtl="0"/>
-            <a:r>
-              <a:rPr lang="fr-FR" noProof="0"/>
-              <a:t>ETML - P_Appro1 2023</a:t>
-            </a:r>
-          </a:p>
-        </p:txBody>
-      </p:sp>
-    </p:spTree>
-    <p:extLst>
-      <p:ext uri="{BB962C8B-B14F-4D97-AF65-F5344CB8AC3E}">
-        <p14:creationId xmlns:p14="http://schemas.microsoft.com/office/powerpoint/2010/main" val="3256377739"/>
-      </p:ext>
-    </p:extLst>
-  </p:cSld>
-  <p:clrMapOvr>
-    <a:masterClrMapping/>
-  </p:clrMapOvr>
-</p:sld>
-</file>
-
-<file path=ppt/slides/slide4.xml><?xml version="1.0" encoding="utf-8"?>
-<p:sld xmlns:a="http://schemas.openxmlformats.org/drawingml/2006/main" xmlns:r="http://schemas.openxmlformats.org/officeDocument/2006/relationships" xmlns:p="http://schemas.openxmlformats.org/presentationml/2006/main">
-  <p:cSld>
-    <p:spTree>
-      <p:nvGrpSpPr>
-        <p:cNvPr id="1" name=""/>
-        <p:cNvGrpSpPr/>
-        <p:nvPr/>
-      </p:nvGrpSpPr>
-      <p:grpSpPr>
-        <a:xfrm>
-          <a:off x="0" y="0"/>
-          <a:ext cx="0" cy="0"/>
-          <a:chOff x="0" y="0"/>
-          <a:chExt cx="0" cy="0"/>
-        </a:xfrm>
-      </p:grpSpPr>
-      <p:sp>
-        <p:nvSpPr>
-          <p:cNvPr id="2" name="Titre 1">
-            <a:extLst>
-              <a:ext uri="{FF2B5EF4-FFF2-40B4-BE49-F238E27FC236}">
-                <a16:creationId xmlns:a16="http://schemas.microsoft.com/office/drawing/2014/main" id="{9452F6CC-EB5E-4CE1-B282-297E029854DF}"/>
-              </a:ext>
-            </a:extLst>
-          </p:cNvPr>
-          <p:cNvSpPr>
-            <a:spLocks noGrp="1"/>
-          </p:cNvSpPr>
-          <p:nvPr>
-            <p:ph type="title"/>
-          </p:nvPr>
-        </p:nvSpPr>
-        <p:spPr>
-          <a:xfrm>
-            <a:off x="1484312" y="685801"/>
-            <a:ext cx="10018712" cy="547382"/>
-          </a:xfrm>
-        </p:spPr>
-        <p:txBody>
-          <a:bodyPr>
-            <a:normAutofit fontScale="90000"/>
-          </a:bodyPr>
-          <a:lstStyle/>
-          <a:p>
-            <a:pPr algn="l"/>
-            <a:r>
-              <a:rPr lang="fr-CH" sz="1200" dirty="0"/>
-              <a:t>Introduction - </a:t>
-            </a:r>
-            <a:r>
-              <a:rPr lang="fr-CH" sz="3600" dirty="0"/>
-              <a:t>Fonctionnalités demandées</a:t>
-            </a:r>
-            <a:r>
-              <a:rPr lang="fr-CH" sz="1200" dirty="0"/>
-              <a:t> - Planification et journal de travail - Problèmes rencontrés - Conclusion</a:t>
-            </a:r>
-          </a:p>
-        </p:txBody>
-      </p:sp>
-      <p:sp>
-        <p:nvSpPr>
-          <p:cNvPr id="4" name="Espace réservé du pied de page 3">
-            <a:extLst>
-              <a:ext uri="{FF2B5EF4-FFF2-40B4-BE49-F238E27FC236}">
-                <a16:creationId xmlns:a16="http://schemas.microsoft.com/office/drawing/2014/main" id="{6885CD8E-41C2-464B-934B-EE61BCB946BE}"/>
-              </a:ext>
-            </a:extLst>
-          </p:cNvPr>
-          <p:cNvSpPr>
-            <a:spLocks noGrp="1"/>
-          </p:cNvSpPr>
-          <p:nvPr>
-            <p:ph type="ftr" sz="quarter" idx="11"/>
-          </p:nvPr>
-        </p:nvSpPr>
-        <p:spPr/>
-        <p:txBody>
-          <a:bodyPr/>
-          <a:lstStyle/>
-          <a:p>
-            <a:pPr rtl="0"/>
-            <a:r>
-              <a:rPr lang="fr-FR" noProof="0"/>
-              <a:t>ETML - P_Appro1 2023</a:t>
-            </a:r>
-          </a:p>
-        </p:txBody>
-      </p:sp>
-      <p:graphicFrame>
-        <p:nvGraphicFramePr>
-          <p:cNvPr id="14" name="Graphique 13">
-            <a:extLst>
-              <a:ext uri="{FF2B5EF4-FFF2-40B4-BE49-F238E27FC236}">
-                <a16:creationId xmlns:a16="http://schemas.microsoft.com/office/drawing/2014/main" id="{67C0D6A7-904B-44E7-971F-A1793D2AF30F}"/>
-              </a:ext>
-            </a:extLst>
-          </p:cNvPr>
-          <p:cNvGraphicFramePr>
-            <a:graphicFrameLocks/>
-          </p:cNvGraphicFramePr>
-          <p:nvPr>
-            <p:extLst>
-              <p:ext uri="{D42A27DB-BD31-4B8C-83A1-F6EECF244321}">
-                <p14:modId xmlns:p14="http://schemas.microsoft.com/office/powerpoint/2010/main" val="3273559196"/>
-              </p:ext>
-            </p:extLst>
-          </p:nvPr>
-        </p:nvGraphicFramePr>
-        <p:xfrm>
-          <a:off x="1199381" y="1384184"/>
-          <a:ext cx="8837187" cy="5092118"/>
-        </p:xfrm>
-        <a:graphic>
-          <a:graphicData uri="http://schemas.openxmlformats.org/drawingml/2006/chart">
-            <c:chart xmlns:c="http://schemas.openxmlformats.org/drawingml/2006/chart" xmlns:r="http://schemas.openxmlformats.org/officeDocument/2006/relationships" r:id="rId2"/>
-          </a:graphicData>
-        </a:graphic>
-      </p:graphicFrame>
-    </p:spTree>
-    <p:extLst>
-      <p:ext uri="{BB962C8B-B14F-4D97-AF65-F5344CB8AC3E}">
-        <p14:creationId xmlns:p14="http://schemas.microsoft.com/office/powerpoint/2010/main" val="3112123407"/>
-      </p:ext>
-    </p:extLst>
-  </p:cSld>
-  <p:clrMapOvr>
-    <a:masterClrMapping/>
-  </p:clrMapOvr>
-</p:sld>
-</file>
-
-<file path=ppt/slides/slide5.xml><?xml version="1.0" encoding="utf-8"?>
-<p:sld xmlns:a="http://schemas.openxmlformats.org/drawingml/2006/main" xmlns:r="http://schemas.openxmlformats.org/officeDocument/2006/relationships" xmlns:p="http://schemas.openxmlformats.org/presentationml/2006/main">
-  <p:cSld>
-    <p:spTree>
-      <p:nvGrpSpPr>
-        <p:cNvPr id="1" name=""/>
-        <p:cNvGrpSpPr/>
-        <p:nvPr/>
-      </p:nvGrpSpPr>
-      <p:grpSpPr>
-        <a:xfrm>
-          <a:off x="0" y="0"/>
-          <a:ext cx="0" cy="0"/>
-          <a:chOff x="0" y="0"/>
-          <a:chExt cx="0" cy="0"/>
-        </a:xfrm>
-      </p:grpSpPr>
-      <p:sp>
-        <p:nvSpPr>
-          <p:cNvPr id="2" name="Titre 1">
-            <a:extLst>
-              <a:ext uri="{FF2B5EF4-FFF2-40B4-BE49-F238E27FC236}">
-                <a16:creationId xmlns:a16="http://schemas.microsoft.com/office/drawing/2014/main" id="{9452F6CC-EB5E-4CE1-B282-297E029854DF}"/>
-              </a:ext>
-            </a:extLst>
-          </p:cNvPr>
-          <p:cNvSpPr>
-            <a:spLocks noGrp="1"/>
-          </p:cNvSpPr>
-          <p:nvPr>
-            <p:ph type="title"/>
-          </p:nvPr>
-        </p:nvSpPr>
-        <p:spPr>
-          <a:xfrm>
-            <a:off x="1484311" y="685801"/>
-            <a:ext cx="10268665" cy="547382"/>
-          </a:xfrm>
-        </p:spPr>
-        <p:txBody>
-          <a:bodyPr>
-            <a:normAutofit fontScale="90000"/>
-          </a:bodyPr>
-          <a:lstStyle/>
-          <a:p>
-            <a:pPr algn="l">
-              <a:buSzPct val="100000"/>
-            </a:pPr>
-            <a:r>
-              <a:rPr lang="fr-CH" sz="1200" dirty="0"/>
-              <a:t>Introduction - Fonctionnalités demandées - </a:t>
-            </a:r>
-            <a:r>
-              <a:rPr lang="fr-CH" sz="3600" dirty="0"/>
-              <a:t>Planification et journal de travail</a:t>
-            </a:r>
-            <a:r>
-              <a:rPr lang="fr-CH" sz="1200" dirty="0"/>
-              <a:t> - Problèmes rencontrés - Conclusion</a:t>
-            </a:r>
-          </a:p>
-        </p:txBody>
-      </p:sp>
-      <p:sp>
-        <p:nvSpPr>
-          <p:cNvPr id="4" name="Espace réservé du pied de page 3">
-            <a:extLst>
-              <a:ext uri="{FF2B5EF4-FFF2-40B4-BE49-F238E27FC236}">
-                <a16:creationId xmlns:a16="http://schemas.microsoft.com/office/drawing/2014/main" id="{6885CD8E-41C2-464B-934B-EE61BCB946BE}"/>
-              </a:ext>
-            </a:extLst>
-          </p:cNvPr>
-          <p:cNvSpPr>
-            <a:spLocks noGrp="1"/>
-          </p:cNvSpPr>
-          <p:nvPr>
-            <p:ph type="ftr" sz="quarter" idx="11"/>
-          </p:nvPr>
-        </p:nvSpPr>
-        <p:spPr/>
-        <p:txBody>
-          <a:bodyPr/>
-          <a:lstStyle/>
-          <a:p>
-            <a:pPr rtl="0"/>
-            <a:r>
-              <a:rPr lang="fr-FR" noProof="0"/>
-              <a:t>ETML - P_Appro1 2023</a:t>
-            </a:r>
-          </a:p>
-        </p:txBody>
-      </p:sp>
-      <p:graphicFrame>
-        <p:nvGraphicFramePr>
-          <p:cNvPr id="10" name="Graphique 9">
-            <a:extLst>
-              <a:ext uri="{FF2B5EF4-FFF2-40B4-BE49-F238E27FC236}">
-                <a16:creationId xmlns:a16="http://schemas.microsoft.com/office/drawing/2014/main" id="{33B3B761-BE99-4B8F-9EDF-D4E603BAEECF}"/>
-              </a:ext>
-            </a:extLst>
-          </p:cNvPr>
-          <p:cNvGraphicFramePr>
-            <a:graphicFrameLocks/>
-          </p:cNvGraphicFramePr>
-          <p:nvPr>
-            <p:extLst>
-              <p:ext uri="{D42A27DB-BD31-4B8C-83A1-F6EECF244321}">
-                <p14:modId xmlns:p14="http://schemas.microsoft.com/office/powerpoint/2010/main" val="763240194"/>
-              </p:ext>
-            </p:extLst>
-          </p:nvPr>
-        </p:nvGraphicFramePr>
-        <p:xfrm>
-          <a:off x="1385895" y="1076312"/>
-          <a:ext cx="9321793" cy="4806963"/>
-        </p:xfrm>
-        <a:graphic>
-          <a:graphicData uri="http://schemas.openxmlformats.org/drawingml/2006/chart">
-            <c:chart xmlns:c="http://schemas.openxmlformats.org/drawingml/2006/chart" xmlns:r="http://schemas.openxmlformats.org/officeDocument/2006/relationships" r:id="rId2"/>
-          </a:graphicData>
-        </a:graphic>
-      </p:graphicFrame>
-      <p:sp>
-        <p:nvSpPr>
-          <p:cNvPr id="12" name="Organigramme : Connecteur 11">
-            <a:extLst>
-              <a:ext uri="{FF2B5EF4-FFF2-40B4-BE49-F238E27FC236}">
-                <a16:creationId xmlns:a16="http://schemas.microsoft.com/office/drawing/2014/main" id="{49CE67B0-BB58-4BE4-A99B-9CB7D8ABB184}"/>
-              </a:ext>
-            </a:extLst>
-          </p:cNvPr>
-          <p:cNvSpPr/>
-          <p:nvPr/>
-        </p:nvSpPr>
-        <p:spPr>
-          <a:xfrm>
-            <a:off x="4226168" y="6089120"/>
-            <a:ext cx="382555" cy="365126"/>
-          </a:xfrm>
-          <a:prstGeom prst="flowChartConnector">
-            <a:avLst/>
-          </a:prstGeom>
-          <a:solidFill>
-            <a:srgbClr val="30ACEC"/>
-          </a:solidFill>
-        </p:spPr>
-        <p:style>
-          <a:lnRef idx="2">
-            <a:schemeClr val="accent1">
-              <a:shade val="50000"/>
-            </a:schemeClr>
-          </a:lnRef>
-          <a:fillRef idx="1">
-            <a:schemeClr val="accent1"/>
-          </a:fillRef>
-          <a:effectRef idx="0">
-            <a:schemeClr val="accent1"/>
-          </a:effectRef>
-          <a:fontRef idx="minor">
-            <a:schemeClr val="lt1"/>
-          </a:fontRef>
-        </p:style>
-        <p:txBody>
-          <a:bodyPr rtlCol="0" anchor="ctr"/>
-          <a:lstStyle/>
-          <a:p>
-            <a:pPr algn="ctr"/>
-            <a:endParaRPr lang="fr-CH"/>
-          </a:p>
-        </p:txBody>
-      </p:sp>
-      <p:sp>
-        <p:nvSpPr>
-          <p:cNvPr id="13" name="Organigramme : Connecteur 12">
-            <a:extLst>
-              <a:ext uri="{FF2B5EF4-FFF2-40B4-BE49-F238E27FC236}">
-                <a16:creationId xmlns:a16="http://schemas.microsoft.com/office/drawing/2014/main" id="{2E078ABC-1DAB-4B84-87EE-9EA5B10885A8}"/>
-              </a:ext>
-            </a:extLst>
-          </p:cNvPr>
-          <p:cNvSpPr/>
-          <p:nvPr/>
-        </p:nvSpPr>
-        <p:spPr>
-          <a:xfrm>
-            <a:off x="7529759" y="6089120"/>
-            <a:ext cx="382555" cy="365126"/>
-          </a:xfrm>
-          <a:prstGeom prst="flowChartConnector">
-            <a:avLst/>
-          </a:prstGeom>
-          <a:solidFill>
-            <a:srgbClr val="80C34F"/>
-          </a:solidFill>
-          <a:ln>
-            <a:solidFill>
-              <a:schemeClr val="accent2">
-                <a:lumMod val="75000"/>
-              </a:schemeClr>
-            </a:solidFill>
-          </a:ln>
-        </p:spPr>
-        <p:style>
-          <a:lnRef idx="2">
-            <a:schemeClr val="accent1">
-              <a:shade val="50000"/>
-            </a:schemeClr>
-          </a:lnRef>
-          <a:fillRef idx="1">
-            <a:schemeClr val="accent1"/>
-          </a:fillRef>
-          <a:effectRef idx="0">
-            <a:schemeClr val="accent1"/>
-          </a:effectRef>
-          <a:fontRef idx="minor">
-            <a:schemeClr val="lt1"/>
-          </a:fontRef>
-        </p:style>
-        <p:txBody>
-          <a:bodyPr rtlCol="0" anchor="ctr"/>
-          <a:lstStyle/>
-          <a:p>
-            <a:pPr algn="ctr"/>
-            <a:endParaRPr lang="fr-CH"/>
-          </a:p>
-        </p:txBody>
-      </p:sp>
-      <p:sp>
-        <p:nvSpPr>
-          <p:cNvPr id="14" name="ZoneTexte 13">
-            <a:extLst>
-              <a:ext uri="{FF2B5EF4-FFF2-40B4-BE49-F238E27FC236}">
-                <a16:creationId xmlns:a16="http://schemas.microsoft.com/office/drawing/2014/main" id="{F8AD311C-C369-4FB8-8C04-77BD06B23FA9}"/>
-              </a:ext>
-            </a:extLst>
-          </p:cNvPr>
-          <p:cNvSpPr txBox="1"/>
-          <p:nvPr/>
-        </p:nvSpPr>
-        <p:spPr>
-          <a:xfrm>
-            <a:off x="4683368" y="6089120"/>
-            <a:ext cx="905069" cy="369332"/>
-          </a:xfrm>
-          <a:prstGeom prst="rect">
-            <a:avLst/>
-          </a:prstGeom>
-          <a:noFill/>
-        </p:spPr>
-        <p:txBody>
-          <a:bodyPr wrap="square" rtlCol="0">
-            <a:spAutoFit/>
-          </a:bodyPr>
-          <a:lstStyle/>
-          <a:p>
-            <a:r>
-              <a:rPr lang="fr-CH" dirty="0"/>
-              <a:t>Planifié</a:t>
-            </a:r>
-          </a:p>
-        </p:txBody>
-      </p:sp>
-      <p:sp>
-        <p:nvSpPr>
-          <p:cNvPr id="15" name="ZoneTexte 14">
-            <a:extLst>
-              <a:ext uri="{FF2B5EF4-FFF2-40B4-BE49-F238E27FC236}">
-                <a16:creationId xmlns:a16="http://schemas.microsoft.com/office/drawing/2014/main" id="{95486A12-4216-44E0-A33F-7BAD377DD0C8}"/>
-              </a:ext>
-            </a:extLst>
-          </p:cNvPr>
-          <p:cNvSpPr txBox="1"/>
-          <p:nvPr/>
-        </p:nvSpPr>
-        <p:spPr>
-          <a:xfrm>
-            <a:off x="7995297" y="6089120"/>
-            <a:ext cx="905069" cy="369332"/>
-          </a:xfrm>
-          <a:prstGeom prst="rect">
-            <a:avLst/>
-          </a:prstGeom>
-          <a:noFill/>
-        </p:spPr>
-        <p:txBody>
-          <a:bodyPr wrap="square" rtlCol="0">
-            <a:spAutoFit/>
-          </a:bodyPr>
-          <a:lstStyle/>
-          <a:p>
-            <a:r>
-              <a:rPr lang="fr-CH" dirty="0"/>
-              <a:t>Réalisé</a:t>
-            </a:r>
-          </a:p>
-        </p:txBody>
-      </p:sp>
-    </p:spTree>
-    <p:extLst>
-      <p:ext uri="{BB962C8B-B14F-4D97-AF65-F5344CB8AC3E}">
-        <p14:creationId xmlns:p14="http://schemas.microsoft.com/office/powerpoint/2010/main" val="1427422208"/>
-      </p:ext>
-    </p:extLst>
-  </p:cSld>
-  <p:clrMapOvr>
-    <a:masterClrMapping/>
-  </p:clrMapOvr>
-</p:sld>
-</file>
-
-<file path=ppt/slides/slide6.xml><?xml version="1.0" encoding="utf-8"?>
-<p:sld xmlns:a="http://schemas.openxmlformats.org/drawingml/2006/main" xmlns:r="http://schemas.openxmlformats.org/officeDocument/2006/relationships" xmlns:p="http://schemas.openxmlformats.org/presentationml/2006/main">
-  <p:cSld>
-    <p:spTree>
-      <p:nvGrpSpPr>
-        <p:cNvPr id="1" name=""/>
-        <p:cNvGrpSpPr/>
-        <p:nvPr/>
-      </p:nvGrpSpPr>
-      <p:grpSpPr>
-        <a:xfrm>
-          <a:off x="0" y="0"/>
-          <a:ext cx="0" cy="0"/>
-          <a:chOff x="0" y="0"/>
-          <a:chExt cx="0" cy="0"/>
-        </a:xfrm>
-      </p:grpSpPr>
-      <p:sp>
-        <p:nvSpPr>
-          <p:cNvPr id="2" name="Titre 1">
-            <a:extLst>
-              <a:ext uri="{FF2B5EF4-FFF2-40B4-BE49-F238E27FC236}">
-                <a16:creationId xmlns:a16="http://schemas.microsoft.com/office/drawing/2014/main" id="{9452F6CC-EB5E-4CE1-B282-297E029854DF}"/>
-              </a:ext>
-            </a:extLst>
-          </p:cNvPr>
-          <p:cNvSpPr>
-            <a:spLocks noGrp="1"/>
-          </p:cNvSpPr>
-          <p:nvPr>
-            <p:ph type="title"/>
-          </p:nvPr>
-        </p:nvSpPr>
-        <p:spPr>
-          <a:xfrm>
-            <a:off x="1484312" y="685801"/>
-            <a:ext cx="10018712" cy="547382"/>
-          </a:xfrm>
-        </p:spPr>
-        <p:txBody>
-          <a:bodyPr>
-            <a:normAutofit fontScale="90000"/>
-          </a:bodyPr>
-          <a:lstStyle/>
-          <a:p>
-            <a:pPr algn="l">
-              <a:buSzPct val="100000"/>
-            </a:pPr>
-            <a:r>
-              <a:rPr lang="fr-CH" sz="1300" dirty="0"/>
-              <a:t>Introduction - Fonctionnalités demandées - Planification et journal de travail </a:t>
-            </a:r>
-            <a:r>
-              <a:rPr lang="fr-CH" sz="1200" dirty="0"/>
-              <a:t>- </a:t>
-            </a:r>
-            <a:r>
-              <a:rPr lang="fr-CH" sz="3600" dirty="0"/>
-              <a:t>Problèmes rencontrés</a:t>
-            </a:r>
-            <a:r>
-              <a:rPr lang="fr-CH" sz="1200" dirty="0"/>
-              <a:t> </a:t>
-            </a:r>
-            <a:r>
-              <a:rPr lang="fr-CH" sz="1300" dirty="0"/>
-              <a:t>- Conclusion</a:t>
-            </a:r>
-            <a:endParaRPr lang="fr-CH" sz="1200" dirty="0"/>
-          </a:p>
-        </p:txBody>
-      </p:sp>
-      <p:sp>
-        <p:nvSpPr>
-          <p:cNvPr id="3" name="Espace réservé du contenu 2">
-            <a:extLst>
-              <a:ext uri="{FF2B5EF4-FFF2-40B4-BE49-F238E27FC236}">
-                <a16:creationId xmlns:a16="http://schemas.microsoft.com/office/drawing/2014/main" id="{D4B1096E-49F6-43B9-A15E-073F371B52BD}"/>
-              </a:ext>
-            </a:extLst>
-          </p:cNvPr>
-          <p:cNvSpPr>
-            <a:spLocks noGrp="1"/>
-          </p:cNvSpPr>
-          <p:nvPr>
-            <p:ph idx="1"/>
-          </p:nvPr>
-        </p:nvSpPr>
-        <p:spPr>
-          <a:xfrm>
-            <a:off x="1484310" y="1501629"/>
-            <a:ext cx="10018713" cy="4289572"/>
-          </a:xfrm>
-        </p:spPr>
-        <p:txBody>
-          <a:bodyPr>
-            <a:normAutofit/>
-          </a:bodyPr>
-          <a:lstStyle/>
-          <a:p>
-            <a:pPr>
-              <a:buSzPct val="100000"/>
-              <a:buFont typeface="Wingdings" panose="05000000000000000000" pitchFamily="2" charset="2"/>
-              <a:buChar char="v"/>
-            </a:pPr>
-            <a:r>
-              <a:rPr lang="fr-CH" sz="2800" dirty="0"/>
-              <a:t>Encodage UTF-8 Bom</a:t>
-            </a:r>
-          </a:p>
-          <a:p>
-            <a:pPr>
-              <a:buSzPct val="100000"/>
-              <a:buFont typeface="Wingdings" panose="05000000000000000000" pitchFamily="2" charset="2"/>
-              <a:buChar char="v"/>
-            </a:pPr>
-            <a:r>
-              <a:rPr lang="fr-CH" sz="2800" dirty="0"/>
-              <a:t>Enregistrement Excel avec Macros</a:t>
-            </a:r>
-          </a:p>
-          <a:p>
-            <a:pPr>
-              <a:buSzPct val="100000"/>
-              <a:buFont typeface="Wingdings" panose="05000000000000000000" pitchFamily="2" charset="2"/>
-              <a:buChar char="v"/>
-            </a:pPr>
-            <a:endParaRPr lang="fr-CH" sz="2800" dirty="0"/>
-          </a:p>
-        </p:txBody>
-      </p:sp>
-      <p:sp>
-        <p:nvSpPr>
-          <p:cNvPr id="4" name="Espace réservé du pied de page 3">
-            <a:extLst>
-              <a:ext uri="{FF2B5EF4-FFF2-40B4-BE49-F238E27FC236}">
-                <a16:creationId xmlns:a16="http://schemas.microsoft.com/office/drawing/2014/main" id="{6885CD8E-41C2-464B-934B-EE61BCB946BE}"/>
-              </a:ext>
-            </a:extLst>
-          </p:cNvPr>
-          <p:cNvSpPr>
-            <a:spLocks noGrp="1"/>
-          </p:cNvSpPr>
-          <p:nvPr>
-            <p:ph type="ftr" sz="quarter" idx="11"/>
-          </p:nvPr>
-        </p:nvSpPr>
-        <p:spPr/>
-        <p:txBody>
-          <a:bodyPr/>
-          <a:lstStyle/>
-          <a:p>
-            <a:pPr rtl="0"/>
-            <a:r>
-              <a:rPr lang="fr-FR" noProof="0"/>
-              <a:t>ETML - P_Appro1 2023</a:t>
-            </a:r>
-          </a:p>
-        </p:txBody>
-      </p:sp>
-    </p:spTree>
-    <p:extLst>
-      <p:ext uri="{BB962C8B-B14F-4D97-AF65-F5344CB8AC3E}">
-        <p14:creationId xmlns:p14="http://schemas.microsoft.com/office/powerpoint/2010/main" val="3895218083"/>
-      </p:ext>
-    </p:extLst>
-  </p:cSld>
-  <p:clrMapOvr>
-    <a:masterClrMapping/>
-  </p:clrMapOvr>
-</p:sld>
-</file>
-
-<file path=ppt/slides/slide7.xml><?xml version="1.0" encoding="utf-8"?>
-<p:sld xmlns:a="http://schemas.openxmlformats.org/drawingml/2006/main" xmlns:r="http://schemas.openxmlformats.org/officeDocument/2006/relationships" xmlns:p="http://schemas.openxmlformats.org/presentationml/2006/main">
-  <p:cSld>
-    <p:spTree>
-      <p:nvGrpSpPr>
-        <p:cNvPr id="1" name=""/>
-        <p:cNvGrpSpPr/>
-        <p:nvPr/>
-      </p:nvGrpSpPr>
-      <p:grpSpPr>
-        <a:xfrm>
-          <a:off x="0" y="0"/>
-          <a:ext cx="0" cy="0"/>
-          <a:chOff x="0" y="0"/>
-          <a:chExt cx="0" cy="0"/>
-        </a:xfrm>
-      </p:grpSpPr>
-      <p:sp>
-        <p:nvSpPr>
-          <p:cNvPr id="2" name="Titre 1">
-            <a:extLst>
-              <a:ext uri="{FF2B5EF4-FFF2-40B4-BE49-F238E27FC236}">
-                <a16:creationId xmlns:a16="http://schemas.microsoft.com/office/drawing/2014/main" id="{9452F6CC-EB5E-4CE1-B282-297E029854DF}"/>
-              </a:ext>
-            </a:extLst>
-          </p:cNvPr>
-          <p:cNvSpPr>
-            <a:spLocks noGrp="1"/>
-          </p:cNvSpPr>
-          <p:nvPr>
-            <p:ph type="title"/>
-          </p:nvPr>
-        </p:nvSpPr>
-        <p:spPr>
-          <a:xfrm>
-            <a:off x="1484312" y="870498"/>
-            <a:ext cx="10184774" cy="729431"/>
-          </a:xfrm>
-        </p:spPr>
-        <p:txBody>
-          <a:bodyPr>
-            <a:normAutofit fontScale="90000"/>
-          </a:bodyPr>
-          <a:lstStyle/>
-          <a:p>
-            <a:pPr algn="l">
-              <a:buSzPct val="100000"/>
-            </a:pPr>
-            <a:r>
-              <a:rPr lang="fr-CH" sz="1300" dirty="0"/>
-              <a:t>Introduction - Fonctionnalités demandées - Planification et journal de travail - </a:t>
-            </a:r>
-            <a:r>
-              <a:rPr lang="fr-CH" sz="3600" dirty="0"/>
-              <a:t>Problèmes rencontrés</a:t>
-            </a:r>
-            <a:r>
-              <a:rPr lang="fr-CH" sz="1300" dirty="0"/>
-              <a:t> - Conclusion</a:t>
-            </a:r>
-            <a:br>
-              <a:rPr lang="fr-CH" sz="1100" dirty="0"/>
-            </a:br>
-            <a:r>
-              <a:rPr lang="fr-CH" dirty="0"/>
-              <a:t>Encodage UTF-8 Bom</a:t>
-            </a:r>
-          </a:p>
-        </p:txBody>
-      </p:sp>
-      <p:sp>
-        <p:nvSpPr>
-          <p:cNvPr id="4" name="Espace réservé du pied de page 3">
-            <a:extLst>
-              <a:ext uri="{FF2B5EF4-FFF2-40B4-BE49-F238E27FC236}">
-                <a16:creationId xmlns:a16="http://schemas.microsoft.com/office/drawing/2014/main" id="{6885CD8E-41C2-464B-934B-EE61BCB946BE}"/>
-              </a:ext>
-            </a:extLst>
-          </p:cNvPr>
-          <p:cNvSpPr>
-            <a:spLocks noGrp="1"/>
-          </p:cNvSpPr>
-          <p:nvPr>
-            <p:ph type="ftr" sz="quarter" idx="11"/>
-          </p:nvPr>
-        </p:nvSpPr>
-        <p:spPr/>
-        <p:txBody>
-          <a:bodyPr/>
-          <a:lstStyle/>
-          <a:p>
-            <a:pPr rtl="0"/>
-            <a:r>
-              <a:rPr lang="fr-FR" noProof="0"/>
-              <a:t>ETML - P_Appro1 2023</a:t>
-            </a:r>
-          </a:p>
-        </p:txBody>
-      </p:sp>
-      <p:pic>
-        <p:nvPicPr>
-          <p:cNvPr id="9" name="Image 8">
-            <a:extLst>
-              <a:ext uri="{FF2B5EF4-FFF2-40B4-BE49-F238E27FC236}">
-                <a16:creationId xmlns:a16="http://schemas.microsoft.com/office/drawing/2014/main" id="{8CA0F07C-E695-41D3-9A31-386EFDBD4F79}"/>
-              </a:ext>
-            </a:extLst>
-          </p:cNvPr>
-          <p:cNvPicPr/>
-          <p:nvPr/>
-        </p:nvPicPr>
-        <p:blipFill>
-          <a:blip r:embed="rId2"/>
-          <a:stretch>
-            <a:fillRect/>
-          </a:stretch>
-        </p:blipFill>
-        <p:spPr>
-          <a:xfrm>
-            <a:off x="1767893" y="1998650"/>
-            <a:ext cx="4210050" cy="519430"/>
-          </a:xfrm>
-          <a:prstGeom prst="rect">
-            <a:avLst/>
-          </a:prstGeom>
-        </p:spPr>
-      </p:pic>
-      <p:pic>
-        <p:nvPicPr>
-          <p:cNvPr id="10" name="Image 9">
-            <a:extLst>
-              <a:ext uri="{FF2B5EF4-FFF2-40B4-BE49-F238E27FC236}">
-                <a16:creationId xmlns:a16="http://schemas.microsoft.com/office/drawing/2014/main" id="{FD77AAE2-D816-4F2F-97CD-CA8952F3AAC0}"/>
-              </a:ext>
-            </a:extLst>
-          </p:cNvPr>
-          <p:cNvPicPr>
-            <a:picLocks noChangeAspect="1"/>
-          </p:cNvPicPr>
-          <p:nvPr/>
-        </p:nvPicPr>
-        <p:blipFill>
-          <a:blip r:embed="rId3"/>
-          <a:stretch>
-            <a:fillRect/>
-          </a:stretch>
-        </p:blipFill>
-        <p:spPr>
-          <a:xfrm>
-            <a:off x="5740296" y="3101498"/>
-            <a:ext cx="5677692" cy="2476846"/>
-          </a:xfrm>
-          <a:prstGeom prst="rect">
-            <a:avLst/>
-          </a:prstGeom>
-        </p:spPr>
-      </p:pic>
-      <p:pic>
-        <p:nvPicPr>
-          <p:cNvPr id="4098" name="Picture 2" descr="UTF-8 Icons - Your no.1 source for UTF-8 character icons">
-            <a:extLst>
-              <a:ext uri="{FF2B5EF4-FFF2-40B4-BE49-F238E27FC236}">
-                <a16:creationId xmlns:a16="http://schemas.microsoft.com/office/drawing/2014/main" id="{287B697D-9267-478A-B133-1D9F98CC1051}"/>
-              </a:ext>
-            </a:extLst>
-          </p:cNvPr>
-          <p:cNvPicPr>
-            <a:picLocks noChangeAspect="1" noChangeArrowheads="1"/>
-          </p:cNvPicPr>
-          <p:nvPr/>
-        </p:nvPicPr>
-        <p:blipFill>
-          <a:blip r:embed="rId4">
-            <a:extLst>
-              <a:ext uri="{28A0092B-C50C-407E-A947-70E740481C1C}">
-                <a14:useLocalDpi xmlns:a14="http://schemas.microsoft.com/office/drawing/2010/main" val="0"/>
-              </a:ext>
-            </a:extLst>
-          </a:blip>
-          <a:srcRect/>
-          <a:stretch>
-            <a:fillRect/>
-          </a:stretch>
-        </p:blipFill>
-        <p:spPr bwMode="auto">
-          <a:xfrm>
-            <a:off x="2650382" y="3738703"/>
-            <a:ext cx="1762227" cy="991253"/>
-          </a:xfrm>
-          <a:prstGeom prst="rect">
-            <a:avLst/>
-          </a:prstGeom>
-          <a:noFill/>
-          <a:extLst>
-            <a:ext uri="{909E8E84-426E-40DD-AFC4-6F175D3DCCD1}">
-              <a14:hiddenFill xmlns:a14="http://schemas.microsoft.com/office/drawing/2010/main">
-                <a:solidFill>
-                  <a:srgbClr val="FFFFFF"/>
-                </a:solidFill>
-              </a14:hiddenFill>
-            </a:ext>
-          </a:extLst>
-        </p:spPr>
-      </p:pic>
-    </p:spTree>
-    <p:extLst>
-      <p:ext uri="{BB962C8B-B14F-4D97-AF65-F5344CB8AC3E}">
-        <p14:creationId xmlns:p14="http://schemas.microsoft.com/office/powerpoint/2010/main" val="27959995"/>
-      </p:ext>
-    </p:extLst>
-  </p:cSld>
-  <p:clrMapOvr>
-    <a:masterClrMapping/>
-  </p:clrMapOvr>
-</p:sld>
-</file>
-
-<file path=ppt/slides/slide8.xml><?xml version="1.0" encoding="utf-8"?>
-<p:sld xmlns:a="http://schemas.openxmlformats.org/drawingml/2006/main" xmlns:r="http://schemas.openxmlformats.org/officeDocument/2006/relationships" xmlns:p="http://schemas.openxmlformats.org/presentationml/2006/main">
-  <p:cSld>
-    <p:spTree>
-      <p:nvGrpSpPr>
-        <p:cNvPr id="1" name=""/>
-        <p:cNvGrpSpPr/>
-        <p:nvPr/>
-      </p:nvGrpSpPr>
-      <p:grpSpPr>
-        <a:xfrm>
-          <a:off x="0" y="0"/>
-          <a:ext cx="0" cy="0"/>
-          <a:chOff x="0" y="0"/>
-          <a:chExt cx="0" cy="0"/>
-        </a:xfrm>
-      </p:grpSpPr>
-      <p:sp>
-        <p:nvSpPr>
-          <p:cNvPr id="2" name="Titre 1">
-            <a:extLst>
-              <a:ext uri="{FF2B5EF4-FFF2-40B4-BE49-F238E27FC236}">
-                <a16:creationId xmlns:a16="http://schemas.microsoft.com/office/drawing/2014/main" id="{9452F6CC-EB5E-4CE1-B282-297E029854DF}"/>
-              </a:ext>
-            </a:extLst>
-          </p:cNvPr>
-          <p:cNvSpPr>
-            <a:spLocks noGrp="1"/>
-          </p:cNvSpPr>
-          <p:nvPr>
-            <p:ph type="title"/>
-          </p:nvPr>
-        </p:nvSpPr>
-        <p:spPr>
-          <a:xfrm>
-            <a:off x="1484312" y="685801"/>
-            <a:ext cx="10018712" cy="547382"/>
-          </a:xfrm>
-        </p:spPr>
-        <p:txBody>
-          <a:bodyPr>
-            <a:normAutofit fontScale="90000"/>
-          </a:bodyPr>
-          <a:lstStyle/>
-          <a:p>
-            <a:pPr algn="l">
-              <a:buSzPct val="100000"/>
-            </a:pPr>
-            <a:r>
-              <a:rPr lang="fr-CH" dirty="0"/>
-              <a:t>Enregistrement Excel avec Macros</a:t>
-            </a:r>
-          </a:p>
-        </p:txBody>
-      </p:sp>
-      <p:sp>
-        <p:nvSpPr>
-          <p:cNvPr id="4" name="Espace réservé du pied de page 3">
-            <a:extLst>
-              <a:ext uri="{FF2B5EF4-FFF2-40B4-BE49-F238E27FC236}">
-                <a16:creationId xmlns:a16="http://schemas.microsoft.com/office/drawing/2014/main" id="{6885CD8E-41C2-464B-934B-EE61BCB946BE}"/>
-              </a:ext>
-            </a:extLst>
-          </p:cNvPr>
-          <p:cNvSpPr>
-            <a:spLocks noGrp="1"/>
-          </p:cNvSpPr>
-          <p:nvPr>
-            <p:ph type="ftr" sz="quarter" idx="11"/>
-          </p:nvPr>
-        </p:nvSpPr>
-        <p:spPr/>
-        <p:txBody>
-          <a:bodyPr/>
-          <a:lstStyle/>
-          <a:p>
-            <a:pPr rtl="0"/>
-            <a:r>
-              <a:rPr lang="fr-FR" noProof="0"/>
-              <a:t>ETML - P_Appro1 2023</a:t>
-            </a:r>
-          </a:p>
-        </p:txBody>
-      </p:sp>
-      <p:pic>
-        <p:nvPicPr>
-          <p:cNvPr id="7" name="Espace réservé du contenu 6">
-            <a:extLst>
-              <a:ext uri="{FF2B5EF4-FFF2-40B4-BE49-F238E27FC236}">
-                <a16:creationId xmlns:a16="http://schemas.microsoft.com/office/drawing/2014/main" id="{C1A415C6-7E56-4638-8DE0-20C752B91D1E}"/>
-              </a:ext>
-            </a:extLst>
-          </p:cNvPr>
-          <p:cNvPicPr>
-            <a:picLocks noGrp="1" noChangeAspect="1"/>
-          </p:cNvPicPr>
-          <p:nvPr>
-            <p:ph idx="1"/>
-          </p:nvPr>
-        </p:nvPicPr>
-        <p:blipFill>
-          <a:blip r:embed="rId2"/>
-          <a:stretch>
-            <a:fillRect/>
-          </a:stretch>
-        </p:blipFill>
-        <p:spPr>
-          <a:xfrm>
-            <a:off x="1313958" y="1681541"/>
-            <a:ext cx="5839640" cy="1876687"/>
-          </a:xfrm>
-          <a:prstGeom prst="rect">
-            <a:avLst/>
-          </a:prstGeom>
-        </p:spPr>
-      </p:pic>
-      <p:pic>
-        <p:nvPicPr>
-          <p:cNvPr id="5" name="Image 4">
-            <a:extLst>
-              <a:ext uri="{FF2B5EF4-FFF2-40B4-BE49-F238E27FC236}">
-                <a16:creationId xmlns:a16="http://schemas.microsoft.com/office/drawing/2014/main" id="{64B21957-23F2-4571-9AF9-C36982F81D99}"/>
-              </a:ext>
-            </a:extLst>
-          </p:cNvPr>
-          <p:cNvPicPr>
-            <a:picLocks noChangeAspect="1"/>
-          </p:cNvPicPr>
-          <p:nvPr/>
-        </p:nvPicPr>
-        <p:blipFill>
-          <a:blip r:embed="rId3"/>
-          <a:stretch>
-            <a:fillRect/>
-          </a:stretch>
-        </p:blipFill>
-        <p:spPr>
-          <a:xfrm>
-            <a:off x="6741776" y="3733585"/>
-            <a:ext cx="3896269" cy="1686160"/>
-          </a:xfrm>
-          <a:prstGeom prst="rect">
-            <a:avLst/>
-          </a:prstGeom>
-        </p:spPr>
-      </p:pic>
-      <p:pic>
-        <p:nvPicPr>
-          <p:cNvPr id="3076" name="Picture 4">
-            <a:extLst>
-              <a:ext uri="{FF2B5EF4-FFF2-40B4-BE49-F238E27FC236}">
-                <a16:creationId xmlns:a16="http://schemas.microsoft.com/office/drawing/2014/main" id="{6DC68519-45C6-4699-9E32-4568F682C91C}"/>
-              </a:ext>
-            </a:extLst>
-          </p:cNvPr>
-          <p:cNvPicPr>
-            <a:picLocks noChangeAspect="1" noChangeArrowheads="1"/>
-          </p:cNvPicPr>
-          <p:nvPr/>
-        </p:nvPicPr>
-        <p:blipFill>
-          <a:blip r:embed="rId4">
-            <a:extLst>
-              <a:ext uri="{28A0092B-C50C-407E-A947-70E740481C1C}">
-                <a14:useLocalDpi xmlns:a14="http://schemas.microsoft.com/office/drawing/2010/main" val="0"/>
-              </a:ext>
-            </a:extLst>
-          </a:blip>
-          <a:srcRect/>
-          <a:stretch>
-            <a:fillRect/>
-          </a:stretch>
-        </p:blipFill>
-        <p:spPr bwMode="auto">
-          <a:xfrm>
-            <a:off x="2324348" y="3813635"/>
-            <a:ext cx="1317427" cy="1225250"/>
-          </a:xfrm>
-          <a:prstGeom prst="rect">
-            <a:avLst/>
-          </a:prstGeom>
-          <a:noFill/>
-          <a:extLst>
-            <a:ext uri="{909E8E84-426E-40DD-AFC4-6F175D3DCCD1}">
-              <a14:hiddenFill xmlns:a14="http://schemas.microsoft.com/office/drawing/2010/main">
-                <a:solidFill>
-                  <a:srgbClr val="FFFFFF"/>
-                </a:solidFill>
-              </a14:hiddenFill>
-            </a:ext>
-          </a:extLst>
-        </p:spPr>
-      </p:pic>
-    </p:spTree>
-    <p:extLst>
-      <p:ext uri="{BB962C8B-B14F-4D97-AF65-F5344CB8AC3E}">
-        <p14:creationId xmlns:p14="http://schemas.microsoft.com/office/powerpoint/2010/main" val="1853309506"/>
-      </p:ext>
-    </p:extLst>
-  </p:cSld>
-  <p:clrMapOvr>
-    <a:masterClrMapping/>
-  </p:clrMapOvr>
-</p:sld>
-</file>
-
-<file path=ppt/slides/slide9.xml><?xml version="1.0" encoding="utf-8"?>
-<p:sld xmlns:a="http://schemas.openxmlformats.org/drawingml/2006/main" xmlns:r="http://schemas.openxmlformats.org/officeDocument/2006/relationships" xmlns:p="http://schemas.openxmlformats.org/presentationml/2006/main">
-  <p:cSld>
-    <p:spTree>
-      <p:nvGrpSpPr>
-        <p:cNvPr id="1" name=""/>
-        <p:cNvGrpSpPr/>
-        <p:nvPr/>
-      </p:nvGrpSpPr>
-      <p:grpSpPr>
-        <a:xfrm>
-          <a:off x="0" y="0"/>
-          <a:ext cx="0" cy="0"/>
-          <a:chOff x="0" y="0"/>
-          <a:chExt cx="0" cy="0"/>
-        </a:xfrm>
-      </p:grpSpPr>
-      <p:sp>
-        <p:nvSpPr>
-          <p:cNvPr id="2" name="Titre 1">
-            <a:extLst>
-              <a:ext uri="{FF2B5EF4-FFF2-40B4-BE49-F238E27FC236}">
-                <a16:creationId xmlns:a16="http://schemas.microsoft.com/office/drawing/2014/main" id="{9452F6CC-EB5E-4CE1-B282-297E029854DF}"/>
-              </a:ext>
-            </a:extLst>
-          </p:cNvPr>
-          <p:cNvSpPr>
-            <a:spLocks noGrp="1"/>
-          </p:cNvSpPr>
-          <p:nvPr>
-            <p:ph type="title"/>
-          </p:nvPr>
-        </p:nvSpPr>
-        <p:spPr>
-          <a:xfrm>
-            <a:off x="1484311" y="685800"/>
-            <a:ext cx="10018713" cy="1752599"/>
-          </a:xfrm>
-        </p:spPr>
-        <p:txBody>
-          <a:bodyPr anchor="ctr">
-            <a:normAutofit/>
-          </a:bodyPr>
-          <a:lstStyle/>
-          <a:p>
-            <a:pPr>
-              <a:buSzPct val="100000"/>
-            </a:pPr>
-            <a:r>
-              <a:rPr lang="fr-CH" sz="1200" dirty="0"/>
-              <a:t>Introduction - Fonctionnalités demandées - Planification et journal de travail - Problèmes rencontrés - </a:t>
-            </a:r>
-            <a:r>
-              <a:rPr lang="fr-CH" sz="3200" dirty="0"/>
-              <a:t>Conclusion</a:t>
-            </a:r>
-            <a:endParaRPr lang="fr-CH" sz="3600" dirty="0"/>
-          </a:p>
-        </p:txBody>
-      </p:sp>
-      <p:sp>
-        <p:nvSpPr>
-          <p:cNvPr id="3" name="Espace réservé du contenu 2">
-            <a:extLst>
-              <a:ext uri="{FF2B5EF4-FFF2-40B4-BE49-F238E27FC236}">
-                <a16:creationId xmlns:a16="http://schemas.microsoft.com/office/drawing/2014/main" id="{D4B1096E-49F6-43B9-A15E-073F371B52BD}"/>
-              </a:ext>
-            </a:extLst>
-          </p:cNvPr>
-          <p:cNvSpPr>
-            <a:spLocks noGrp="1"/>
-          </p:cNvSpPr>
-          <p:nvPr>
             <p:ph sz="half" idx="2"/>
           </p:nvPr>
         </p:nvSpPr>
@@ -10844,6 +9428,17 @@
             <a:r>
               <a:rPr lang="fr-CH" dirty="0"/>
               <a:t>Bilan des fonctionnalités</a:t>
+            </a:r>
+          </a:p>
+          <a:p>
+            <a:pPr>
+              <a:buSzPct val="100000"/>
+              <a:buFont typeface="Wingdings" panose="05000000000000000000" pitchFamily="2" charset="2"/>
+              <a:buChar char="v"/>
+            </a:pPr>
+            <a:r>
+              <a:rPr lang="fr-CH" dirty="0"/>
+              <a:t>Plus value du projet</a:t>
             </a:r>
           </a:p>
           <a:p>
@@ -11041,6 +9636,7 @@
         </p:nvPicPr>
         <p:blipFill>
           <a:blip r:embed="rId3">
+            <a:alphaModFix amt="5000"/>
             <a:extLst>
               <a:ext uri="{28A0092B-C50C-407E-A947-70E740481C1C}">
                 <a14:useLocalDpi xmlns:a14="http://schemas.microsoft.com/office/drawing/2010/main" val="0"/>
@@ -11072,10 +9668,2051 @@
           </a:extLst>
         </p:spPr>
       </p:pic>
+      <p:sp>
+        <p:nvSpPr>
+          <p:cNvPr id="14" name="Titre 1">
+            <a:extLst>
+              <a:ext uri="{FF2B5EF4-FFF2-40B4-BE49-F238E27FC236}">
+                <a16:creationId xmlns:a16="http://schemas.microsoft.com/office/drawing/2014/main" id="{24A9E5F5-B348-40FD-BAB4-C63044C315CF}"/>
+              </a:ext>
+            </a:extLst>
+          </p:cNvPr>
+          <p:cNvSpPr>
+            <a:spLocks noGrp="1"/>
+          </p:cNvSpPr>
+          <p:nvPr>
+            <p:ph type="title"/>
+          </p:nvPr>
+        </p:nvSpPr>
+        <p:spPr>
+          <a:xfrm>
+            <a:off x="1752760" y="62218"/>
+            <a:ext cx="10439240" cy="547382"/>
+          </a:xfrm>
+          <a:noFill/>
+        </p:spPr>
+        <p:txBody>
+          <a:bodyPr>
+            <a:normAutofit fontScale="90000"/>
+          </a:bodyPr>
+          <a:lstStyle/>
+          <a:p>
+            <a:pPr algn="l"/>
+            <a:r>
+              <a:rPr lang="fr-CH" sz="1200" dirty="0">
+                <a:solidFill>
+                  <a:srgbClr val="595959"/>
+                </a:solidFill>
+              </a:rPr>
+              <a:t>Introduction - Fonctionnalités demandées - Planification et journal de travail - Réalisation - Problèmes rencontrés - </a:t>
+            </a:r>
+            <a:r>
+              <a:rPr lang="fr-CH" sz="3200" dirty="0">
+                <a:solidFill>
+                  <a:schemeClr val="accent1">
+                    <a:lumMod val="75000"/>
+                  </a:schemeClr>
+                </a:solidFill>
+              </a:rPr>
+              <a:t>Conclusion</a:t>
+            </a:r>
+          </a:p>
+        </p:txBody>
+      </p:sp>
     </p:spTree>
     <p:extLst>
       <p:ext uri="{BB962C8B-B14F-4D97-AF65-F5344CB8AC3E}">
         <p14:creationId xmlns:p14="http://schemas.microsoft.com/office/powerpoint/2010/main" val="2671687526"/>
+      </p:ext>
+    </p:extLst>
+  </p:cSld>
+  <p:clrMapOvr>
+    <a:masterClrMapping/>
+  </p:clrMapOvr>
+</p:sld>
+</file>
+
+<file path=ppt/slides/slide2.xml><?xml version="1.0" encoding="utf-8"?>
+<p:sld xmlns:a="http://schemas.openxmlformats.org/drawingml/2006/main" xmlns:r="http://schemas.openxmlformats.org/officeDocument/2006/relationships" xmlns:p="http://schemas.openxmlformats.org/presentationml/2006/main">
+  <p:cSld>
+    <p:spTree>
+      <p:nvGrpSpPr>
+        <p:cNvPr id="1" name=""/>
+        <p:cNvGrpSpPr/>
+        <p:nvPr/>
+      </p:nvGrpSpPr>
+      <p:grpSpPr>
+        <a:xfrm>
+          <a:off x="0" y="0"/>
+          <a:ext cx="0" cy="0"/>
+          <a:chOff x="0" y="0"/>
+          <a:chExt cx="0" cy="0"/>
+        </a:xfrm>
+      </p:grpSpPr>
+      <p:sp>
+        <p:nvSpPr>
+          <p:cNvPr id="2" name="Titre 1">
+            <a:extLst>
+              <a:ext uri="{FF2B5EF4-FFF2-40B4-BE49-F238E27FC236}">
+                <a16:creationId xmlns:a16="http://schemas.microsoft.com/office/drawing/2014/main" id="{9452F6CC-EB5E-4CE1-B282-297E029854DF}"/>
+              </a:ext>
+            </a:extLst>
+          </p:cNvPr>
+          <p:cNvSpPr>
+            <a:spLocks noGrp="1"/>
+          </p:cNvSpPr>
+          <p:nvPr>
+            <p:ph type="title"/>
+          </p:nvPr>
+        </p:nvSpPr>
+        <p:spPr>
+          <a:xfrm>
+            <a:off x="1484312" y="685801"/>
+            <a:ext cx="10018712" cy="547382"/>
+          </a:xfrm>
+        </p:spPr>
+        <p:txBody>
+          <a:bodyPr>
+            <a:normAutofit fontScale="90000"/>
+          </a:bodyPr>
+          <a:lstStyle/>
+          <a:p>
+            <a:pPr algn="l"/>
+            <a:r>
+              <a:rPr lang="fr-CH" sz="3600" dirty="0"/>
+              <a:t>Sommaire</a:t>
+            </a:r>
+            <a:endParaRPr lang="fr-CH" dirty="0"/>
+          </a:p>
+        </p:txBody>
+      </p:sp>
+      <p:sp>
+        <p:nvSpPr>
+          <p:cNvPr id="3" name="Espace réservé du contenu 2">
+            <a:extLst>
+              <a:ext uri="{FF2B5EF4-FFF2-40B4-BE49-F238E27FC236}">
+                <a16:creationId xmlns:a16="http://schemas.microsoft.com/office/drawing/2014/main" id="{D4B1096E-49F6-43B9-A15E-073F371B52BD}"/>
+              </a:ext>
+            </a:extLst>
+          </p:cNvPr>
+          <p:cNvSpPr>
+            <a:spLocks noGrp="1"/>
+          </p:cNvSpPr>
+          <p:nvPr>
+            <p:ph idx="1"/>
+          </p:nvPr>
+        </p:nvSpPr>
+        <p:spPr>
+          <a:xfrm>
+            <a:off x="1484310" y="1501629"/>
+            <a:ext cx="10018713" cy="4289572"/>
+          </a:xfrm>
+        </p:spPr>
+        <p:txBody>
+          <a:bodyPr>
+            <a:normAutofit/>
+          </a:bodyPr>
+          <a:lstStyle/>
+          <a:p>
+            <a:pPr>
+              <a:buSzPct val="100000"/>
+              <a:buFont typeface="Wingdings" panose="05000000000000000000" pitchFamily="2" charset="2"/>
+              <a:buChar char="v"/>
+            </a:pPr>
+            <a:r>
+              <a:rPr lang="fr-CH" sz="2800" dirty="0"/>
+              <a:t>Introduction</a:t>
+            </a:r>
+          </a:p>
+          <a:p>
+            <a:pPr>
+              <a:buSzPct val="100000"/>
+              <a:buFont typeface="Wingdings" panose="05000000000000000000" pitchFamily="2" charset="2"/>
+              <a:buChar char="v"/>
+            </a:pPr>
+            <a:r>
+              <a:rPr lang="fr-CH" sz="2800" dirty="0"/>
+              <a:t>Fonctionnalités demandées</a:t>
+            </a:r>
+          </a:p>
+          <a:p>
+            <a:pPr>
+              <a:buSzPct val="100000"/>
+              <a:buFont typeface="Wingdings" panose="05000000000000000000" pitchFamily="2" charset="2"/>
+              <a:buChar char="v"/>
+            </a:pPr>
+            <a:r>
+              <a:rPr lang="fr-CH" sz="2800" dirty="0"/>
+              <a:t>Planification et journal de travail</a:t>
+            </a:r>
+          </a:p>
+          <a:p>
+            <a:pPr>
+              <a:buSzPct val="100000"/>
+              <a:buFont typeface="Wingdings" panose="05000000000000000000" pitchFamily="2" charset="2"/>
+              <a:buChar char="v"/>
+            </a:pPr>
+            <a:r>
+              <a:rPr lang="fr-CH" sz="2800" dirty="0"/>
+              <a:t>Réalisation</a:t>
+            </a:r>
+          </a:p>
+          <a:p>
+            <a:pPr>
+              <a:buSzPct val="100000"/>
+              <a:buFont typeface="Wingdings" panose="05000000000000000000" pitchFamily="2" charset="2"/>
+              <a:buChar char="v"/>
+            </a:pPr>
+            <a:r>
+              <a:rPr lang="fr-CH" sz="2800" dirty="0"/>
+              <a:t>Problèmes rencontrés</a:t>
+            </a:r>
+          </a:p>
+          <a:p>
+            <a:pPr>
+              <a:buSzPct val="100000"/>
+              <a:buFont typeface="Wingdings" panose="05000000000000000000" pitchFamily="2" charset="2"/>
+              <a:buChar char="v"/>
+            </a:pPr>
+            <a:r>
+              <a:rPr lang="fr-CH" sz="2800" dirty="0"/>
+              <a:t>Conclusion</a:t>
+            </a:r>
+          </a:p>
+        </p:txBody>
+      </p:sp>
+      <p:sp>
+        <p:nvSpPr>
+          <p:cNvPr id="4" name="Espace réservé du pied de page 3">
+            <a:extLst>
+              <a:ext uri="{FF2B5EF4-FFF2-40B4-BE49-F238E27FC236}">
+                <a16:creationId xmlns:a16="http://schemas.microsoft.com/office/drawing/2014/main" id="{6885CD8E-41C2-464B-934B-EE61BCB946BE}"/>
+              </a:ext>
+            </a:extLst>
+          </p:cNvPr>
+          <p:cNvSpPr>
+            <a:spLocks noGrp="1"/>
+          </p:cNvSpPr>
+          <p:nvPr>
+            <p:ph type="ftr" sz="quarter" idx="11"/>
+          </p:nvPr>
+        </p:nvSpPr>
+        <p:spPr/>
+        <p:txBody>
+          <a:bodyPr/>
+          <a:lstStyle/>
+          <a:p>
+            <a:r>
+              <a:rPr lang="fr-CH"/>
+              <a:t>ETML - P_Appro1 2023</a:t>
+            </a:r>
+            <a:endParaRPr lang="fr-CH" dirty="0"/>
+          </a:p>
+        </p:txBody>
+      </p:sp>
+    </p:spTree>
+    <p:extLst>
+      <p:ext uri="{BB962C8B-B14F-4D97-AF65-F5344CB8AC3E}">
+        <p14:creationId xmlns:p14="http://schemas.microsoft.com/office/powerpoint/2010/main" val="2106890894"/>
+      </p:ext>
+    </p:extLst>
+  </p:cSld>
+  <p:clrMapOvr>
+    <a:masterClrMapping/>
+  </p:clrMapOvr>
+</p:sld>
+</file>
+
+<file path=ppt/slides/slide3.xml><?xml version="1.0" encoding="utf-8"?>
+<p:sld xmlns:a="http://schemas.openxmlformats.org/drawingml/2006/main" xmlns:r="http://schemas.openxmlformats.org/officeDocument/2006/relationships" xmlns:p="http://schemas.openxmlformats.org/presentationml/2006/main">
+  <p:cSld>
+    <p:spTree>
+      <p:nvGrpSpPr>
+        <p:cNvPr id="1" name=""/>
+        <p:cNvGrpSpPr/>
+        <p:nvPr/>
+      </p:nvGrpSpPr>
+      <p:grpSpPr>
+        <a:xfrm>
+          <a:off x="0" y="0"/>
+          <a:ext cx="0" cy="0"/>
+          <a:chOff x="0" y="0"/>
+          <a:chExt cx="0" cy="0"/>
+        </a:xfrm>
+      </p:grpSpPr>
+      <p:sp>
+        <p:nvSpPr>
+          <p:cNvPr id="3" name="Espace réservé du contenu 2">
+            <a:extLst>
+              <a:ext uri="{FF2B5EF4-FFF2-40B4-BE49-F238E27FC236}">
+                <a16:creationId xmlns:a16="http://schemas.microsoft.com/office/drawing/2014/main" id="{D4B1096E-49F6-43B9-A15E-073F371B52BD}"/>
+              </a:ext>
+            </a:extLst>
+          </p:cNvPr>
+          <p:cNvSpPr>
+            <a:spLocks noGrp="1"/>
+          </p:cNvSpPr>
+          <p:nvPr>
+            <p:ph idx="1"/>
+          </p:nvPr>
+        </p:nvSpPr>
+        <p:spPr>
+          <a:xfrm>
+            <a:off x="1484310" y="1501629"/>
+            <a:ext cx="10018713" cy="4289572"/>
+          </a:xfrm>
+        </p:spPr>
+        <p:txBody>
+          <a:bodyPr>
+            <a:normAutofit/>
+          </a:bodyPr>
+          <a:lstStyle/>
+          <a:p>
+            <a:pPr>
+              <a:buSzPct val="100000"/>
+              <a:buFont typeface="Wingdings" panose="05000000000000000000" pitchFamily="2" charset="2"/>
+              <a:buChar char="v"/>
+            </a:pPr>
+            <a:r>
+              <a:rPr lang="fr-CH" sz="2800" dirty="0"/>
+              <a:t>Automatisation de la gestion des auto évaluations</a:t>
+            </a:r>
+          </a:p>
+          <a:p>
+            <a:pPr>
+              <a:buSzPct val="100000"/>
+              <a:buFont typeface="Wingdings" panose="05000000000000000000" pitchFamily="2" charset="2"/>
+              <a:buChar char="v"/>
+            </a:pPr>
+            <a:r>
+              <a:rPr lang="fr-CH" sz="2800" dirty="0"/>
+              <a:t>Pourquoi PowerShell ?</a:t>
+            </a:r>
+          </a:p>
+          <a:p>
+            <a:pPr>
+              <a:buSzPct val="100000"/>
+              <a:buFont typeface="Wingdings" panose="05000000000000000000" pitchFamily="2" charset="2"/>
+              <a:buChar char="v"/>
+            </a:pPr>
+            <a:endParaRPr lang="fr-CH" sz="2800" dirty="0"/>
+          </a:p>
+          <a:p>
+            <a:pPr>
+              <a:buSzPct val="100000"/>
+              <a:buFont typeface="Wingdings" panose="05000000000000000000" pitchFamily="2" charset="2"/>
+              <a:buChar char="v"/>
+            </a:pPr>
+            <a:endParaRPr lang="fr-CH" sz="2800" dirty="0"/>
+          </a:p>
+          <a:p>
+            <a:pPr>
+              <a:buSzPct val="100000"/>
+              <a:buFont typeface="Wingdings" panose="05000000000000000000" pitchFamily="2" charset="2"/>
+              <a:buChar char="v"/>
+            </a:pPr>
+            <a:endParaRPr lang="fr-CH" sz="2800" dirty="0"/>
+          </a:p>
+        </p:txBody>
+      </p:sp>
+      <p:sp>
+        <p:nvSpPr>
+          <p:cNvPr id="4" name="Espace réservé du pied de page 3">
+            <a:extLst>
+              <a:ext uri="{FF2B5EF4-FFF2-40B4-BE49-F238E27FC236}">
+                <a16:creationId xmlns:a16="http://schemas.microsoft.com/office/drawing/2014/main" id="{6885CD8E-41C2-464B-934B-EE61BCB946BE}"/>
+              </a:ext>
+            </a:extLst>
+          </p:cNvPr>
+          <p:cNvSpPr>
+            <a:spLocks noGrp="1"/>
+          </p:cNvSpPr>
+          <p:nvPr>
+            <p:ph type="ftr" sz="quarter" idx="11"/>
+          </p:nvPr>
+        </p:nvSpPr>
+        <p:spPr/>
+        <p:txBody>
+          <a:bodyPr/>
+          <a:lstStyle/>
+          <a:p>
+            <a:pPr rtl="0"/>
+            <a:r>
+              <a:rPr lang="fr-FR" noProof="0"/>
+              <a:t>ETML - P_Appro1 2023</a:t>
+            </a:r>
+          </a:p>
+        </p:txBody>
+      </p:sp>
+      <p:pic>
+        <p:nvPicPr>
+          <p:cNvPr id="5" name="Image 4">
+            <a:extLst>
+              <a:ext uri="{FF2B5EF4-FFF2-40B4-BE49-F238E27FC236}">
+                <a16:creationId xmlns:a16="http://schemas.microsoft.com/office/drawing/2014/main" id="{378430D9-2956-450F-A62A-9F94E540120E}"/>
+              </a:ext>
+            </a:extLst>
+          </p:cNvPr>
+          <p:cNvPicPr>
+            <a:picLocks noChangeAspect="1"/>
+          </p:cNvPicPr>
+          <p:nvPr/>
+        </p:nvPicPr>
+        <p:blipFill>
+          <a:blip r:embed="rId2"/>
+          <a:stretch>
+            <a:fillRect/>
+          </a:stretch>
+        </p:blipFill>
+        <p:spPr>
+          <a:xfrm>
+            <a:off x="6522098" y="3237322"/>
+            <a:ext cx="3709860" cy="2645953"/>
+          </a:xfrm>
+          <a:prstGeom prst="rect">
+            <a:avLst/>
+          </a:prstGeom>
+          <a:ln>
+            <a:noFill/>
+          </a:ln>
+          <a:effectLst>
+            <a:outerShdw blurRad="190500" algn="tl" rotWithShape="0">
+              <a:srgbClr val="000000">
+                <a:alpha val="70000"/>
+              </a:srgbClr>
+            </a:outerShdw>
+          </a:effectLst>
+        </p:spPr>
+      </p:pic>
+      <p:sp>
+        <p:nvSpPr>
+          <p:cNvPr id="8" name="Titre 1">
+            <a:extLst>
+              <a:ext uri="{FF2B5EF4-FFF2-40B4-BE49-F238E27FC236}">
+                <a16:creationId xmlns:a16="http://schemas.microsoft.com/office/drawing/2014/main" id="{7B527E12-7C1E-4D83-B975-2004A619CAC9}"/>
+              </a:ext>
+            </a:extLst>
+          </p:cNvPr>
+          <p:cNvSpPr>
+            <a:spLocks noGrp="1"/>
+          </p:cNvSpPr>
+          <p:nvPr>
+            <p:ph type="title"/>
+          </p:nvPr>
+        </p:nvSpPr>
+        <p:spPr>
+          <a:xfrm>
+            <a:off x="1752760" y="62218"/>
+            <a:ext cx="10439240" cy="547382"/>
+          </a:xfrm>
+          <a:noFill/>
+        </p:spPr>
+        <p:txBody>
+          <a:bodyPr>
+            <a:normAutofit fontScale="90000"/>
+          </a:bodyPr>
+          <a:lstStyle/>
+          <a:p>
+            <a:pPr algn="l"/>
+            <a:r>
+              <a:rPr lang="fr-CH" sz="3200" dirty="0">
+                <a:solidFill>
+                  <a:schemeClr val="accent1">
+                    <a:lumMod val="75000"/>
+                  </a:schemeClr>
+                </a:solidFill>
+              </a:rPr>
+              <a:t>Introduction</a:t>
+            </a:r>
+            <a:r>
+              <a:rPr lang="fr-CH" sz="1200" dirty="0">
+                <a:solidFill>
+                  <a:srgbClr val="595959"/>
+                </a:solidFill>
+              </a:rPr>
+              <a:t> - Fonctionnalités demandées - Planification et journal de travail - Réalisation - Problèmes rencontrés - Conclusion</a:t>
+            </a:r>
+          </a:p>
+        </p:txBody>
+      </p:sp>
+    </p:spTree>
+    <p:extLst>
+      <p:ext uri="{BB962C8B-B14F-4D97-AF65-F5344CB8AC3E}">
+        <p14:creationId xmlns:p14="http://schemas.microsoft.com/office/powerpoint/2010/main" val="3256377739"/>
+      </p:ext>
+    </p:extLst>
+  </p:cSld>
+  <p:clrMapOvr>
+    <a:masterClrMapping/>
+  </p:clrMapOvr>
+</p:sld>
+</file>
+
+<file path=ppt/slides/slide4.xml><?xml version="1.0" encoding="utf-8"?>
+<p:sld xmlns:a="http://schemas.openxmlformats.org/drawingml/2006/main" xmlns:r="http://schemas.openxmlformats.org/officeDocument/2006/relationships" xmlns:p="http://schemas.openxmlformats.org/presentationml/2006/main">
+  <p:cSld>
+    <p:spTree>
+      <p:nvGrpSpPr>
+        <p:cNvPr id="1" name=""/>
+        <p:cNvGrpSpPr/>
+        <p:nvPr/>
+      </p:nvGrpSpPr>
+      <p:grpSpPr>
+        <a:xfrm>
+          <a:off x="0" y="0"/>
+          <a:ext cx="0" cy="0"/>
+          <a:chOff x="0" y="0"/>
+          <a:chExt cx="0" cy="0"/>
+        </a:xfrm>
+      </p:grpSpPr>
+      <p:sp>
+        <p:nvSpPr>
+          <p:cNvPr id="4" name="Espace réservé du pied de page 3">
+            <a:extLst>
+              <a:ext uri="{FF2B5EF4-FFF2-40B4-BE49-F238E27FC236}">
+                <a16:creationId xmlns:a16="http://schemas.microsoft.com/office/drawing/2014/main" id="{6885CD8E-41C2-464B-934B-EE61BCB946BE}"/>
+              </a:ext>
+            </a:extLst>
+          </p:cNvPr>
+          <p:cNvSpPr>
+            <a:spLocks noGrp="1"/>
+          </p:cNvSpPr>
+          <p:nvPr>
+            <p:ph type="ftr" sz="quarter" idx="11"/>
+          </p:nvPr>
+        </p:nvSpPr>
+        <p:spPr>
+          <a:xfrm>
+            <a:off x="10612157" y="6430657"/>
+            <a:ext cx="1579843" cy="365125"/>
+          </a:xfrm>
+        </p:spPr>
+        <p:txBody>
+          <a:bodyPr/>
+          <a:lstStyle/>
+          <a:p>
+            <a:pPr rtl="0"/>
+            <a:r>
+              <a:rPr lang="fr-FR" noProof="0" dirty="0"/>
+              <a:t>ETML - P_Appro1 2023</a:t>
+            </a:r>
+          </a:p>
+        </p:txBody>
+      </p:sp>
+      <p:graphicFrame>
+        <p:nvGraphicFramePr>
+          <p:cNvPr id="14" name="Graphique 13">
+            <a:extLst>
+              <a:ext uri="{FF2B5EF4-FFF2-40B4-BE49-F238E27FC236}">
+                <a16:creationId xmlns:a16="http://schemas.microsoft.com/office/drawing/2014/main" id="{67C0D6A7-904B-44E7-971F-A1793D2AF30F}"/>
+              </a:ext>
+            </a:extLst>
+          </p:cNvPr>
+          <p:cNvGraphicFramePr>
+            <a:graphicFrameLocks/>
+          </p:cNvGraphicFramePr>
+          <p:nvPr>
+            <p:extLst>
+              <p:ext uri="{D42A27DB-BD31-4B8C-83A1-F6EECF244321}">
+                <p14:modId xmlns:p14="http://schemas.microsoft.com/office/powerpoint/2010/main" val="3686603149"/>
+              </p:ext>
+            </p:extLst>
+          </p:nvPr>
+        </p:nvGraphicFramePr>
+        <p:xfrm>
+          <a:off x="1752760" y="1066800"/>
+          <a:ext cx="6114890" cy="5049742"/>
+        </p:xfrm>
+        <a:graphic>
+          <a:graphicData uri="http://schemas.openxmlformats.org/drawingml/2006/chart">
+            <c:chart xmlns:c="http://schemas.openxmlformats.org/drawingml/2006/chart" xmlns:r="http://schemas.openxmlformats.org/officeDocument/2006/relationships" r:id="rId2"/>
+          </a:graphicData>
+        </a:graphic>
+      </p:graphicFrame>
+      <p:sp>
+        <p:nvSpPr>
+          <p:cNvPr id="7" name="Titre 1">
+            <a:extLst>
+              <a:ext uri="{FF2B5EF4-FFF2-40B4-BE49-F238E27FC236}">
+                <a16:creationId xmlns:a16="http://schemas.microsoft.com/office/drawing/2014/main" id="{0C5BFC62-D034-4B09-B1C6-C877E64FEAE9}"/>
+              </a:ext>
+            </a:extLst>
+          </p:cNvPr>
+          <p:cNvSpPr>
+            <a:spLocks noGrp="1"/>
+          </p:cNvSpPr>
+          <p:nvPr>
+            <p:ph type="title"/>
+          </p:nvPr>
+        </p:nvSpPr>
+        <p:spPr>
+          <a:xfrm>
+            <a:off x="1752760" y="62218"/>
+            <a:ext cx="10439240" cy="547382"/>
+          </a:xfrm>
+          <a:noFill/>
+        </p:spPr>
+        <p:txBody>
+          <a:bodyPr>
+            <a:normAutofit fontScale="90000"/>
+          </a:bodyPr>
+          <a:lstStyle/>
+          <a:p>
+            <a:pPr algn="l"/>
+            <a:r>
+              <a:rPr lang="fr-CH" sz="1200" dirty="0">
+                <a:solidFill>
+                  <a:srgbClr val="595959"/>
+                </a:solidFill>
+              </a:rPr>
+              <a:t>Introduction - </a:t>
+            </a:r>
+            <a:r>
+              <a:rPr lang="fr-CH" sz="3200" dirty="0">
+                <a:solidFill>
+                  <a:schemeClr val="accent1">
+                    <a:lumMod val="75000"/>
+                  </a:schemeClr>
+                </a:solidFill>
+              </a:rPr>
+              <a:t>Fonctionnalités demandées</a:t>
+            </a:r>
+            <a:r>
+              <a:rPr lang="fr-CH" sz="1200" dirty="0">
+                <a:solidFill>
+                  <a:srgbClr val="595959"/>
+                </a:solidFill>
+              </a:rPr>
+              <a:t> - Planification et journal de travail - Réalisation - Problèmes rencontrés - Conclusion</a:t>
+            </a:r>
+          </a:p>
+        </p:txBody>
+      </p:sp>
+      <p:sp>
+        <p:nvSpPr>
+          <p:cNvPr id="6" name="ZoneTexte 5">
+            <a:extLst>
+              <a:ext uri="{FF2B5EF4-FFF2-40B4-BE49-F238E27FC236}">
+                <a16:creationId xmlns:a16="http://schemas.microsoft.com/office/drawing/2014/main" id="{EBEE1414-2BB8-48E2-A57F-CAFEE4EB79BB}"/>
+              </a:ext>
+            </a:extLst>
+          </p:cNvPr>
+          <p:cNvSpPr txBox="1"/>
+          <p:nvPr/>
+        </p:nvSpPr>
+        <p:spPr>
+          <a:xfrm>
+            <a:off x="8286841" y="2783419"/>
+            <a:ext cx="2944536" cy="923330"/>
+          </a:xfrm>
+          <a:prstGeom prst="rect">
+            <a:avLst/>
+          </a:prstGeom>
+          <a:noFill/>
+        </p:spPr>
+        <p:txBody>
+          <a:bodyPr wrap="square" rtlCol="0">
+            <a:spAutoFit/>
+          </a:bodyPr>
+          <a:lstStyle/>
+          <a:p>
+            <a:r>
+              <a:rPr lang="fr-CH" dirty="0"/>
+              <a:t>8 Semaines de projet</a:t>
+            </a:r>
+          </a:p>
+          <a:p>
+            <a:r>
+              <a:rPr lang="fr-CH" dirty="0"/>
+              <a:t>23.01.2023 ➜ 17.03.2023  </a:t>
+            </a:r>
+          </a:p>
+          <a:p>
+            <a:r>
+              <a:rPr lang="fr-CH" dirty="0"/>
+              <a:t>157.5h de travail</a:t>
+            </a:r>
+          </a:p>
+        </p:txBody>
+      </p:sp>
+    </p:spTree>
+    <p:extLst>
+      <p:ext uri="{BB962C8B-B14F-4D97-AF65-F5344CB8AC3E}">
+        <p14:creationId xmlns:p14="http://schemas.microsoft.com/office/powerpoint/2010/main" val="3112123407"/>
+      </p:ext>
+    </p:extLst>
+  </p:cSld>
+  <p:clrMapOvr>
+    <a:masterClrMapping/>
+  </p:clrMapOvr>
+</p:sld>
+</file>
+
+<file path=ppt/slides/slide5.xml><?xml version="1.0" encoding="utf-8"?>
+<p:sld xmlns:a="http://schemas.openxmlformats.org/drawingml/2006/main" xmlns:r="http://schemas.openxmlformats.org/officeDocument/2006/relationships" xmlns:p="http://schemas.openxmlformats.org/presentationml/2006/main">
+  <p:cSld>
+    <p:spTree>
+      <p:nvGrpSpPr>
+        <p:cNvPr id="1" name=""/>
+        <p:cNvGrpSpPr/>
+        <p:nvPr/>
+      </p:nvGrpSpPr>
+      <p:grpSpPr>
+        <a:xfrm>
+          <a:off x="0" y="0"/>
+          <a:ext cx="0" cy="0"/>
+          <a:chOff x="0" y="0"/>
+          <a:chExt cx="0" cy="0"/>
+        </a:xfrm>
+      </p:grpSpPr>
+      <p:sp>
+        <p:nvSpPr>
+          <p:cNvPr id="4" name="Espace réservé du pied de page 3">
+            <a:extLst>
+              <a:ext uri="{FF2B5EF4-FFF2-40B4-BE49-F238E27FC236}">
+                <a16:creationId xmlns:a16="http://schemas.microsoft.com/office/drawing/2014/main" id="{6885CD8E-41C2-464B-934B-EE61BCB946BE}"/>
+              </a:ext>
+            </a:extLst>
+          </p:cNvPr>
+          <p:cNvSpPr>
+            <a:spLocks noGrp="1"/>
+          </p:cNvSpPr>
+          <p:nvPr>
+            <p:ph type="ftr" sz="quarter" idx="11"/>
+          </p:nvPr>
+        </p:nvSpPr>
+        <p:spPr/>
+        <p:txBody>
+          <a:bodyPr/>
+          <a:lstStyle/>
+          <a:p>
+            <a:pPr rtl="0"/>
+            <a:r>
+              <a:rPr lang="fr-FR" noProof="0"/>
+              <a:t>ETML - P_Appro1 2023</a:t>
+            </a:r>
+          </a:p>
+        </p:txBody>
+      </p:sp>
+      <p:graphicFrame>
+        <p:nvGraphicFramePr>
+          <p:cNvPr id="10" name="Graphique 9">
+            <a:extLst>
+              <a:ext uri="{FF2B5EF4-FFF2-40B4-BE49-F238E27FC236}">
+                <a16:creationId xmlns:a16="http://schemas.microsoft.com/office/drawing/2014/main" id="{33B3B761-BE99-4B8F-9EDF-D4E603BAEECF}"/>
+              </a:ext>
+            </a:extLst>
+          </p:cNvPr>
+          <p:cNvGraphicFramePr>
+            <a:graphicFrameLocks/>
+          </p:cNvGraphicFramePr>
+          <p:nvPr>
+            <p:extLst>
+              <p:ext uri="{D42A27DB-BD31-4B8C-83A1-F6EECF244321}">
+                <p14:modId xmlns:p14="http://schemas.microsoft.com/office/powerpoint/2010/main" val="763240194"/>
+              </p:ext>
+            </p:extLst>
+          </p:nvPr>
+        </p:nvGraphicFramePr>
+        <p:xfrm>
+          <a:off x="1385895" y="1076312"/>
+          <a:ext cx="9321793" cy="4806963"/>
+        </p:xfrm>
+        <a:graphic>
+          <a:graphicData uri="http://schemas.openxmlformats.org/drawingml/2006/chart">
+            <c:chart xmlns:c="http://schemas.openxmlformats.org/drawingml/2006/chart" xmlns:r="http://schemas.openxmlformats.org/officeDocument/2006/relationships" r:id="rId2"/>
+          </a:graphicData>
+        </a:graphic>
+      </p:graphicFrame>
+      <p:sp>
+        <p:nvSpPr>
+          <p:cNvPr id="12" name="Organigramme : Connecteur 11">
+            <a:extLst>
+              <a:ext uri="{FF2B5EF4-FFF2-40B4-BE49-F238E27FC236}">
+                <a16:creationId xmlns:a16="http://schemas.microsoft.com/office/drawing/2014/main" id="{49CE67B0-BB58-4BE4-A99B-9CB7D8ABB184}"/>
+              </a:ext>
+            </a:extLst>
+          </p:cNvPr>
+          <p:cNvSpPr/>
+          <p:nvPr/>
+        </p:nvSpPr>
+        <p:spPr>
+          <a:xfrm>
+            <a:off x="4226168" y="6089120"/>
+            <a:ext cx="382555" cy="365126"/>
+          </a:xfrm>
+          <a:prstGeom prst="flowChartConnector">
+            <a:avLst/>
+          </a:prstGeom>
+          <a:solidFill>
+            <a:srgbClr val="30ACEC"/>
+          </a:solidFill>
+        </p:spPr>
+        <p:style>
+          <a:lnRef idx="2">
+            <a:schemeClr val="accent1">
+              <a:shade val="50000"/>
+            </a:schemeClr>
+          </a:lnRef>
+          <a:fillRef idx="1">
+            <a:schemeClr val="accent1"/>
+          </a:fillRef>
+          <a:effectRef idx="0">
+            <a:schemeClr val="accent1"/>
+          </a:effectRef>
+          <a:fontRef idx="minor">
+            <a:schemeClr val="lt1"/>
+          </a:fontRef>
+        </p:style>
+        <p:txBody>
+          <a:bodyPr rtlCol="0" anchor="ctr"/>
+          <a:lstStyle/>
+          <a:p>
+            <a:pPr algn="ctr"/>
+            <a:endParaRPr lang="fr-CH"/>
+          </a:p>
+        </p:txBody>
+      </p:sp>
+      <p:sp>
+        <p:nvSpPr>
+          <p:cNvPr id="13" name="Organigramme : Connecteur 12">
+            <a:extLst>
+              <a:ext uri="{FF2B5EF4-FFF2-40B4-BE49-F238E27FC236}">
+                <a16:creationId xmlns:a16="http://schemas.microsoft.com/office/drawing/2014/main" id="{2E078ABC-1DAB-4B84-87EE-9EA5B10885A8}"/>
+              </a:ext>
+            </a:extLst>
+          </p:cNvPr>
+          <p:cNvSpPr/>
+          <p:nvPr/>
+        </p:nvSpPr>
+        <p:spPr>
+          <a:xfrm>
+            <a:off x="7529759" y="6089120"/>
+            <a:ext cx="382555" cy="365126"/>
+          </a:xfrm>
+          <a:prstGeom prst="flowChartConnector">
+            <a:avLst/>
+          </a:prstGeom>
+          <a:solidFill>
+            <a:srgbClr val="80C34F"/>
+          </a:solidFill>
+          <a:ln>
+            <a:solidFill>
+              <a:schemeClr val="accent2">
+                <a:lumMod val="75000"/>
+              </a:schemeClr>
+            </a:solidFill>
+          </a:ln>
+        </p:spPr>
+        <p:style>
+          <a:lnRef idx="2">
+            <a:schemeClr val="accent1">
+              <a:shade val="50000"/>
+            </a:schemeClr>
+          </a:lnRef>
+          <a:fillRef idx="1">
+            <a:schemeClr val="accent1"/>
+          </a:fillRef>
+          <a:effectRef idx="0">
+            <a:schemeClr val="accent1"/>
+          </a:effectRef>
+          <a:fontRef idx="minor">
+            <a:schemeClr val="lt1"/>
+          </a:fontRef>
+        </p:style>
+        <p:txBody>
+          <a:bodyPr rtlCol="0" anchor="ctr"/>
+          <a:lstStyle/>
+          <a:p>
+            <a:pPr algn="ctr"/>
+            <a:endParaRPr lang="fr-CH"/>
+          </a:p>
+        </p:txBody>
+      </p:sp>
+      <p:sp>
+        <p:nvSpPr>
+          <p:cNvPr id="14" name="ZoneTexte 13">
+            <a:extLst>
+              <a:ext uri="{FF2B5EF4-FFF2-40B4-BE49-F238E27FC236}">
+                <a16:creationId xmlns:a16="http://schemas.microsoft.com/office/drawing/2014/main" id="{F8AD311C-C369-4FB8-8C04-77BD06B23FA9}"/>
+              </a:ext>
+            </a:extLst>
+          </p:cNvPr>
+          <p:cNvSpPr txBox="1"/>
+          <p:nvPr/>
+        </p:nvSpPr>
+        <p:spPr>
+          <a:xfrm>
+            <a:off x="4683368" y="6089120"/>
+            <a:ext cx="905069" cy="369332"/>
+          </a:xfrm>
+          <a:prstGeom prst="rect">
+            <a:avLst/>
+          </a:prstGeom>
+          <a:noFill/>
+        </p:spPr>
+        <p:txBody>
+          <a:bodyPr wrap="square" rtlCol="0">
+            <a:spAutoFit/>
+          </a:bodyPr>
+          <a:lstStyle/>
+          <a:p>
+            <a:r>
+              <a:rPr lang="fr-CH" dirty="0"/>
+              <a:t>Planifié</a:t>
+            </a:r>
+          </a:p>
+        </p:txBody>
+      </p:sp>
+      <p:sp>
+        <p:nvSpPr>
+          <p:cNvPr id="15" name="ZoneTexte 14">
+            <a:extLst>
+              <a:ext uri="{FF2B5EF4-FFF2-40B4-BE49-F238E27FC236}">
+                <a16:creationId xmlns:a16="http://schemas.microsoft.com/office/drawing/2014/main" id="{95486A12-4216-44E0-A33F-7BAD377DD0C8}"/>
+              </a:ext>
+            </a:extLst>
+          </p:cNvPr>
+          <p:cNvSpPr txBox="1"/>
+          <p:nvPr/>
+        </p:nvSpPr>
+        <p:spPr>
+          <a:xfrm>
+            <a:off x="7995297" y="6089120"/>
+            <a:ext cx="905069" cy="369332"/>
+          </a:xfrm>
+          <a:prstGeom prst="rect">
+            <a:avLst/>
+          </a:prstGeom>
+          <a:noFill/>
+        </p:spPr>
+        <p:txBody>
+          <a:bodyPr wrap="square" rtlCol="0">
+            <a:spAutoFit/>
+          </a:bodyPr>
+          <a:lstStyle/>
+          <a:p>
+            <a:r>
+              <a:rPr lang="fr-CH" dirty="0"/>
+              <a:t>Réalisé</a:t>
+            </a:r>
+          </a:p>
+        </p:txBody>
+      </p:sp>
+      <p:sp>
+        <p:nvSpPr>
+          <p:cNvPr id="16" name="Titre 1">
+            <a:extLst>
+              <a:ext uri="{FF2B5EF4-FFF2-40B4-BE49-F238E27FC236}">
+                <a16:creationId xmlns:a16="http://schemas.microsoft.com/office/drawing/2014/main" id="{AF9B64A7-1A52-472B-A351-2C5DE2441F34}"/>
+              </a:ext>
+            </a:extLst>
+          </p:cNvPr>
+          <p:cNvSpPr txBox="1">
+            <a:spLocks/>
+          </p:cNvSpPr>
+          <p:nvPr/>
+        </p:nvSpPr>
+        <p:spPr>
+          <a:xfrm>
+            <a:off x="1752760" y="62218"/>
+            <a:ext cx="10439240" cy="547382"/>
+          </a:xfrm>
+          <a:prstGeom prst="rect">
+            <a:avLst/>
+          </a:prstGeom>
+          <a:noFill/>
+          <a:effectLst/>
+        </p:spPr>
+        <p:txBody>
+          <a:bodyPr vert="horz" lIns="91440" tIns="45720" rIns="91440" bIns="45720" rtlCol="0" anchor="ctr">
+            <a:normAutofit fontScale="82500" lnSpcReduction="10000"/>
+          </a:bodyPr>
+          <a:lstStyle>
+            <a:lvl1pPr algn="ctr" defTabSz="457200" rtl="0" eaLnBrk="1" latinLnBrk="0" hangingPunct="1">
+              <a:spcBef>
+                <a:spcPct val="0"/>
+              </a:spcBef>
+              <a:buNone/>
+              <a:defRPr sz="4000" kern="1200" cap="none">
+                <a:ln w="3175" cmpd="sng">
+                  <a:noFill/>
+                </a:ln>
+                <a:solidFill>
+                  <a:schemeClr val="tx1"/>
+                </a:solidFill>
+                <a:effectLst/>
+                <a:latin typeface="+mj-lt"/>
+                <a:ea typeface="+mj-ea"/>
+                <a:cs typeface="+mj-cs"/>
+              </a:defRPr>
+            </a:lvl1pPr>
+            <a:lvl2pPr eaLnBrk="1" hangingPunct="1">
+              <a:defRPr>
+                <a:solidFill>
+                  <a:schemeClr val="tx2"/>
+                </a:solidFill>
+              </a:defRPr>
+            </a:lvl2pPr>
+            <a:lvl3pPr eaLnBrk="1" hangingPunct="1">
+              <a:defRPr>
+                <a:solidFill>
+                  <a:schemeClr val="tx2"/>
+                </a:solidFill>
+              </a:defRPr>
+            </a:lvl3pPr>
+            <a:lvl4pPr eaLnBrk="1" hangingPunct="1">
+              <a:defRPr>
+                <a:solidFill>
+                  <a:schemeClr val="tx2"/>
+                </a:solidFill>
+              </a:defRPr>
+            </a:lvl4pPr>
+            <a:lvl5pPr eaLnBrk="1" hangingPunct="1">
+              <a:defRPr>
+                <a:solidFill>
+                  <a:schemeClr val="tx2"/>
+                </a:solidFill>
+              </a:defRPr>
+            </a:lvl5pPr>
+            <a:lvl6pPr eaLnBrk="1" hangingPunct="1">
+              <a:defRPr>
+                <a:solidFill>
+                  <a:schemeClr val="tx2"/>
+                </a:solidFill>
+              </a:defRPr>
+            </a:lvl6pPr>
+            <a:lvl7pPr eaLnBrk="1" hangingPunct="1">
+              <a:defRPr>
+                <a:solidFill>
+                  <a:schemeClr val="tx2"/>
+                </a:solidFill>
+              </a:defRPr>
+            </a:lvl7pPr>
+            <a:lvl8pPr eaLnBrk="1" hangingPunct="1">
+              <a:defRPr>
+                <a:solidFill>
+                  <a:schemeClr val="tx2"/>
+                </a:solidFill>
+              </a:defRPr>
+            </a:lvl8pPr>
+            <a:lvl9pPr eaLnBrk="1" hangingPunct="1">
+              <a:defRPr>
+                <a:solidFill>
+                  <a:schemeClr val="tx2"/>
+                </a:solidFill>
+              </a:defRPr>
+            </a:lvl9pPr>
+          </a:lstStyle>
+          <a:p>
+            <a:pPr algn="l"/>
+            <a:r>
+              <a:rPr lang="fr-CH" sz="1200" dirty="0">
+                <a:solidFill>
+                  <a:srgbClr val="595959"/>
+                </a:solidFill>
+              </a:rPr>
+              <a:t>Introduction - Fonctionnalités demandées - </a:t>
+            </a:r>
+            <a:r>
+              <a:rPr lang="fr-CH" sz="3200" dirty="0">
+                <a:solidFill>
+                  <a:schemeClr val="accent1">
+                    <a:lumMod val="75000"/>
+                  </a:schemeClr>
+                </a:solidFill>
+              </a:rPr>
+              <a:t>Planification et journal de travail</a:t>
+            </a:r>
+            <a:r>
+              <a:rPr lang="fr-CH" sz="1200" dirty="0">
+                <a:solidFill>
+                  <a:srgbClr val="595959"/>
+                </a:solidFill>
+              </a:rPr>
+              <a:t> - Réalisation - Problèmes rencontrés - Conclusion</a:t>
+            </a:r>
+          </a:p>
+        </p:txBody>
+      </p:sp>
+    </p:spTree>
+    <p:extLst>
+      <p:ext uri="{BB962C8B-B14F-4D97-AF65-F5344CB8AC3E}">
+        <p14:creationId xmlns:p14="http://schemas.microsoft.com/office/powerpoint/2010/main" val="1427422208"/>
+      </p:ext>
+    </p:extLst>
+  </p:cSld>
+  <p:clrMapOvr>
+    <a:masterClrMapping/>
+  </p:clrMapOvr>
+</p:sld>
+</file>
+
+<file path=ppt/slides/slide6.xml><?xml version="1.0" encoding="utf-8"?>
+<p:sld xmlns:a="http://schemas.openxmlformats.org/drawingml/2006/main" xmlns:r="http://schemas.openxmlformats.org/officeDocument/2006/relationships" xmlns:p="http://schemas.openxmlformats.org/presentationml/2006/main">
+  <p:cSld>
+    <p:spTree>
+      <p:nvGrpSpPr>
+        <p:cNvPr id="1" name=""/>
+        <p:cNvGrpSpPr/>
+        <p:nvPr/>
+      </p:nvGrpSpPr>
+      <p:grpSpPr>
+        <a:xfrm>
+          <a:off x="0" y="0"/>
+          <a:ext cx="0" cy="0"/>
+          <a:chOff x="0" y="0"/>
+          <a:chExt cx="0" cy="0"/>
+        </a:xfrm>
+      </p:grpSpPr>
+      <p:pic>
+        <p:nvPicPr>
+          <p:cNvPr id="16" name="Image 15">
+            <a:extLst>
+              <a:ext uri="{FF2B5EF4-FFF2-40B4-BE49-F238E27FC236}">
+                <a16:creationId xmlns:a16="http://schemas.microsoft.com/office/drawing/2014/main" id="{4506F6A6-71B3-43F7-9C79-7496F2C7D24C}"/>
+              </a:ext>
+            </a:extLst>
+          </p:cNvPr>
+          <p:cNvPicPr>
+            <a:picLocks noChangeAspect="1"/>
+          </p:cNvPicPr>
+          <p:nvPr/>
+        </p:nvPicPr>
+        <p:blipFill>
+          <a:blip r:embed="rId2"/>
+          <a:stretch>
+            <a:fillRect/>
+          </a:stretch>
+        </p:blipFill>
+        <p:spPr>
+          <a:xfrm>
+            <a:off x="1686085" y="789210"/>
+            <a:ext cx="9203568" cy="4914455"/>
+          </a:xfrm>
+          <a:prstGeom prst="rect">
+            <a:avLst/>
+          </a:prstGeom>
+        </p:spPr>
+      </p:pic>
+      <p:sp>
+        <p:nvSpPr>
+          <p:cNvPr id="4" name="Espace réservé du pied de page 3">
+            <a:extLst>
+              <a:ext uri="{FF2B5EF4-FFF2-40B4-BE49-F238E27FC236}">
+                <a16:creationId xmlns:a16="http://schemas.microsoft.com/office/drawing/2014/main" id="{6885CD8E-41C2-464B-934B-EE61BCB946BE}"/>
+              </a:ext>
+            </a:extLst>
+          </p:cNvPr>
+          <p:cNvSpPr>
+            <a:spLocks noGrp="1"/>
+          </p:cNvSpPr>
+          <p:nvPr>
+            <p:ph type="ftr" sz="quarter" idx="11"/>
+          </p:nvPr>
+        </p:nvSpPr>
+        <p:spPr/>
+        <p:txBody>
+          <a:bodyPr/>
+          <a:lstStyle/>
+          <a:p>
+            <a:pPr rtl="0"/>
+            <a:r>
+              <a:rPr lang="fr-FR" noProof="0"/>
+              <a:t>ETML - P_Appro1 2023</a:t>
+            </a:r>
+          </a:p>
+        </p:txBody>
+      </p:sp>
+      <p:sp>
+        <p:nvSpPr>
+          <p:cNvPr id="10" name="Titre 1">
+            <a:extLst>
+              <a:ext uri="{FF2B5EF4-FFF2-40B4-BE49-F238E27FC236}">
+                <a16:creationId xmlns:a16="http://schemas.microsoft.com/office/drawing/2014/main" id="{389AA672-3F4D-4BEB-AB0A-5C824B1EA710}"/>
+              </a:ext>
+            </a:extLst>
+          </p:cNvPr>
+          <p:cNvSpPr>
+            <a:spLocks noGrp="1"/>
+          </p:cNvSpPr>
+          <p:nvPr>
+            <p:ph type="title"/>
+          </p:nvPr>
+        </p:nvSpPr>
+        <p:spPr>
+          <a:xfrm>
+            <a:off x="1752760" y="62218"/>
+            <a:ext cx="10439240" cy="547382"/>
+          </a:xfrm>
+          <a:noFill/>
+        </p:spPr>
+        <p:txBody>
+          <a:bodyPr>
+            <a:normAutofit fontScale="90000"/>
+          </a:bodyPr>
+          <a:lstStyle/>
+          <a:p>
+            <a:pPr algn="l"/>
+            <a:r>
+              <a:rPr lang="fr-CH" sz="1200" dirty="0">
+                <a:solidFill>
+                  <a:srgbClr val="595959"/>
+                </a:solidFill>
+              </a:rPr>
+              <a:t>Introduction - Fonctionnalités demandées - Planification et journal de travail - </a:t>
+            </a:r>
+            <a:r>
+              <a:rPr lang="fr-CH" sz="3200" dirty="0">
+                <a:solidFill>
+                  <a:schemeClr val="accent1">
+                    <a:lumMod val="75000"/>
+                  </a:schemeClr>
+                </a:solidFill>
+              </a:rPr>
+              <a:t>Réalisation</a:t>
+            </a:r>
+            <a:r>
+              <a:rPr lang="fr-CH" sz="1200" dirty="0">
+                <a:solidFill>
+                  <a:srgbClr val="595959"/>
+                </a:solidFill>
+              </a:rPr>
+              <a:t> - Problèmes rencontrés - Conclusion</a:t>
+            </a:r>
+          </a:p>
+        </p:txBody>
+      </p:sp>
+      <p:pic>
+        <p:nvPicPr>
+          <p:cNvPr id="14" name="Graphique 13" descr="Tête avec engrenages">
+            <a:extLst>
+              <a:ext uri="{FF2B5EF4-FFF2-40B4-BE49-F238E27FC236}">
+                <a16:creationId xmlns:a16="http://schemas.microsoft.com/office/drawing/2014/main" id="{68074228-20FD-496A-9E35-BE84F9099246}"/>
+              </a:ext>
+            </a:extLst>
+          </p:cNvPr>
+          <p:cNvPicPr>
+            <a:picLocks noChangeAspect="1"/>
+          </p:cNvPicPr>
+          <p:nvPr/>
+        </p:nvPicPr>
+        <p:blipFill>
+          <a:blip r:embed="rId3">
+            <a:extLst>
+              <a:ext uri="{96DAC541-7B7A-43D3-8B79-37D633B846F1}">
+                <asvg:svgBlip xmlns:asvg="http://schemas.microsoft.com/office/drawing/2016/SVG/main" r:embed="rId4"/>
+              </a:ext>
+            </a:extLst>
+          </a:blip>
+          <a:stretch>
+            <a:fillRect/>
+          </a:stretch>
+        </p:blipFill>
+        <p:spPr>
+          <a:xfrm>
+            <a:off x="6201951" y="1283827"/>
+            <a:ext cx="1239615" cy="1239615"/>
+          </a:xfrm>
+          <a:prstGeom prst="rect">
+            <a:avLst/>
+          </a:prstGeom>
+        </p:spPr>
+      </p:pic>
+      <p:sp>
+        <p:nvSpPr>
+          <p:cNvPr id="17" name="ZoneTexte 16">
+            <a:extLst>
+              <a:ext uri="{FF2B5EF4-FFF2-40B4-BE49-F238E27FC236}">
+                <a16:creationId xmlns:a16="http://schemas.microsoft.com/office/drawing/2014/main" id="{2ED8900B-E885-4371-A428-18A9096A5908}"/>
+              </a:ext>
+            </a:extLst>
+          </p:cNvPr>
+          <p:cNvSpPr txBox="1"/>
+          <p:nvPr/>
+        </p:nvSpPr>
+        <p:spPr>
+          <a:xfrm>
+            <a:off x="5650866" y="924703"/>
+            <a:ext cx="2562225" cy="369332"/>
+          </a:xfrm>
+          <a:prstGeom prst="rect">
+            <a:avLst/>
+          </a:prstGeom>
+          <a:noFill/>
+        </p:spPr>
+        <p:txBody>
+          <a:bodyPr wrap="square" rtlCol="0">
+            <a:spAutoFit/>
+          </a:bodyPr>
+          <a:lstStyle/>
+          <a:p>
+            <a:r>
+              <a:rPr lang="fr-CH" dirty="0"/>
+              <a:t>Schéma d’utilisation</a:t>
+            </a:r>
+          </a:p>
+        </p:txBody>
+      </p:sp>
+    </p:spTree>
+    <p:extLst>
+      <p:ext uri="{BB962C8B-B14F-4D97-AF65-F5344CB8AC3E}">
+        <p14:creationId xmlns:p14="http://schemas.microsoft.com/office/powerpoint/2010/main" val="3895218083"/>
+      </p:ext>
+    </p:extLst>
+  </p:cSld>
+  <p:clrMapOvr>
+    <a:masterClrMapping/>
+  </p:clrMapOvr>
+</p:sld>
+</file>
+
+<file path=ppt/slides/slide7.xml><?xml version="1.0" encoding="utf-8"?>
+<p:sld xmlns:a="http://schemas.openxmlformats.org/drawingml/2006/main" xmlns:r="http://schemas.openxmlformats.org/officeDocument/2006/relationships" xmlns:p="http://schemas.openxmlformats.org/presentationml/2006/main">
+  <p:cSld>
+    <p:spTree>
+      <p:nvGrpSpPr>
+        <p:cNvPr id="1" name=""/>
+        <p:cNvGrpSpPr/>
+        <p:nvPr/>
+      </p:nvGrpSpPr>
+      <p:grpSpPr>
+        <a:xfrm>
+          <a:off x="0" y="0"/>
+          <a:ext cx="0" cy="0"/>
+          <a:chOff x="0" y="0"/>
+          <a:chExt cx="0" cy="0"/>
+        </a:xfrm>
+      </p:grpSpPr>
+      <p:sp>
+        <p:nvSpPr>
+          <p:cNvPr id="3" name="Espace réservé du contenu 2">
+            <a:extLst>
+              <a:ext uri="{FF2B5EF4-FFF2-40B4-BE49-F238E27FC236}">
+                <a16:creationId xmlns:a16="http://schemas.microsoft.com/office/drawing/2014/main" id="{D4B1096E-49F6-43B9-A15E-073F371B52BD}"/>
+              </a:ext>
+            </a:extLst>
+          </p:cNvPr>
+          <p:cNvSpPr>
+            <a:spLocks noGrp="1"/>
+          </p:cNvSpPr>
+          <p:nvPr>
+            <p:ph idx="1"/>
+          </p:nvPr>
+        </p:nvSpPr>
+        <p:spPr>
+          <a:xfrm>
+            <a:off x="1484310" y="1501629"/>
+            <a:ext cx="10018713" cy="4289572"/>
+          </a:xfrm>
+        </p:spPr>
+        <p:txBody>
+          <a:bodyPr>
+            <a:normAutofit/>
+          </a:bodyPr>
+          <a:lstStyle/>
+          <a:p>
+            <a:pPr>
+              <a:buSzPct val="100000"/>
+              <a:buFont typeface="Wingdings" panose="05000000000000000000" pitchFamily="2" charset="2"/>
+              <a:buChar char="v"/>
+            </a:pPr>
+            <a:r>
+              <a:rPr lang="fr-CH" sz="2800" dirty="0"/>
+              <a:t>Encodage UTF-8 Bom</a:t>
+            </a:r>
+          </a:p>
+          <a:p>
+            <a:pPr>
+              <a:buSzPct val="100000"/>
+              <a:buFont typeface="Wingdings" panose="05000000000000000000" pitchFamily="2" charset="2"/>
+              <a:buChar char="v"/>
+            </a:pPr>
+            <a:r>
+              <a:rPr lang="fr-CH" sz="2800" dirty="0"/>
+              <a:t>Enregistrement Excel avec Macros</a:t>
+            </a:r>
+          </a:p>
+          <a:p>
+            <a:pPr>
+              <a:buSzPct val="100000"/>
+              <a:buFont typeface="Wingdings" panose="05000000000000000000" pitchFamily="2" charset="2"/>
+              <a:buChar char="v"/>
+            </a:pPr>
+            <a:endParaRPr lang="fr-CH" sz="2800" dirty="0"/>
+          </a:p>
+        </p:txBody>
+      </p:sp>
+      <p:sp>
+        <p:nvSpPr>
+          <p:cNvPr id="4" name="Espace réservé du pied de page 3">
+            <a:extLst>
+              <a:ext uri="{FF2B5EF4-FFF2-40B4-BE49-F238E27FC236}">
+                <a16:creationId xmlns:a16="http://schemas.microsoft.com/office/drawing/2014/main" id="{6885CD8E-41C2-464B-934B-EE61BCB946BE}"/>
+              </a:ext>
+            </a:extLst>
+          </p:cNvPr>
+          <p:cNvSpPr>
+            <a:spLocks noGrp="1"/>
+          </p:cNvSpPr>
+          <p:nvPr>
+            <p:ph type="ftr" sz="quarter" idx="11"/>
+          </p:nvPr>
+        </p:nvSpPr>
+        <p:spPr/>
+        <p:txBody>
+          <a:bodyPr/>
+          <a:lstStyle/>
+          <a:p>
+            <a:pPr rtl="0"/>
+            <a:r>
+              <a:rPr lang="fr-FR" noProof="0"/>
+              <a:t>ETML - P_Appro1 2023</a:t>
+            </a:r>
+          </a:p>
+        </p:txBody>
+      </p:sp>
+      <p:sp>
+        <p:nvSpPr>
+          <p:cNvPr id="11" name="Titre 1">
+            <a:extLst>
+              <a:ext uri="{FF2B5EF4-FFF2-40B4-BE49-F238E27FC236}">
+                <a16:creationId xmlns:a16="http://schemas.microsoft.com/office/drawing/2014/main" id="{F4BAC566-3A50-4D79-ABB8-E73C9AF9965E}"/>
+              </a:ext>
+            </a:extLst>
+          </p:cNvPr>
+          <p:cNvSpPr>
+            <a:spLocks noGrp="1"/>
+          </p:cNvSpPr>
+          <p:nvPr>
+            <p:ph type="title"/>
+          </p:nvPr>
+        </p:nvSpPr>
+        <p:spPr>
+          <a:xfrm>
+            <a:off x="1752760" y="62218"/>
+            <a:ext cx="10439240" cy="547382"/>
+          </a:xfrm>
+          <a:noFill/>
+        </p:spPr>
+        <p:txBody>
+          <a:bodyPr>
+            <a:normAutofit fontScale="90000"/>
+          </a:bodyPr>
+          <a:lstStyle/>
+          <a:p>
+            <a:pPr algn="l"/>
+            <a:r>
+              <a:rPr lang="fr-CH" sz="1200" dirty="0">
+                <a:solidFill>
+                  <a:srgbClr val="595959"/>
+                </a:solidFill>
+              </a:rPr>
+              <a:t>Introduction - Fonctionnalités demandées - Planification et journal de travail - Réalisation - </a:t>
+            </a:r>
+            <a:r>
+              <a:rPr lang="fr-CH" sz="3200" dirty="0">
+                <a:solidFill>
+                  <a:schemeClr val="accent1">
+                    <a:lumMod val="75000"/>
+                  </a:schemeClr>
+                </a:solidFill>
+              </a:rPr>
+              <a:t>Problèmes rencontrés</a:t>
+            </a:r>
+            <a:r>
+              <a:rPr lang="fr-CH" sz="1200" dirty="0">
+                <a:solidFill>
+                  <a:srgbClr val="595959"/>
+                </a:solidFill>
+              </a:rPr>
+              <a:t> - Conclusion</a:t>
+            </a:r>
+          </a:p>
+        </p:txBody>
+      </p:sp>
+    </p:spTree>
+    <p:extLst>
+      <p:ext uri="{BB962C8B-B14F-4D97-AF65-F5344CB8AC3E}">
+        <p14:creationId xmlns:p14="http://schemas.microsoft.com/office/powerpoint/2010/main" val="2607137014"/>
+      </p:ext>
+    </p:extLst>
+  </p:cSld>
+  <p:clrMapOvr>
+    <a:masterClrMapping/>
+  </p:clrMapOvr>
+</p:sld>
+</file>
+
+<file path=ppt/slides/slide8.xml><?xml version="1.0" encoding="utf-8"?>
+<p:sld xmlns:a="http://schemas.openxmlformats.org/drawingml/2006/main" xmlns:r="http://schemas.openxmlformats.org/officeDocument/2006/relationships" xmlns:p="http://schemas.openxmlformats.org/presentationml/2006/main">
+  <p:cSld>
+    <p:spTree>
+      <p:nvGrpSpPr>
+        <p:cNvPr id="1" name=""/>
+        <p:cNvGrpSpPr/>
+        <p:nvPr/>
+      </p:nvGrpSpPr>
+      <p:grpSpPr>
+        <a:xfrm>
+          <a:off x="0" y="0"/>
+          <a:ext cx="0" cy="0"/>
+          <a:chOff x="0" y="0"/>
+          <a:chExt cx="0" cy="0"/>
+        </a:xfrm>
+      </p:grpSpPr>
+      <p:sp>
+        <p:nvSpPr>
+          <p:cNvPr id="4" name="Espace réservé du pied de page 3">
+            <a:extLst>
+              <a:ext uri="{FF2B5EF4-FFF2-40B4-BE49-F238E27FC236}">
+                <a16:creationId xmlns:a16="http://schemas.microsoft.com/office/drawing/2014/main" id="{6885CD8E-41C2-464B-934B-EE61BCB946BE}"/>
+              </a:ext>
+            </a:extLst>
+          </p:cNvPr>
+          <p:cNvSpPr>
+            <a:spLocks noGrp="1"/>
+          </p:cNvSpPr>
+          <p:nvPr>
+            <p:ph type="ftr" sz="quarter" idx="11"/>
+          </p:nvPr>
+        </p:nvSpPr>
+        <p:spPr/>
+        <p:txBody>
+          <a:bodyPr/>
+          <a:lstStyle/>
+          <a:p>
+            <a:pPr rtl="0"/>
+            <a:r>
+              <a:rPr lang="fr-FR" noProof="0"/>
+              <a:t>ETML - P_Appro1 2023</a:t>
+            </a:r>
+          </a:p>
+        </p:txBody>
+      </p:sp>
+      <p:pic>
+        <p:nvPicPr>
+          <p:cNvPr id="9" name="Image 8">
+            <a:extLst>
+              <a:ext uri="{FF2B5EF4-FFF2-40B4-BE49-F238E27FC236}">
+                <a16:creationId xmlns:a16="http://schemas.microsoft.com/office/drawing/2014/main" id="{8CA0F07C-E695-41D3-9A31-386EFDBD4F79}"/>
+              </a:ext>
+            </a:extLst>
+          </p:cNvPr>
+          <p:cNvPicPr/>
+          <p:nvPr/>
+        </p:nvPicPr>
+        <p:blipFill>
+          <a:blip r:embed="rId2"/>
+          <a:stretch>
+            <a:fillRect/>
+          </a:stretch>
+        </p:blipFill>
+        <p:spPr>
+          <a:xfrm>
+            <a:off x="1767893" y="1998650"/>
+            <a:ext cx="4210050" cy="519430"/>
+          </a:xfrm>
+          <a:prstGeom prst="rect">
+            <a:avLst/>
+          </a:prstGeom>
+          <a:ln>
+            <a:noFill/>
+          </a:ln>
+          <a:effectLst>
+            <a:outerShdw blurRad="190500" algn="tl" rotWithShape="0">
+              <a:srgbClr val="000000">
+                <a:alpha val="70000"/>
+              </a:srgbClr>
+            </a:outerShdw>
+          </a:effectLst>
+        </p:spPr>
+      </p:pic>
+      <p:pic>
+        <p:nvPicPr>
+          <p:cNvPr id="10" name="Image 9">
+            <a:extLst>
+              <a:ext uri="{FF2B5EF4-FFF2-40B4-BE49-F238E27FC236}">
+                <a16:creationId xmlns:a16="http://schemas.microsoft.com/office/drawing/2014/main" id="{FD77AAE2-D816-4F2F-97CD-CA8952F3AAC0}"/>
+              </a:ext>
+            </a:extLst>
+          </p:cNvPr>
+          <p:cNvPicPr>
+            <a:picLocks noChangeAspect="1"/>
+          </p:cNvPicPr>
+          <p:nvPr/>
+        </p:nvPicPr>
+        <p:blipFill>
+          <a:blip r:embed="rId3"/>
+          <a:stretch>
+            <a:fillRect/>
+          </a:stretch>
+        </p:blipFill>
+        <p:spPr>
+          <a:xfrm>
+            <a:off x="5740296" y="3101498"/>
+            <a:ext cx="5677692" cy="2476846"/>
+          </a:xfrm>
+          <a:prstGeom prst="rect">
+            <a:avLst/>
+          </a:prstGeom>
+          <a:ln>
+            <a:noFill/>
+          </a:ln>
+          <a:effectLst>
+            <a:outerShdw blurRad="190500" algn="tl" rotWithShape="0">
+              <a:srgbClr val="000000">
+                <a:alpha val="70000"/>
+              </a:srgbClr>
+            </a:outerShdw>
+          </a:effectLst>
+        </p:spPr>
+      </p:pic>
+      <p:pic>
+        <p:nvPicPr>
+          <p:cNvPr id="4098" name="Picture 2" descr="UTF-8 Icons - Your no.1 source for UTF-8 character icons">
+            <a:extLst>
+              <a:ext uri="{FF2B5EF4-FFF2-40B4-BE49-F238E27FC236}">
+                <a16:creationId xmlns:a16="http://schemas.microsoft.com/office/drawing/2014/main" id="{287B697D-9267-478A-B133-1D9F98CC1051}"/>
+              </a:ext>
+            </a:extLst>
+          </p:cNvPr>
+          <p:cNvPicPr>
+            <a:picLocks noChangeAspect="1" noChangeArrowheads="1"/>
+          </p:cNvPicPr>
+          <p:nvPr/>
+        </p:nvPicPr>
+        <p:blipFill>
+          <a:blip r:embed="rId4">
+            <a:extLst>
+              <a:ext uri="{28A0092B-C50C-407E-A947-70E740481C1C}">
+                <a14:useLocalDpi xmlns:a14="http://schemas.microsoft.com/office/drawing/2010/main" val="0"/>
+              </a:ext>
+            </a:extLst>
+          </a:blip>
+          <a:srcRect/>
+          <a:stretch>
+            <a:fillRect/>
+          </a:stretch>
+        </p:blipFill>
+        <p:spPr bwMode="auto">
+          <a:xfrm>
+            <a:off x="2650382" y="3738703"/>
+            <a:ext cx="1762227" cy="991253"/>
+          </a:xfrm>
+          <a:prstGeom prst="rect">
+            <a:avLst/>
+          </a:prstGeom>
+          <a:ln>
+            <a:noFill/>
+          </a:ln>
+          <a:effectLst>
+            <a:outerShdw blurRad="190500" algn="tl" rotWithShape="0">
+              <a:srgbClr val="000000">
+                <a:alpha val="70000"/>
+              </a:srgbClr>
+            </a:outerShdw>
+          </a:effectLst>
+          <a:extLst>
+            <a:ext uri="{909E8E84-426E-40DD-AFC4-6F175D3DCCD1}">
+              <a14:hiddenFill xmlns:a14="http://schemas.microsoft.com/office/drawing/2010/main">
+                <a:solidFill>
+                  <a:srgbClr val="FFFFFF"/>
+                </a:solidFill>
+              </a14:hiddenFill>
+            </a:ext>
+          </a:extLst>
+        </p:spPr>
+      </p:pic>
+      <p:sp>
+        <p:nvSpPr>
+          <p:cNvPr id="12" name="Titre 1">
+            <a:extLst>
+              <a:ext uri="{FF2B5EF4-FFF2-40B4-BE49-F238E27FC236}">
+                <a16:creationId xmlns:a16="http://schemas.microsoft.com/office/drawing/2014/main" id="{860DE509-8AB1-42FB-A716-050B26A1BE6B}"/>
+              </a:ext>
+            </a:extLst>
+          </p:cNvPr>
+          <p:cNvSpPr>
+            <a:spLocks noGrp="1"/>
+          </p:cNvSpPr>
+          <p:nvPr>
+            <p:ph type="title"/>
+          </p:nvPr>
+        </p:nvSpPr>
+        <p:spPr>
+          <a:xfrm>
+            <a:off x="1752760" y="62218"/>
+            <a:ext cx="10439240" cy="547382"/>
+          </a:xfrm>
+          <a:noFill/>
+        </p:spPr>
+        <p:txBody>
+          <a:bodyPr>
+            <a:normAutofit fontScale="90000"/>
+          </a:bodyPr>
+          <a:lstStyle/>
+          <a:p>
+            <a:pPr algn="l"/>
+            <a:r>
+              <a:rPr lang="fr-CH" sz="1200" dirty="0">
+                <a:solidFill>
+                  <a:srgbClr val="595959"/>
+                </a:solidFill>
+              </a:rPr>
+              <a:t>Introduction - Fonctionnalités demandées - Planification et journal de travail - Réalisation - </a:t>
+            </a:r>
+            <a:r>
+              <a:rPr lang="fr-CH" sz="3200" dirty="0">
+                <a:solidFill>
+                  <a:schemeClr val="accent1">
+                    <a:lumMod val="75000"/>
+                  </a:schemeClr>
+                </a:solidFill>
+              </a:rPr>
+              <a:t>Problèmes rencontrés</a:t>
+            </a:r>
+            <a:r>
+              <a:rPr lang="fr-CH" sz="1200" dirty="0">
+                <a:solidFill>
+                  <a:srgbClr val="595959"/>
+                </a:solidFill>
+              </a:rPr>
+              <a:t> - Conclusion</a:t>
+            </a:r>
+          </a:p>
+        </p:txBody>
+      </p:sp>
+      <p:sp>
+        <p:nvSpPr>
+          <p:cNvPr id="13" name="ZoneTexte 12">
+            <a:extLst>
+              <a:ext uri="{FF2B5EF4-FFF2-40B4-BE49-F238E27FC236}">
+                <a16:creationId xmlns:a16="http://schemas.microsoft.com/office/drawing/2014/main" id="{4172F68F-4158-472A-932D-CABF2850342C}"/>
+              </a:ext>
+            </a:extLst>
+          </p:cNvPr>
+          <p:cNvSpPr txBox="1"/>
+          <p:nvPr/>
+        </p:nvSpPr>
+        <p:spPr>
+          <a:xfrm>
+            <a:off x="1657778" y="799211"/>
+            <a:ext cx="6664101" cy="646331"/>
+          </a:xfrm>
+          <a:prstGeom prst="rect">
+            <a:avLst/>
+          </a:prstGeom>
+          <a:noFill/>
+        </p:spPr>
+        <p:txBody>
+          <a:bodyPr wrap="square" rtlCol="0">
+            <a:spAutoFit/>
+          </a:bodyPr>
+          <a:lstStyle/>
+          <a:p>
+            <a:r>
+              <a:rPr lang="fr-CH" sz="3600" dirty="0"/>
+              <a:t>Encodage UTF-8 Bom</a:t>
+            </a:r>
+          </a:p>
+        </p:txBody>
+      </p:sp>
+    </p:spTree>
+    <p:extLst>
+      <p:ext uri="{BB962C8B-B14F-4D97-AF65-F5344CB8AC3E}">
+        <p14:creationId xmlns:p14="http://schemas.microsoft.com/office/powerpoint/2010/main" val="27959995"/>
+      </p:ext>
+    </p:extLst>
+  </p:cSld>
+  <p:clrMapOvr>
+    <a:masterClrMapping/>
+  </p:clrMapOvr>
+</p:sld>
+</file>
+
+<file path=ppt/slides/slide9.xml><?xml version="1.0" encoding="utf-8"?>
+<p:sld xmlns:a="http://schemas.openxmlformats.org/drawingml/2006/main" xmlns:r="http://schemas.openxmlformats.org/officeDocument/2006/relationships" xmlns:p="http://schemas.openxmlformats.org/presentationml/2006/main">
+  <p:cSld>
+    <p:spTree>
+      <p:nvGrpSpPr>
+        <p:cNvPr id="1" name=""/>
+        <p:cNvGrpSpPr/>
+        <p:nvPr/>
+      </p:nvGrpSpPr>
+      <p:grpSpPr>
+        <a:xfrm>
+          <a:off x="0" y="0"/>
+          <a:ext cx="0" cy="0"/>
+          <a:chOff x="0" y="0"/>
+          <a:chExt cx="0" cy="0"/>
+        </a:xfrm>
+      </p:grpSpPr>
+      <p:sp>
+        <p:nvSpPr>
+          <p:cNvPr id="4" name="Espace réservé du pied de page 3">
+            <a:extLst>
+              <a:ext uri="{FF2B5EF4-FFF2-40B4-BE49-F238E27FC236}">
+                <a16:creationId xmlns:a16="http://schemas.microsoft.com/office/drawing/2014/main" id="{6885CD8E-41C2-464B-934B-EE61BCB946BE}"/>
+              </a:ext>
+            </a:extLst>
+          </p:cNvPr>
+          <p:cNvSpPr>
+            <a:spLocks noGrp="1"/>
+          </p:cNvSpPr>
+          <p:nvPr>
+            <p:ph type="ftr" sz="quarter" idx="11"/>
+          </p:nvPr>
+        </p:nvSpPr>
+        <p:spPr/>
+        <p:txBody>
+          <a:bodyPr/>
+          <a:lstStyle/>
+          <a:p>
+            <a:pPr rtl="0"/>
+            <a:r>
+              <a:rPr lang="fr-FR" noProof="0"/>
+              <a:t>ETML - P_Appro1 2023</a:t>
+            </a:r>
+          </a:p>
+        </p:txBody>
+      </p:sp>
+      <p:pic>
+        <p:nvPicPr>
+          <p:cNvPr id="7" name="Espace réservé du contenu 6">
+            <a:extLst>
+              <a:ext uri="{FF2B5EF4-FFF2-40B4-BE49-F238E27FC236}">
+                <a16:creationId xmlns:a16="http://schemas.microsoft.com/office/drawing/2014/main" id="{C1A415C6-7E56-4638-8DE0-20C752B91D1E}"/>
+              </a:ext>
+            </a:extLst>
+          </p:cNvPr>
+          <p:cNvPicPr>
+            <a:picLocks noGrp="1" noChangeAspect="1"/>
+          </p:cNvPicPr>
+          <p:nvPr>
+            <p:ph idx="1"/>
+          </p:nvPr>
+        </p:nvPicPr>
+        <p:blipFill>
+          <a:blip r:embed="rId2"/>
+          <a:stretch>
+            <a:fillRect/>
+          </a:stretch>
+        </p:blipFill>
+        <p:spPr>
+          <a:xfrm>
+            <a:off x="1556477" y="1787721"/>
+            <a:ext cx="5839640" cy="1876687"/>
+          </a:xfrm>
+          <a:prstGeom prst="rect">
+            <a:avLst/>
+          </a:prstGeom>
+          <a:ln>
+            <a:noFill/>
+          </a:ln>
+          <a:effectLst>
+            <a:outerShdw blurRad="190500" algn="tl" rotWithShape="0">
+              <a:srgbClr val="000000">
+                <a:alpha val="70000"/>
+              </a:srgbClr>
+            </a:outerShdw>
+          </a:effectLst>
+        </p:spPr>
+      </p:pic>
+      <p:pic>
+        <p:nvPicPr>
+          <p:cNvPr id="5" name="Image 4">
+            <a:extLst>
+              <a:ext uri="{FF2B5EF4-FFF2-40B4-BE49-F238E27FC236}">
+                <a16:creationId xmlns:a16="http://schemas.microsoft.com/office/drawing/2014/main" id="{64B21957-23F2-4571-9AF9-C36982F81D99}"/>
+              </a:ext>
+            </a:extLst>
+          </p:cNvPr>
+          <p:cNvPicPr>
+            <a:picLocks noChangeAspect="1"/>
+          </p:cNvPicPr>
+          <p:nvPr/>
+        </p:nvPicPr>
+        <p:blipFill>
+          <a:blip r:embed="rId3"/>
+          <a:stretch>
+            <a:fillRect/>
+          </a:stretch>
+        </p:blipFill>
+        <p:spPr>
+          <a:xfrm>
+            <a:off x="7589064" y="4137082"/>
+            <a:ext cx="3896269" cy="1686160"/>
+          </a:xfrm>
+          <a:prstGeom prst="rect">
+            <a:avLst/>
+          </a:prstGeom>
+          <a:ln>
+            <a:noFill/>
+          </a:ln>
+          <a:effectLst>
+            <a:outerShdw blurRad="190500" algn="tl" rotWithShape="0">
+              <a:srgbClr val="000000">
+                <a:alpha val="70000"/>
+              </a:srgbClr>
+            </a:outerShdw>
+          </a:effectLst>
+        </p:spPr>
+      </p:pic>
+      <p:pic>
+        <p:nvPicPr>
+          <p:cNvPr id="3076" name="Picture 4">
+            <a:extLst>
+              <a:ext uri="{FF2B5EF4-FFF2-40B4-BE49-F238E27FC236}">
+                <a16:creationId xmlns:a16="http://schemas.microsoft.com/office/drawing/2014/main" id="{6DC68519-45C6-4699-9E32-4568F682C91C}"/>
+              </a:ext>
+            </a:extLst>
+          </p:cNvPr>
+          <p:cNvPicPr>
+            <a:picLocks noChangeAspect="1" noChangeArrowheads="1"/>
+          </p:cNvPicPr>
+          <p:nvPr/>
+        </p:nvPicPr>
+        <p:blipFill>
+          <a:blip r:embed="rId4">
+            <a:extLst>
+              <a:ext uri="{28A0092B-C50C-407E-A947-70E740481C1C}">
+                <a14:useLocalDpi xmlns:a14="http://schemas.microsoft.com/office/drawing/2010/main" val="0"/>
+              </a:ext>
+            </a:extLst>
+          </a:blip>
+          <a:srcRect/>
+          <a:stretch>
+            <a:fillRect/>
+          </a:stretch>
+        </p:blipFill>
+        <p:spPr bwMode="auto">
+          <a:xfrm>
+            <a:off x="2458572" y="4065171"/>
+            <a:ext cx="1317427" cy="1225250"/>
+          </a:xfrm>
+          <a:prstGeom prst="rect">
+            <a:avLst/>
+          </a:prstGeom>
+          <a:ln>
+            <a:noFill/>
+          </a:ln>
+          <a:effectLst>
+            <a:outerShdw blurRad="190500" algn="tl" rotWithShape="0">
+              <a:srgbClr val="000000">
+                <a:alpha val="70000"/>
+              </a:srgbClr>
+            </a:outerShdw>
+          </a:effectLst>
+          <a:extLst>
+            <a:ext uri="{909E8E84-426E-40DD-AFC4-6F175D3DCCD1}">
+              <a14:hiddenFill xmlns:a14="http://schemas.microsoft.com/office/drawing/2010/main">
+                <a:solidFill>
+                  <a:srgbClr val="FFFFFF"/>
+                </a:solidFill>
+              </a14:hiddenFill>
+            </a:ext>
+          </a:extLst>
+        </p:spPr>
+      </p:pic>
+      <p:sp>
+        <p:nvSpPr>
+          <p:cNvPr id="16" name="Titre 1">
+            <a:extLst>
+              <a:ext uri="{FF2B5EF4-FFF2-40B4-BE49-F238E27FC236}">
+                <a16:creationId xmlns:a16="http://schemas.microsoft.com/office/drawing/2014/main" id="{A8047BF9-BF1F-4436-A5CF-A85DBCBEF216}"/>
+              </a:ext>
+            </a:extLst>
+          </p:cNvPr>
+          <p:cNvSpPr>
+            <a:spLocks noGrp="1"/>
+          </p:cNvSpPr>
+          <p:nvPr>
+            <p:ph type="title"/>
+          </p:nvPr>
+        </p:nvSpPr>
+        <p:spPr>
+          <a:xfrm>
+            <a:off x="1752760" y="62218"/>
+            <a:ext cx="10439240" cy="547382"/>
+          </a:xfrm>
+          <a:noFill/>
+        </p:spPr>
+        <p:txBody>
+          <a:bodyPr>
+            <a:normAutofit fontScale="90000"/>
+          </a:bodyPr>
+          <a:lstStyle/>
+          <a:p>
+            <a:pPr algn="l"/>
+            <a:r>
+              <a:rPr lang="fr-CH" sz="1200" dirty="0">
+                <a:solidFill>
+                  <a:srgbClr val="595959"/>
+                </a:solidFill>
+              </a:rPr>
+              <a:t>Introduction - Fonctionnalités demandées - Planification et journal de travail - Réalisation - </a:t>
+            </a:r>
+            <a:r>
+              <a:rPr lang="fr-CH" sz="3200" dirty="0">
+                <a:solidFill>
+                  <a:schemeClr val="accent1">
+                    <a:lumMod val="75000"/>
+                  </a:schemeClr>
+                </a:solidFill>
+              </a:rPr>
+              <a:t>Problèmes rencontrés</a:t>
+            </a:r>
+            <a:r>
+              <a:rPr lang="fr-CH" sz="1200" dirty="0">
+                <a:solidFill>
+                  <a:srgbClr val="595959"/>
+                </a:solidFill>
+              </a:rPr>
+              <a:t> - Conclusion</a:t>
+            </a:r>
+          </a:p>
+        </p:txBody>
+      </p:sp>
+      <p:sp>
+        <p:nvSpPr>
+          <p:cNvPr id="17" name="ZoneTexte 16">
+            <a:extLst>
+              <a:ext uri="{FF2B5EF4-FFF2-40B4-BE49-F238E27FC236}">
+                <a16:creationId xmlns:a16="http://schemas.microsoft.com/office/drawing/2014/main" id="{F7728AA3-185F-49E9-AD21-6FEA29C7DBFD}"/>
+              </a:ext>
+            </a:extLst>
+          </p:cNvPr>
+          <p:cNvSpPr txBox="1"/>
+          <p:nvPr/>
+        </p:nvSpPr>
+        <p:spPr>
+          <a:xfrm>
+            <a:off x="1657778" y="799211"/>
+            <a:ext cx="6664101" cy="646331"/>
+          </a:xfrm>
+          <a:prstGeom prst="rect">
+            <a:avLst/>
+          </a:prstGeom>
+          <a:noFill/>
+        </p:spPr>
+        <p:txBody>
+          <a:bodyPr wrap="square" rtlCol="0">
+            <a:spAutoFit/>
+          </a:bodyPr>
+          <a:lstStyle/>
+          <a:p>
+            <a:r>
+              <a:rPr lang="fr-CH" sz="3600" dirty="0"/>
+              <a:t>Enregistrement Excel avec Macros</a:t>
+            </a:r>
+          </a:p>
+        </p:txBody>
+      </p:sp>
+    </p:spTree>
+    <p:extLst>
+      <p:ext uri="{BB962C8B-B14F-4D97-AF65-F5344CB8AC3E}">
+        <p14:creationId xmlns:p14="http://schemas.microsoft.com/office/powerpoint/2010/main" val="1853309506"/>
       </p:ext>
     </p:extLst>
   </p:cSld>
@@ -11898,12 +12535,11 @@
 </file>
 
 <file path=customXml/item1.xml><?xml version="1.0" encoding="utf-8"?>
-<?mso-contentType ?>
-<FormTemplates xmlns="http://schemas.microsoft.com/sharepoint/v3/contenttype/forms">
-  <Display>DocumentLibraryForm</Display>
-  <Edit>DocumentLibraryForm</Edit>
-  <New>DocumentLibraryForm</New>
-</FormTemplates>
+<p:properties xmlns:p="http://schemas.microsoft.com/office/2006/metadata/properties" xmlns:xsi="http://www.w3.org/2001/XMLSchema-instance" xmlns:pc="http://schemas.microsoft.com/office/infopath/2007/PartnerControls">
+  <documentManagement>
+    <MediaServiceKeyPoints xmlns="71af3243-3dd4-4a8d-8c0d-dd76da1f02a5" xsi:nil="true"/>
+  </documentManagement>
+</p:properties>
 </file>
 
 <file path=customXml/item2.xml><?xml version="1.0" encoding="utf-8"?>
@@ -12118,17 +12754,20 @@
 </file>
 
 <file path=customXml/item3.xml><?xml version="1.0" encoding="utf-8"?>
-<p:properties xmlns:p="http://schemas.microsoft.com/office/2006/metadata/properties" xmlns:xsi="http://www.w3.org/2001/XMLSchema-instance" xmlns:pc="http://schemas.microsoft.com/office/infopath/2007/PartnerControls">
-  <documentManagement>
-    <MediaServiceKeyPoints xmlns="71af3243-3dd4-4a8d-8c0d-dd76da1f02a5" xsi:nil="true"/>
-  </documentManagement>
-</p:properties>
+<?mso-contentType ?>
+<FormTemplates xmlns="http://schemas.microsoft.com/sharepoint/v3/contenttype/forms">
+  <Display>DocumentLibraryForm</Display>
+  <Edit>DocumentLibraryForm</Edit>
+  <New>DocumentLibraryForm</New>
+</FormTemplates>
 </file>
 
 <file path=customXml/itemProps1.xml><?xml version="1.0" encoding="utf-8"?>
-<ds:datastoreItem xmlns:ds="http://schemas.openxmlformats.org/officeDocument/2006/customXml" ds:itemID="{33315AA3-EAE3-44ED-8368-BAC2FFFB4817}">
+<ds:datastoreItem xmlns:ds="http://schemas.openxmlformats.org/officeDocument/2006/customXml" ds:itemID="{D7023227-530E-4024-91EF-312A851A758C}">
   <ds:schemaRefs>
-    <ds:schemaRef ds:uri="http://schemas.microsoft.com/sharepoint/v3/contenttype/forms"/>
+    <ds:schemaRef ds:uri="http://schemas.microsoft.com/office/2006/metadata/properties"/>
+    <ds:schemaRef ds:uri="http://schemas.microsoft.com/office/infopath/2007/PartnerControls"/>
+    <ds:schemaRef ds:uri="71af3243-3dd4-4a8d-8c0d-dd76da1f02a5"/>
   </ds:schemaRefs>
 </ds:datastoreItem>
 </file>
@@ -12153,11 +12792,9 @@
 </file>
 
 <file path=customXml/itemProps3.xml><?xml version="1.0" encoding="utf-8"?>
-<ds:datastoreItem xmlns:ds="http://schemas.openxmlformats.org/officeDocument/2006/customXml" ds:itemID="{D7023227-530E-4024-91EF-312A851A758C}">
+<ds:datastoreItem xmlns:ds="http://schemas.openxmlformats.org/officeDocument/2006/customXml" ds:itemID="{33315AA3-EAE3-44ED-8368-BAC2FFFB4817}">
   <ds:schemaRefs>
-    <ds:schemaRef ds:uri="http://schemas.microsoft.com/office/2006/metadata/properties"/>
-    <ds:schemaRef ds:uri="http://schemas.microsoft.com/office/infopath/2007/PartnerControls"/>
-    <ds:schemaRef ds:uri="71af3243-3dd4-4a8d-8c0d-dd76da1f02a5"/>
+    <ds:schemaRef ds:uri="http://schemas.microsoft.com/sharepoint/v3/contenttype/forms"/>
   </ds:schemaRefs>
 </ds:datastoreItem>
 </file>
--- a/CDC-rapport-jdt/Presentation/Presentation_philipona.pptx
+++ b/CDC-rapport-jdt/Presentation/Presentation_philipona.pptx
@@ -5,10 +5,10 @@
     <p:sldMasterId id="2147483648" r:id="rId4"/>
   </p:sldMasterIdLst>
   <p:notesMasterIdLst>
-    <p:notesMasterId r:id="rId15"/>
+    <p:notesMasterId r:id="rId16"/>
   </p:notesMasterIdLst>
   <p:handoutMasterIdLst>
-    <p:handoutMasterId r:id="rId16"/>
+    <p:handoutMasterId r:id="rId17"/>
   </p:handoutMasterIdLst>
   <p:sldIdLst>
     <p:sldId id="262" r:id="rId5"/>
@@ -21,6 +21,7 @@
     <p:sldId id="269" r:id="rId12"/>
     <p:sldId id="270" r:id="rId13"/>
     <p:sldId id="268" r:id="rId14"/>
+    <p:sldId id="272" r:id="rId15"/>
   </p:sldIdLst>
   <p:sldSz cx="12192000" cy="6858000"/>
   <p:notesSz cx="6858000" cy="9144000"/>
@@ -639,115 +640,53 @@
     <c:autoTitleDeleted val="1"/>
     <c:plotArea>
       <c:layout/>
-      <c:lineChart>
-        <c:grouping val="standard"/>
+      <c:barChart>
+        <c:barDir val="col"/>
+        <c:grouping val="clustered"/>
         <c:varyColors val="0"/>
         <c:ser>
           <c:idx val="0"/>
           <c:order val="0"/>
           <c:spPr>
-            <a:ln w="31750" cap="rnd">
-              <a:solidFill>
-                <a:schemeClr val="accent1"/>
-              </a:solidFill>
-              <a:round/>
+            <a:solidFill>
+              <a:schemeClr val="accent1"/>
+            </a:solidFill>
+            <a:ln>
+              <a:noFill/>
             </a:ln>
             <a:effectLst/>
           </c:spPr>
-          <c:marker>
-            <c:symbol val="circle"/>
-            <c:size val="17"/>
-            <c:spPr>
-              <a:solidFill>
-                <a:schemeClr val="accent1"/>
-              </a:solidFill>
-              <a:ln>
-                <a:noFill/>
-              </a:ln>
-              <a:effectLst/>
-            </c:spPr>
-          </c:marker>
-          <c:dLbls>
-            <c:spPr>
-              <a:noFill/>
-              <a:ln>
-                <a:noFill/>
-              </a:ln>
-              <a:effectLst/>
-            </c:spPr>
-            <c:txPr>
-              <a:bodyPr rot="0" spcFirstLastPara="1" vertOverflow="ellipsis" vert="horz" wrap="square" lIns="38100" tIns="19050" rIns="38100" bIns="19050" anchor="ctr" anchorCtr="1">
-                <a:spAutoFit/>
-              </a:bodyPr>
-              <a:lstStyle/>
-              <a:p>
-                <a:pPr>
-                  <a:defRPr sz="900" b="1" i="0" u="none" strike="noStrike" kern="1200" baseline="0">
-                    <a:solidFill>
-                      <a:schemeClr val="lt1"/>
-                    </a:solidFill>
-                    <a:latin typeface="+mn-lt"/>
-                    <a:ea typeface="+mn-ea"/>
-                    <a:cs typeface="+mn-cs"/>
-                  </a:defRPr>
-                </a:pPr>
-                <a:endParaRPr lang="fr-FR"/>
-              </a:p>
-            </c:txPr>
-            <c:dLblPos val="ctr"/>
-            <c:showLegendKey val="0"/>
-            <c:showVal val="1"/>
-            <c:showCatName val="0"/>
-            <c:showSerName val="0"/>
-            <c:showPercent val="0"/>
-            <c:showBubbleSize val="0"/>
-            <c:showLeaderLines val="0"/>
-            <c:extLst>
-              <c:ext xmlns:c15="http://schemas.microsoft.com/office/drawing/2012/chart" uri="{CE6537A1-D6FC-4f65-9D91-7224C49458BB}">
-                <c15:showLeaderLines val="1"/>
-                <c15:leaderLines>
-                  <c:spPr>
-                    <a:ln w="9525">
-                      <a:solidFill>
-                        <a:schemeClr val="dk1">
-                          <a:lumMod val="50000"/>
-                          <a:lumOff val="50000"/>
-                        </a:schemeClr>
-                      </a:solidFill>
-                    </a:ln>
-                    <a:effectLst/>
-                  </c:spPr>
-                </c15:leaderLines>
-              </c:ext>
-            </c:extLst>
-          </c:dLbls>
+          <c:invertIfNegative val="0"/>
           <c:cat>
             <c:strRef>
-              <c:f>Feuil2!$B$3:$B$10</c:f>
+              <c:f>Feuil2!$B$3:$B$11</c:f>
               <c:strCache>
-                <c:ptCount val="8"/>
+                <c:ptCount val="9"/>
                 <c:pt idx="0">
+                  <c:v>Imprévus</c:v>
+                </c:pt>
+                <c:pt idx="1">
                   <c:v>JDT</c:v>
                 </c:pt>
-                <c:pt idx="1">
+                <c:pt idx="2">
                   <c:v>Informer</c:v>
                 </c:pt>
-                <c:pt idx="2">
+                <c:pt idx="3">
                   <c:v>Planifier</c:v>
                 </c:pt>
-                <c:pt idx="3">
+                <c:pt idx="4">
                   <c:v>Décider</c:v>
                 </c:pt>
-                <c:pt idx="4">
+                <c:pt idx="5">
                   <c:v>Réaliser</c:v>
                 </c:pt>
-                <c:pt idx="5">
+                <c:pt idx="6">
                   <c:v>Tester</c:v>
                 </c:pt>
-                <c:pt idx="6">
+                <c:pt idx="7">
                   <c:v>Evaluer</c:v>
                 </c:pt>
-                <c:pt idx="7">
+                <c:pt idx="8">
                   <c:v>Autre</c:v>
                 </c:pt>
               </c:strCache>
@@ -755,41 +694,43 @@
           </c:cat>
           <c:val>
             <c:numRef>
-              <c:f>Feuil2!$C$3:$C$10</c:f>
+              <c:f>Feuil2!$C$3:$C$11</c:f>
               <c:numCache>
                 <c:formatCode>General</c:formatCode>
-                <c:ptCount val="8"/>
+                <c:ptCount val="9"/>
                 <c:pt idx="0">
-                  <c:v>27</c:v>
+                  <c:v>0</c:v>
                 </c:pt>
                 <c:pt idx="1">
-                  <c:v>163</c:v>
+                  <c:v>23</c:v>
                 </c:pt>
                 <c:pt idx="2">
+                  <c:v>150</c:v>
+                </c:pt>
+                <c:pt idx="3">
                   <c:v>22</c:v>
                 </c:pt>
-                <c:pt idx="3">
+                <c:pt idx="4">
                   <c:v>15</c:v>
                 </c:pt>
-                <c:pt idx="4">
-                  <c:v>235</c:v>
-                </c:pt>
                 <c:pt idx="5">
-                  <c:v>62</c:v>
+                  <c:v>184</c:v>
                 </c:pt>
                 <c:pt idx="6">
-                  <c:v>26</c:v>
+                  <c:v>88</c:v>
                 </c:pt>
                 <c:pt idx="7">
-                  <c:v>56</c:v>
+                  <c:v>0</c:v>
+                </c:pt>
+                <c:pt idx="8">
+                  <c:v>214</c:v>
                 </c:pt>
               </c:numCache>
             </c:numRef>
           </c:val>
-          <c:smooth val="0"/>
           <c:extLst>
             <c:ext xmlns:c16="http://schemas.microsoft.com/office/drawing/2014/chart" uri="{C3380CC4-5D6E-409C-BE32-E72D297353CC}">
-              <c16:uniqueId val="{00000000-8229-47FC-B2AA-EF0D48C210C7}"/>
+              <c16:uniqueId val="{00000000-ABE8-428B-BB05-52F9CA62E0F9}"/>
             </c:ext>
           </c:extLst>
         </c:ser>
@@ -798,184 +739,122 @@
           <c:order val="1"/>
           <c:tx>
             <c:strRef>
-              <c:f>Feuil2!$B$13:$B$20</c:f>
+              <c:f>Feuil2!$B$14:$B$22</c:f>
               <c:strCache>
-                <c:ptCount val="8"/>
+                <c:ptCount val="9"/>
                 <c:pt idx="0">
+                  <c:v>Imprévus</c:v>
+                </c:pt>
+                <c:pt idx="1">
                   <c:v>JDT</c:v>
                 </c:pt>
-                <c:pt idx="1">
+                <c:pt idx="2">
                   <c:v>Informer</c:v>
                 </c:pt>
-                <c:pt idx="2">
+                <c:pt idx="3">
                   <c:v>Planifier</c:v>
                 </c:pt>
-                <c:pt idx="3">
+                <c:pt idx="4">
                   <c:v>Décider</c:v>
                 </c:pt>
-                <c:pt idx="4">
+                <c:pt idx="5">
                   <c:v>Réaliser</c:v>
                 </c:pt>
-                <c:pt idx="5">
+                <c:pt idx="6">
                   <c:v>Tester</c:v>
                 </c:pt>
-                <c:pt idx="6">
+                <c:pt idx="7">
                   <c:v>Evaluer</c:v>
                 </c:pt>
-                <c:pt idx="7">
+                <c:pt idx="8">
                   <c:v>Autre</c:v>
                 </c:pt>
               </c:strCache>
             </c:strRef>
           </c:tx>
           <c:spPr>
-            <a:ln w="31750" cap="rnd">
-              <a:solidFill>
-                <a:schemeClr val="accent2"/>
-              </a:solidFill>
-              <a:round/>
+            <a:solidFill>
+              <a:schemeClr val="accent2"/>
+            </a:solidFill>
+            <a:ln>
+              <a:noFill/>
             </a:ln>
             <a:effectLst/>
           </c:spPr>
-          <c:marker>
-            <c:symbol val="circle"/>
-            <c:size val="17"/>
-            <c:spPr>
-              <a:solidFill>
-                <a:schemeClr val="accent2"/>
-              </a:solidFill>
-              <a:ln>
-                <a:noFill/>
-              </a:ln>
-              <a:effectLst/>
-            </c:spPr>
-          </c:marker>
-          <c:dLbls>
-            <c:spPr>
-              <a:noFill/>
-              <a:ln>
-                <a:noFill/>
-              </a:ln>
-              <a:effectLst/>
-            </c:spPr>
-            <c:txPr>
-              <a:bodyPr rot="0" spcFirstLastPara="1" vertOverflow="ellipsis" vert="horz" wrap="square" lIns="38100" tIns="19050" rIns="38100" bIns="19050" anchor="ctr" anchorCtr="1">
-                <a:spAutoFit/>
-              </a:bodyPr>
-              <a:lstStyle/>
-              <a:p>
-                <a:pPr>
-                  <a:defRPr sz="900" b="1" i="0" u="none" strike="noStrike" kern="1200" baseline="0">
-                    <a:solidFill>
-                      <a:schemeClr val="lt1"/>
-                    </a:solidFill>
-                    <a:latin typeface="+mn-lt"/>
-                    <a:ea typeface="+mn-ea"/>
-                    <a:cs typeface="+mn-cs"/>
-                  </a:defRPr>
-                </a:pPr>
-                <a:endParaRPr lang="fr-FR"/>
-              </a:p>
-            </c:txPr>
-            <c:dLblPos val="ctr"/>
-            <c:showLegendKey val="0"/>
-            <c:showVal val="1"/>
-            <c:showCatName val="0"/>
-            <c:showSerName val="0"/>
-            <c:showPercent val="0"/>
-            <c:showBubbleSize val="0"/>
-            <c:showLeaderLines val="0"/>
-            <c:extLst>
-              <c:ext xmlns:c15="http://schemas.microsoft.com/office/drawing/2012/chart" uri="{CE6537A1-D6FC-4f65-9D91-7224C49458BB}">
-                <c15:showLeaderLines val="1"/>
-                <c15:leaderLines>
-                  <c:spPr>
-                    <a:ln w="9525">
-                      <a:solidFill>
-                        <a:schemeClr val="dk1">
-                          <a:lumMod val="50000"/>
-                          <a:lumOff val="50000"/>
-                        </a:schemeClr>
-                      </a:solidFill>
-                    </a:ln>
-                    <a:effectLst/>
-                  </c:spPr>
-                </c15:leaderLines>
-              </c:ext>
-            </c:extLst>
-          </c:dLbls>
+          <c:invertIfNegative val="0"/>
           <c:val>
             <c:numRef>
-              <c:f>Feuil2!$C$13:$C$20</c:f>
+              <c:f>Feuil2!$C$14:$C$22</c:f>
               <c:numCache>
                 <c:formatCode>General</c:formatCode>
-                <c:ptCount val="8"/>
+                <c:ptCount val="9"/>
                 <c:pt idx="0">
+                  <c:v>90</c:v>
+                </c:pt>
+                <c:pt idx="1">
                   <c:v>21</c:v>
                 </c:pt>
-                <c:pt idx="1">
+                <c:pt idx="2">
                   <c:v>221</c:v>
                 </c:pt>
-                <c:pt idx="2">
+                <c:pt idx="3">
                   <c:v>9</c:v>
                 </c:pt>
-                <c:pt idx="3">
+                <c:pt idx="4">
                   <c:v>6</c:v>
                 </c:pt>
-                <c:pt idx="4">
+                <c:pt idx="5">
                   <c:v>208</c:v>
                 </c:pt>
-                <c:pt idx="5">
+                <c:pt idx="6">
                   <c:v>27</c:v>
                 </c:pt>
-                <c:pt idx="6">
+                <c:pt idx="7">
                   <c:v>20</c:v>
                 </c:pt>
-                <c:pt idx="7">
+                <c:pt idx="8">
                   <c:v>94</c:v>
                 </c:pt>
               </c:numCache>
             </c:numRef>
           </c:val>
-          <c:smooth val="0"/>
           <c:extLst>
             <c:ext xmlns:c16="http://schemas.microsoft.com/office/drawing/2014/chart" uri="{C3380CC4-5D6E-409C-BE32-E72D297353CC}">
-              <c16:uniqueId val="{00000001-8229-47FC-B2AA-EF0D48C210C7}"/>
+              <c16:uniqueId val="{00000001-ABE8-428B-BB05-52F9CA62E0F9}"/>
             </c:ext>
           </c:extLst>
         </c:ser>
         <c:dLbls>
-          <c:dLblPos val="ctr"/>
           <c:showLegendKey val="0"/>
-          <c:showVal val="1"/>
+          <c:showVal val="0"/>
           <c:showCatName val="0"/>
           <c:showSerName val="0"/>
           <c:showPercent val="0"/>
           <c:showBubbleSize val="0"/>
         </c:dLbls>
-        <c:marker val="1"/>
-        <c:smooth val="0"/>
-        <c:axId val="1208451535"/>
-        <c:axId val="1083196383"/>
-      </c:lineChart>
+        <c:gapWidth val="219"/>
+        <c:overlap val="-27"/>
+        <c:axId val="1507924080"/>
+        <c:axId val="1318332656"/>
+      </c:barChart>
       <c:catAx>
-        <c:axId val="1208451535"/>
+        <c:axId val="1507924080"/>
         <c:scaling>
           <c:orientation val="minMax"/>
         </c:scaling>
         <c:delete val="0"/>
         <c:axPos val="b"/>
         <c:numFmt formatCode="General" sourceLinked="1"/>
-        <c:majorTickMark val="none"/>
+        <c:majorTickMark val="out"/>
         <c:minorTickMark val="none"/>
         <c:tickLblPos val="nextTo"/>
         <c:spPr>
           <a:noFill/>
-          <a:ln w="19050" cap="flat" cmpd="sng" algn="ctr">
+          <a:ln w="9525" cap="flat" cmpd="sng" algn="ctr">
             <a:solidFill>
-              <a:schemeClr val="dk1">
-                <a:lumMod val="75000"/>
-                <a:lumOff val="25000"/>
+              <a:schemeClr val="tx1">
+                <a:lumMod val="15000"/>
+                <a:lumOff val="85000"/>
               </a:schemeClr>
             </a:solidFill>
             <a:round/>
@@ -987,11 +866,11 @@
           <a:lstStyle/>
           <a:p>
             <a:pPr>
-              <a:defRPr sz="1400" b="0" i="0" u="none" strike="noStrike" kern="1200" cap="all" baseline="0">
-                <a:solidFill>
-                  <a:schemeClr val="dk1">
-                    <a:lumMod val="75000"/>
-                    <a:lumOff val="25000"/>
+              <a:defRPr sz="2000" b="0" i="0" u="none" strike="noStrike" kern="1200" baseline="0">
+                <a:solidFill>
+                  <a:schemeClr val="tx1">
+                    <a:lumMod val="65000"/>
+                    <a:lumOff val="35000"/>
                   </a:schemeClr>
                 </a:solidFill>
                 <a:latin typeface="+mn-lt"/>
@@ -1002,7 +881,7 @@
             <a:endParaRPr lang="fr-FR"/>
           </a:p>
         </c:txPr>
-        <c:crossAx val="1083196383"/>
+        <c:crossAx val="1318332656"/>
         <c:crosses val="autoZero"/>
         <c:auto val="1"/>
         <c:lblAlgn val="ctr"/>
@@ -1010,43 +889,58 @@
         <c:noMultiLvlLbl val="0"/>
       </c:catAx>
       <c:valAx>
-        <c:axId val="1083196383"/>
+        <c:axId val="1318332656"/>
         <c:scaling>
           <c:orientation val="minMax"/>
         </c:scaling>
-        <c:delete val="1"/>
+        <c:delete val="0"/>
         <c:axPos val="l"/>
         <c:majorGridlines>
           <c:spPr>
             <a:ln w="9525" cap="flat" cmpd="sng" algn="ctr">
-              <a:gradFill>
-                <a:gsLst>
-                  <a:gs pos="100000">
-                    <a:schemeClr val="dk1">
-                      <a:lumMod val="95000"/>
-                      <a:lumOff val="5000"/>
-                      <a:alpha val="42000"/>
-                    </a:schemeClr>
-                  </a:gs>
-                  <a:gs pos="0">
-                    <a:schemeClr val="lt1">
-                      <a:lumMod val="75000"/>
-                      <a:alpha val="36000"/>
-                    </a:schemeClr>
-                  </a:gs>
-                </a:gsLst>
-                <a:lin ang="5400000" scaled="0"/>
-              </a:gradFill>
+              <a:solidFill>
+                <a:schemeClr val="tx1">
+                  <a:lumMod val="15000"/>
+                  <a:lumOff val="85000"/>
+                </a:schemeClr>
+              </a:solidFill>
               <a:round/>
             </a:ln>
             <a:effectLst/>
           </c:spPr>
         </c:majorGridlines>
         <c:numFmt formatCode="General" sourceLinked="1"/>
-        <c:majorTickMark val="none"/>
+        <c:majorTickMark val="out"/>
         <c:minorTickMark val="none"/>
         <c:tickLblPos val="nextTo"/>
-        <c:crossAx val="1208451535"/>
+        <c:spPr>
+          <a:noFill/>
+          <a:ln>
+            <a:noFill/>
+          </a:ln>
+          <a:effectLst/>
+        </c:spPr>
+        <c:txPr>
+          <a:bodyPr rot="-60000000" spcFirstLastPara="1" vertOverflow="ellipsis" vert="horz" wrap="square" anchor="ctr" anchorCtr="1"/>
+          <a:lstStyle/>
+          <a:p>
+            <a:pPr>
+              <a:defRPr sz="2000" b="0" i="0" u="none" strike="noStrike" kern="1200" baseline="0">
+                <a:solidFill>
+                  <a:schemeClr val="tx1">
+                    <a:lumMod val="65000"/>
+                    <a:lumOff val="35000"/>
+                  </a:schemeClr>
+                </a:solidFill>
+                <a:latin typeface="+mn-lt"/>
+                <a:ea typeface="+mn-ea"/>
+                <a:cs typeface="+mn-cs"/>
+              </a:defRPr>
+            </a:pPr>
+            <a:endParaRPr lang="fr-FR"/>
+          </a:p>
+        </c:txPr>
+        <c:crossAx val="1507924080"/>
         <c:crosses val="autoZero"/>
         <c:crossBetween val="between"/>
       </c:valAx>
@@ -1060,19 +954,17 @@
     </c:plotArea>
     <c:plotVisOnly val="1"/>
     <c:dispBlanksAs val="gap"/>
-    <c:extLst>
-      <c:ext xmlns:c16r3="http://schemas.microsoft.com/office/drawing/2017/03/chart" uri="{56B9EC1D-385E-4148-901F-78D8002777C0}">
-        <c16r3:dataDisplayOptions16>
-          <c16r3:dispNaAsBlank val="1"/>
-        </c16r3:dataDisplayOptions16>
-      </c:ext>
-    </c:extLst>
     <c:showDLblsOverMax val="0"/>
   </c:chart>
   <c:spPr>
     <a:noFill/>
     <a:ln w="9525" cap="flat" cmpd="sng" algn="ctr">
-      <a:noFill/>
+      <a:solidFill>
+        <a:schemeClr val="tx1">
+          <a:lumMod val="15000"/>
+          <a:lumOff val="85000"/>
+        </a:schemeClr>
+      </a:solidFill>
       <a:round/>
     </a:ln>
     <a:effectLst/>
@@ -1775,174 +1667,136 @@
 </file>
 
 <file path=ppt/charts/style2.xml><?xml version="1.0" encoding="utf-8"?>
-<cs:chartStyle xmlns:cs="http://schemas.microsoft.com/office/drawing/2012/chartStyle" xmlns:a="http://schemas.openxmlformats.org/drawingml/2006/main" id="228">
+<cs:chartStyle xmlns:cs="http://schemas.microsoft.com/office/drawing/2012/chartStyle" xmlns:a="http://schemas.openxmlformats.org/drawingml/2006/main" id="201">
   <cs:axisTitle>
     <cs:lnRef idx="0"/>
     <cs:fillRef idx="0"/>
     <cs:effectRef idx="0"/>
     <cs:fontRef idx="minor">
-      <a:schemeClr val="dk1">
-        <a:lumMod val="75000"/>
-        <a:lumOff val="25000"/>
+      <a:schemeClr val="tx1">
+        <a:lumMod val="65000"/>
+        <a:lumOff val="35000"/>
       </a:schemeClr>
     </cs:fontRef>
-    <cs:defRPr sz="900" b="1" kern="1200"/>
+    <cs:defRPr sz="1000" kern="1200"/>
   </cs:axisTitle>
   <cs:categoryAxis>
     <cs:lnRef idx="0"/>
     <cs:fillRef idx="0"/>
     <cs:effectRef idx="0"/>
     <cs:fontRef idx="minor">
-      <a:schemeClr val="dk1">
-        <a:lumMod val="75000"/>
-        <a:lumOff val="25000"/>
+      <a:schemeClr val="tx1">
+        <a:lumMod val="65000"/>
+        <a:lumOff val="35000"/>
       </a:schemeClr>
     </cs:fontRef>
     <cs:spPr>
-      <a:ln w="19050" cap="flat" cmpd="sng" algn="ctr">
+      <a:ln w="9525" cap="flat" cmpd="sng" algn="ctr">
         <a:solidFill>
-          <a:schemeClr val="dk1">
-            <a:lumMod val="75000"/>
-            <a:lumOff val="25000"/>
+          <a:schemeClr val="tx1">
+            <a:lumMod val="15000"/>
+            <a:lumOff val="85000"/>
           </a:schemeClr>
         </a:solidFill>
         <a:round/>
       </a:ln>
     </cs:spPr>
-    <cs:defRPr sz="900" kern="1200" cap="all" baseline="0"/>
+    <cs:defRPr sz="900" kern="1200"/>
   </cs:categoryAxis>
-  <cs:chartArea>
+  <cs:chartArea mods="allowNoFillOverride allowNoLineOverride">
     <cs:lnRef idx="0"/>
     <cs:fillRef idx="0"/>
     <cs:effectRef idx="0"/>
     <cs:fontRef idx="minor">
-      <a:schemeClr val="dk1"/>
+      <a:schemeClr val="tx1"/>
     </cs:fontRef>
     <cs:spPr>
-      <a:gradFill flip="none" rotWithShape="1">
-        <a:gsLst>
-          <a:gs pos="0">
-            <a:schemeClr val="lt1"/>
-          </a:gs>
-          <a:gs pos="39000">
-            <a:schemeClr val="lt1"/>
-          </a:gs>
-          <a:gs pos="100000">
-            <a:schemeClr val="lt1">
-              <a:lumMod val="75000"/>
-            </a:schemeClr>
-          </a:gs>
-        </a:gsLst>
-        <a:path path="circle">
-          <a:fillToRect l="50000" t="-80000" r="50000" b="180000"/>
-        </a:path>
-        <a:tileRect/>
-      </a:gradFill>
+      <a:solidFill>
+        <a:schemeClr val="bg1"/>
+      </a:solidFill>
       <a:ln w="9525" cap="flat" cmpd="sng" algn="ctr">
+        <a:solidFill>
+          <a:schemeClr val="tx1">
+            <a:lumMod val="15000"/>
+            <a:lumOff val="85000"/>
+          </a:schemeClr>
+        </a:solidFill>
+        <a:round/>
+      </a:ln>
+    </cs:spPr>
+    <cs:defRPr sz="1000" kern="1200"/>
+  </cs:chartArea>
+  <cs:dataLabel>
+    <cs:lnRef idx="0"/>
+    <cs:fillRef idx="0"/>
+    <cs:effectRef idx="0"/>
+    <cs:fontRef idx="minor">
+      <a:schemeClr val="tx1">
+        <a:lumMod val="75000"/>
+        <a:lumOff val="25000"/>
+      </a:schemeClr>
+    </cs:fontRef>
+    <cs:defRPr sz="900" kern="1200"/>
+  </cs:dataLabel>
+  <cs:dataLabelCallout>
+    <cs:lnRef idx="0"/>
+    <cs:fillRef idx="0"/>
+    <cs:effectRef idx="0"/>
+    <cs:fontRef idx="minor">
+      <a:schemeClr val="dk1">
+        <a:lumMod val="65000"/>
+        <a:lumOff val="35000"/>
+      </a:schemeClr>
+    </cs:fontRef>
+    <cs:spPr>
+      <a:solidFill>
+        <a:schemeClr val="lt1"/>
+      </a:solidFill>
+      <a:ln>
         <a:solidFill>
           <a:schemeClr val="dk1">
             <a:lumMod val="25000"/>
             <a:lumOff val="75000"/>
           </a:schemeClr>
         </a:solidFill>
-        <a:round/>
       </a:ln>
     </cs:spPr>
     <cs:defRPr sz="900" kern="1200"/>
-  </cs:chartArea>
-  <cs:dataLabel>
-    <cs:lnRef idx="0"/>
-    <cs:fillRef idx="0">
-      <cs:styleClr val="auto"/>
-    </cs:fillRef>
-    <cs:effectRef idx="0"/>
-    <cs:fontRef idx="minor">
-      <a:schemeClr val="lt1"/>
-    </cs:fontRef>
-    <cs:defRPr sz="900" b="1" i="0" u="none" strike="noStrike" kern="1200" baseline="0"/>
-  </cs:dataLabel>
-  <cs:dataLabelCallout>
-    <cs:lnRef idx="0"/>
-    <cs:fillRef idx="0"/>
-    <cs:effectRef idx="0"/>
-    <cs:fontRef idx="minor">
-      <a:schemeClr val="lt1"/>
-    </cs:fontRef>
-    <cs:spPr>
-      <a:solidFill>
-        <a:schemeClr val="dk1">
-          <a:lumMod val="65000"/>
-          <a:lumOff val="35000"/>
-          <a:alpha val="75000"/>
-        </a:schemeClr>
-      </a:solidFill>
-    </cs:spPr>
-    <cs:defRPr sz="900" b="1" kern="1200"/>
     <cs:bodyPr rot="0" spcFirstLastPara="1" vertOverflow="clip" horzOverflow="clip" vert="horz" wrap="square" lIns="36576" tIns="18288" rIns="36576" bIns="18288" anchor="ctr" anchorCtr="1">
       <a:spAutoFit/>
     </cs:bodyPr>
   </cs:dataLabelCallout>
   <cs:dataPoint>
     <cs:lnRef idx="0"/>
-    <cs:fillRef idx="0">
+    <cs:fillRef idx="1">
       <cs:styleClr val="auto"/>
     </cs:fillRef>
     <cs:effectRef idx="0"/>
     <cs:fontRef idx="minor">
-      <a:schemeClr val="dk1"/>
+      <a:schemeClr val="tx1"/>
     </cs:fontRef>
-    <cs:spPr>
-      <a:solidFill>
-        <a:schemeClr val="phClr">
-          <a:alpha val="85000"/>
-        </a:schemeClr>
-      </a:solidFill>
-      <a:ln w="9525" cap="flat" cmpd="sng" algn="ctr">
-        <a:solidFill>
-          <a:schemeClr val="lt1">
-            <a:alpha val="50000"/>
-          </a:schemeClr>
-        </a:solidFill>
-        <a:round/>
-      </a:ln>
-    </cs:spPr>
   </cs:dataPoint>
   <cs:dataPoint3D>
     <cs:lnRef idx="0"/>
-    <cs:fillRef idx="0">
+    <cs:fillRef idx="1">
       <cs:styleClr val="auto"/>
     </cs:fillRef>
     <cs:effectRef idx="0"/>
     <cs:fontRef idx="minor">
-      <a:schemeClr val="dk1"/>
+      <a:schemeClr val="tx1"/>
     </cs:fontRef>
-    <cs:spPr>
-      <a:solidFill>
-        <a:schemeClr val="phClr">
-          <a:alpha val="85000"/>
-        </a:schemeClr>
-      </a:solidFill>
-      <a:ln w="9525" cap="flat" cmpd="sng" algn="ctr">
-        <a:solidFill>
-          <a:schemeClr val="lt1">
-            <a:alpha val="50000"/>
-          </a:schemeClr>
-        </a:solidFill>
-        <a:round/>
-      </a:ln>
-    </cs:spPr>
   </cs:dataPoint3D>
   <cs:dataPointLine>
     <cs:lnRef idx="0">
       <cs:styleClr val="auto"/>
     </cs:lnRef>
-    <cs:fillRef idx="0"/>
+    <cs:fillRef idx="1"/>
     <cs:effectRef idx="0"/>
     <cs:fontRef idx="minor">
-      <a:schemeClr val="dk1"/>
+      <a:schemeClr val="tx1"/>
     </cs:fontRef>
     <cs:spPr>
-      <a:ln w="31750" cap="rnd">
+      <a:ln w="28575" cap="rnd">
         <a:solidFill>
           <a:schemeClr val="phClr"/>
         </a:solidFill>
@@ -1951,29 +1805,33 @@
     </cs:spPr>
   </cs:dataPointLine>
   <cs:dataPointMarker>
-    <cs:lnRef idx="0"/>
-    <cs:fillRef idx="0">
+    <cs:lnRef idx="0">
+      <cs:styleClr val="auto"/>
+    </cs:lnRef>
+    <cs:fillRef idx="1">
       <cs:styleClr val="auto"/>
     </cs:fillRef>
     <cs:effectRef idx="0"/>
     <cs:fontRef idx="minor">
-      <a:schemeClr val="dk1"/>
+      <a:schemeClr val="tx1"/>
     </cs:fontRef>
     <cs:spPr>
-      <a:solidFill>
-        <a:schemeClr val="phClr"/>
-      </a:solidFill>
+      <a:ln w="9525">
+        <a:solidFill>
+          <a:schemeClr val="phClr"/>
+        </a:solidFill>
+      </a:ln>
     </cs:spPr>
   </cs:dataPointMarker>
-  <cs:dataPointMarkerLayout symbol="circle" size="17"/>
+  <cs:dataPointMarkerLayout symbol="circle" size="5"/>
   <cs:dataPointWireframe>
     <cs:lnRef idx="0">
       <cs:styleClr val="auto"/>
     </cs:lnRef>
-    <cs:fillRef idx="0"/>
+    <cs:fillRef idx="1"/>
     <cs:effectRef idx="0"/>
     <cs:fontRef idx="minor">
-      <a:schemeClr val="dk1"/>
+      <a:schemeClr val="tx1"/>
     </cs:fontRef>
     <cs:spPr>
       <a:ln w="9525" cap="rnd">
@@ -1989,19 +1847,21 @@
     <cs:fillRef idx="0"/>
     <cs:effectRef idx="0"/>
     <cs:fontRef idx="minor">
-      <a:schemeClr val="dk1">
-        <a:lumMod val="75000"/>
-        <a:lumOff val="25000"/>
+      <a:schemeClr val="tx1">
+        <a:lumMod val="65000"/>
+        <a:lumOff val="35000"/>
       </a:schemeClr>
     </cs:fontRef>
     <cs:spPr>
-      <a:ln w="9525">
+      <a:noFill/>
+      <a:ln w="9525" cap="flat" cmpd="sng" algn="ctr">
         <a:solidFill>
-          <a:schemeClr val="dk1">
-            <a:lumMod val="35000"/>
-            <a:lumOff val="65000"/>
+          <a:schemeClr val="tx1">
+            <a:lumMod val="15000"/>
+            <a:lumOff val="85000"/>
           </a:schemeClr>
         </a:solidFill>
+        <a:round/>
       </a:ln>
     </cs:spPr>
     <cs:defRPr sz="900" kern="1200"/>
@@ -2016,13 +1876,13 @@
     <cs:spPr>
       <a:solidFill>
         <a:schemeClr val="dk1">
-          <a:lumMod val="50000"/>
-          <a:lumOff val="50000"/>
+          <a:lumMod val="65000"/>
+          <a:lumOff val="35000"/>
         </a:schemeClr>
       </a:solidFill>
       <a:ln w="9525">
         <a:solidFill>
-          <a:schemeClr val="dk1">
+          <a:schemeClr val="tx1">
             <a:lumMod val="65000"/>
             <a:lumOff val="35000"/>
           </a:schemeClr>
@@ -2035,17 +1895,17 @@
     <cs:fillRef idx="0"/>
     <cs:effectRef idx="0"/>
     <cs:fontRef idx="minor">
-      <a:schemeClr val="dk1"/>
+      <a:schemeClr val="tx1"/>
     </cs:fontRef>
     <cs:spPr>
-      <a:ln w="9525">
+      <a:ln w="9525" cap="flat" cmpd="sng" algn="ctr">
         <a:solidFill>
-          <a:schemeClr val="dk1">
+          <a:schemeClr val="tx1">
             <a:lumMod val="35000"/>
             <a:lumOff val="65000"/>
           </a:schemeClr>
         </a:solidFill>
-        <a:prstDash val="dash"/>
+        <a:round/>
       </a:ln>
     </cs:spPr>
   </cs:dropLine>
@@ -2054,12 +1914,12 @@
     <cs:fillRef idx="0"/>
     <cs:effectRef idx="0"/>
     <cs:fontRef idx="minor">
-      <a:schemeClr val="dk1"/>
+      <a:schemeClr val="tx1"/>
     </cs:fontRef>
     <cs:spPr>
-      <a:ln w="9525">
+      <a:ln w="9525" cap="flat" cmpd="sng" algn="ctr">
         <a:solidFill>
-          <a:schemeClr val="dk1">
+          <a:schemeClr val="tx1">
             <a:lumMod val="65000"/>
             <a:lumOff val="35000"/>
           </a:schemeClr>
@@ -2073,36 +1933,30 @@
     <cs:fillRef idx="0"/>
     <cs:effectRef idx="0"/>
     <cs:fontRef idx="minor">
-      <a:schemeClr val="dk1"/>
+      <a:schemeClr val="tx1"/>
     </cs:fontRef>
+    <cs:spPr>
+      <a:noFill/>
+      <a:ln>
+        <a:noFill/>
+      </a:ln>
+    </cs:spPr>
   </cs:floor>
   <cs:gridlineMajor>
     <cs:lnRef idx="0"/>
     <cs:fillRef idx="0"/>
     <cs:effectRef idx="0"/>
     <cs:fontRef idx="minor">
-      <a:schemeClr val="dk1"/>
+      <a:schemeClr val="tx1"/>
     </cs:fontRef>
     <cs:spPr>
       <a:ln w="9525" cap="flat" cmpd="sng" algn="ctr">
-        <a:gradFill>
-          <a:gsLst>
-            <a:gs pos="100000">
-              <a:schemeClr val="dk1">
-                <a:lumMod val="95000"/>
-                <a:lumOff val="5000"/>
-                <a:alpha val="42000"/>
-              </a:schemeClr>
-            </a:gs>
-            <a:gs pos="0">
-              <a:schemeClr val="lt1">
-                <a:lumMod val="75000"/>
-                <a:alpha val="36000"/>
-              </a:schemeClr>
-            </a:gs>
-          </a:gsLst>
-          <a:lin ang="5400000" scaled="0"/>
-        </a:gradFill>
+        <a:solidFill>
+          <a:schemeClr val="tx1">
+            <a:lumMod val="15000"/>
+            <a:lumOff val="85000"/>
+          </a:schemeClr>
+        </a:solidFill>
         <a:round/>
       </a:ln>
     </cs:spPr>
@@ -2112,28 +1966,17 @@
     <cs:fillRef idx="0"/>
     <cs:effectRef idx="0"/>
     <cs:fontRef idx="minor">
-      <a:schemeClr val="dk1"/>
+      <a:schemeClr val="tx1"/>
     </cs:fontRef>
     <cs:spPr>
-      <a:ln>
-        <a:gradFill>
-          <a:gsLst>
-            <a:gs pos="100000">
-              <a:schemeClr val="dk1">
-                <a:lumMod val="95000"/>
-                <a:lumOff val="5000"/>
-                <a:alpha val="42000"/>
-              </a:schemeClr>
-            </a:gs>
-            <a:gs pos="0">
-              <a:schemeClr val="lt1">
-                <a:lumMod val="75000"/>
-                <a:alpha val="36000"/>
-              </a:schemeClr>
-            </a:gs>
-          </a:gsLst>
-          <a:lin ang="5400000" scaled="0"/>
-        </a:gradFill>
+      <a:ln w="9525" cap="flat" cmpd="sng" algn="ctr">
+        <a:solidFill>
+          <a:schemeClr val="tx1">
+            <a:lumMod val="5000"/>
+            <a:lumOff val="95000"/>
+          </a:schemeClr>
+        </a:solidFill>
+        <a:round/>
       </a:ln>
     </cs:spPr>
   </cs:gridlineMinor>
@@ -2142,17 +1985,17 @@
     <cs:fillRef idx="0"/>
     <cs:effectRef idx="0"/>
     <cs:fontRef idx="minor">
-      <a:schemeClr val="dk1"/>
+      <a:schemeClr val="tx1"/>
     </cs:fontRef>
     <cs:spPr>
-      <a:ln w="9525">
+      <a:ln w="9525" cap="flat" cmpd="sng" algn="ctr">
         <a:solidFill>
-          <a:schemeClr val="dk1">
-            <a:lumMod val="35000"/>
-            <a:lumOff val="65000"/>
+          <a:schemeClr val="tx1">
+            <a:lumMod val="75000"/>
+            <a:lumOff val="25000"/>
           </a:schemeClr>
         </a:solidFill>
-        <a:prstDash val="dash"/>
+        <a:round/>
       </a:ln>
     </cs:spPr>
   </cs:hiLoLine>
@@ -2161,16 +2004,17 @@
     <cs:fillRef idx="0"/>
     <cs:effectRef idx="0"/>
     <cs:fontRef idx="minor">
-      <a:schemeClr val="dk1"/>
+      <a:schemeClr val="tx1"/>
     </cs:fontRef>
     <cs:spPr>
-      <a:ln w="9525">
+      <a:ln w="9525" cap="flat" cmpd="sng" algn="ctr">
         <a:solidFill>
-          <a:schemeClr val="dk1">
-            <a:lumMod val="50000"/>
-            <a:lumOff val="50000"/>
+          <a:schemeClr val="tx1">
+            <a:lumMod val="35000"/>
+            <a:lumOff val="65000"/>
           </a:schemeClr>
         </a:solidFill>
+        <a:round/>
       </a:ln>
     </cs:spPr>
   </cs:leaderLine>
@@ -2179,35 +2023,27 @@
     <cs:fillRef idx="0"/>
     <cs:effectRef idx="0"/>
     <cs:fontRef idx="minor">
-      <a:schemeClr val="dk1">
-        <a:lumMod val="75000"/>
-        <a:lumOff val="25000"/>
+      <a:schemeClr val="tx1">
+        <a:lumMod val="65000"/>
+        <a:lumOff val="35000"/>
       </a:schemeClr>
     </cs:fontRef>
-    <cs:spPr>
-      <a:solidFill>
-        <a:schemeClr val="lt1">
-          <a:lumMod val="95000"/>
-          <a:alpha val="39000"/>
-        </a:schemeClr>
-      </a:solidFill>
-    </cs:spPr>
     <cs:defRPr sz="900" kern="1200"/>
   </cs:legend>
-  <cs:plotArea>
+  <cs:plotArea mods="allowNoFillOverride allowNoLineOverride">
     <cs:lnRef idx="0"/>
     <cs:fillRef idx="0"/>
     <cs:effectRef idx="0"/>
     <cs:fontRef idx="minor">
-      <a:schemeClr val="dk1"/>
+      <a:schemeClr val="tx1"/>
     </cs:fontRef>
   </cs:plotArea>
-  <cs:plotArea3D>
+  <cs:plotArea3D mods="allowNoFillOverride allowNoLineOverride">
     <cs:lnRef idx="0"/>
     <cs:fillRef idx="0"/>
     <cs:effectRef idx="0"/>
     <cs:fontRef idx="minor">
-      <a:schemeClr val="dk1"/>
+      <a:schemeClr val="tx1"/>
     </cs:fontRef>
   </cs:plotArea3D>
   <cs:seriesAxis>
@@ -2215,22 +2051,11 @@
     <cs:fillRef idx="0"/>
     <cs:effectRef idx="0"/>
     <cs:fontRef idx="minor">
-      <a:schemeClr val="dk1">
-        <a:lumMod val="75000"/>
-        <a:lumOff val="25000"/>
+      <a:schemeClr val="tx1">
+        <a:lumMod val="65000"/>
+        <a:lumOff val="35000"/>
       </a:schemeClr>
     </cs:fontRef>
-    <cs:spPr>
-      <a:ln w="31750" cap="flat" cmpd="sng" algn="ctr">
-        <a:solidFill>
-          <a:schemeClr val="dk1">
-            <a:lumMod val="75000"/>
-            <a:lumOff val="25000"/>
-          </a:schemeClr>
-        </a:solidFill>
-        <a:round/>
-      </a:ln>
-    </cs:spPr>
     <cs:defRPr sz="900" kern="1200"/>
   </cs:seriesAxis>
   <cs:seriesLine>
@@ -2238,14 +2063,14 @@
     <cs:fillRef idx="0"/>
     <cs:effectRef idx="0"/>
     <cs:fontRef idx="minor">
-      <a:schemeClr val="dk1"/>
+      <a:schemeClr val="tx1"/>
     </cs:fontRef>
     <cs:spPr>
-      <a:ln w="9525">
+      <a:ln w="9525" cap="flat" cmpd="sng" algn="ctr">
         <a:solidFill>
-          <a:schemeClr val="dk1">
-            <a:lumMod val="50000"/>
-            <a:lumOff val="50000"/>
+          <a:schemeClr val="tx1">
+            <a:lumMod val="35000"/>
+            <a:lumOff val="65000"/>
           </a:schemeClr>
         </a:solidFill>
         <a:round/>
@@ -2257,12 +2082,12 @@
     <cs:fillRef idx="0"/>
     <cs:effectRef idx="0"/>
     <cs:fontRef idx="minor">
-      <a:schemeClr val="dk1">
-        <a:lumMod val="75000"/>
-        <a:lumOff val="25000"/>
+      <a:schemeClr val="tx1">
+        <a:lumMod val="65000"/>
+        <a:lumOff val="35000"/>
       </a:schemeClr>
     </cs:fontRef>
-    <cs:defRPr sz="1800" b="1" kern="1200" baseline="0"/>
+    <cs:defRPr sz="1400" b="0" kern="1200" spc="0" baseline="0"/>
   </cs:title>
   <cs:trendline>
     <cs:lnRef idx="0">
@@ -2271,13 +2096,14 @@
     <cs:fillRef idx="0"/>
     <cs:effectRef idx="0"/>
     <cs:fontRef idx="minor">
-      <a:schemeClr val="dk1"/>
+      <a:schemeClr val="tx1"/>
     </cs:fontRef>
     <cs:spPr>
       <a:ln w="19050" cap="rnd">
         <a:solidFill>
           <a:schemeClr val="phClr"/>
         </a:solidFill>
+        <a:prstDash val="sysDot"/>
       </a:ln>
     </cs:spPr>
   </cs:trendline>
@@ -2286,9 +2112,9 @@
     <cs:fillRef idx="0"/>
     <cs:effectRef idx="0"/>
     <cs:fontRef idx="minor">
-      <a:schemeClr val="dk1">
-        <a:lumMod val="75000"/>
-        <a:lumOff val="25000"/>
+      <a:schemeClr val="tx1">
+        <a:lumMod val="65000"/>
+        <a:lumOff val="35000"/>
       </a:schemeClr>
     </cs:fontRef>
     <cs:defRPr sz="900" kern="1200"/>
@@ -2306,9 +2132,9 @@
       </a:solidFill>
       <a:ln w="9525">
         <a:solidFill>
-          <a:schemeClr val="dk1">
-            <a:lumMod val="65000"/>
-            <a:lumOff val="35000"/>
+          <a:schemeClr val="tx1">
+            <a:lumMod val="15000"/>
+            <a:lumOff val="85000"/>
           </a:schemeClr>
         </a:solidFill>
       </a:ln>
@@ -2319,16 +2145,11 @@
     <cs:fillRef idx="0"/>
     <cs:effectRef idx="0"/>
     <cs:fontRef idx="minor">
-      <a:schemeClr val="dk1">
-        <a:lumMod val="75000"/>
-        <a:lumOff val="25000"/>
+      <a:schemeClr val="tx1">
+        <a:lumMod val="65000"/>
+        <a:lumOff val="35000"/>
       </a:schemeClr>
     </cs:fontRef>
-    <cs:spPr>
-      <a:ln>
-        <a:noFill/>
-      </a:ln>
-    </cs:spPr>
     <cs:defRPr sz="900" kern="1200"/>
   </cs:valueAxis>
   <cs:wall>
@@ -2336,8 +2157,14 @@
     <cs:fillRef idx="0"/>
     <cs:effectRef idx="0"/>
     <cs:fontRef idx="minor">
-      <a:schemeClr val="dk1"/>
+      <a:schemeClr val="tx1"/>
     </cs:fontRef>
+    <cs:spPr>
+      <a:noFill/>
+      <a:ln>
+        <a:noFill/>
+      </a:ln>
+    </cs:spPr>
   </cs:wall>
 </cs:chartStyle>
 </file>
@@ -3368,7 +3195,7 @@
           <a:lstStyle/>
           <a:p>
             <a:pPr rtl="0"/>
-            <a:fld id="{C5498FFD-EAD9-4585-A194-3220D3007036}" type="datetime1">
+            <a:fld id="{F7AC725E-3E3F-4A54-AC04-0166D3B11722}" type="datetime1">
               <a:rPr lang="fr-FR" noProof="0" smtClean="0"/>
               <a:t>15/03/2023</a:t>
             </a:fld>
@@ -3666,7 +3493,7 @@
           <a:lstStyle/>
           <a:p>
             <a:pPr rtl="0"/>
-            <a:fld id="{50A0745B-DC62-4654-8AEF-5D3FD4494526}" type="datetime1">
+            <a:fld id="{674CA073-9C55-49DE-AC7B-3A0AA6A244CE}" type="datetime1">
               <a:rPr lang="fr-FR" noProof="0" smtClean="0"/>
               <a:t>15/03/2023</a:t>
             </a:fld>
@@ -3916,7 +3743,7 @@
           <a:lstStyle/>
           <a:p>
             <a:pPr rtl="0"/>
-            <a:fld id="{52B25911-6907-4BD4-878D-7E043B5E123C}" type="datetime1">
+            <a:fld id="{BCB371AD-9995-436E-BB82-FC272E15159A}" type="datetime1">
               <a:rPr lang="fr-FR" noProof="0" smtClean="0"/>
               <a:t>15/03/2023</a:t>
             </a:fld>
@@ -4458,7 +4285,7 @@
           <a:lstStyle/>
           <a:p>
             <a:pPr rtl="0"/>
-            <a:fld id="{C059C4D4-B58A-45A3-99D0-1C9725606474}" type="datetime1">
+            <a:fld id="{61C91E26-E7DD-4F6E-8D0A-77A709F9F521}" type="datetime1">
               <a:rPr lang="fr-FR" noProof="0" smtClean="0"/>
               <a:t>15/03/2023</a:t>
             </a:fld>
@@ -4708,7 +4535,7 @@
           <a:lstStyle/>
           <a:p>
             <a:pPr rtl="0"/>
-            <a:fld id="{57B0A11B-3B38-45BB-A21B-D1904BF4FCAB}" type="datetime1">
+            <a:fld id="{883033ED-2F05-4834-B33E-DF26FE621189}" type="datetime1">
               <a:rPr lang="fr-FR" noProof="0" smtClean="0"/>
               <a:t>15/03/2023</a:t>
             </a:fld>
@@ -5237,7 +5064,7 @@
           <a:lstStyle/>
           <a:p>
             <a:pPr rtl="0"/>
-            <a:fld id="{E9365DFE-E4AB-44B0-BBA3-B1FE2B7ED134}" type="datetime1">
+            <a:fld id="{09EBF333-F4BA-4301-ABCA-BC465B2B8379}" type="datetime1">
               <a:rPr lang="fr-FR" noProof="0" smtClean="0"/>
               <a:t>15/03/2023</a:t>
             </a:fld>
@@ -5530,7 +5357,7 @@
           <a:lstStyle/>
           <a:p>
             <a:pPr rtl="0"/>
-            <a:fld id="{4236A796-F0B2-48C0-BFD0-8A48AC76542F}" type="datetime1">
+            <a:fld id="{025361F4-B356-4B70-A2D6-F1A4787EC892}" type="datetime1">
               <a:rPr lang="fr-FR" noProof="0" smtClean="0"/>
               <a:t>15/03/2023</a:t>
             </a:fld>
@@ -5705,7 +5532,7 @@
           <a:lstStyle/>
           <a:p>
             <a:pPr rtl="0"/>
-            <a:fld id="{35E6A9D2-68E7-49D6-9E6D-F7BC4D3A4536}" type="datetime1">
+            <a:fld id="{3BAEFA78-A951-4BAB-8D16-2C67F4C468B1}" type="datetime1">
               <a:rPr lang="fr-FR" noProof="0" smtClean="0"/>
               <a:t>15/03/2023</a:t>
             </a:fld>
@@ -5886,7 +5713,7 @@
           <a:lstStyle/>
           <a:p>
             <a:pPr rtl="0"/>
-            <a:fld id="{13DF2C16-2E7D-4907-86B0-534AE854E01B}" type="datetime1">
+            <a:fld id="{A4C5F008-7FAC-4C78-8F53-23F4DD3E7EBC}" type="datetime1">
               <a:rPr lang="fr-FR" noProof="0" smtClean="0"/>
               <a:t>15/03/2023</a:t>
             </a:fld>
@@ -6062,7 +5889,7 @@
           <a:lstStyle/>
           <a:p>
             <a:pPr rtl="0"/>
-            <a:fld id="{CDF39FD1-D577-4483-9693-BC309742BFEC}" type="datetime1">
+            <a:fld id="{DAD54766-8C5B-45C4-88FE-6DDAAE51BE07}" type="datetime1">
               <a:rPr lang="fr-FR" noProof="0" smtClean="0"/>
               <a:t>15/03/2023</a:t>
             </a:fld>
@@ -6315,7 +6142,7 @@
           <a:lstStyle/>
           <a:p>
             <a:pPr rtl="0"/>
-            <a:fld id="{AF8A4CB7-6AE5-4745-8BD0-A3CD7A710C8E}" type="datetime1">
+            <a:fld id="{7ABE38DD-3771-469C-814C-FF7BF763B4FA}" type="datetime1">
               <a:rPr lang="fr-FR" noProof="0" smtClean="0"/>
               <a:t>15/03/2023</a:t>
             </a:fld>
@@ -6612,7 +6439,7 @@
           <a:lstStyle/>
           <a:p>
             <a:pPr rtl="0"/>
-            <a:fld id="{8A7559DF-0219-492D-955E-3D8A90E4F3F9}" type="datetime1">
+            <a:fld id="{144BA51A-C114-41CA-AF7B-15FB10F5652F}" type="datetime1">
               <a:rPr lang="fr-FR" noProof="0" smtClean="0"/>
               <a:t>15/03/2023</a:t>
             </a:fld>
@@ -7054,7 +6881,7 @@
           <a:lstStyle/>
           <a:p>
             <a:pPr rtl="0"/>
-            <a:fld id="{608A2168-E458-4CEC-B689-B506F86AAB4F}" type="datetime1">
+            <a:fld id="{FDA22AF6-F21A-42C6-9AA1-D738DED4B3FB}" type="datetime1">
               <a:rPr lang="fr-FR" noProof="0" smtClean="0"/>
               <a:t>15/03/2023</a:t>
             </a:fld>
@@ -7174,7 +7001,7 @@
           <a:lstStyle/>
           <a:p>
             <a:pPr rtl="0"/>
-            <a:fld id="{9B001CB9-777F-46D1-B2EC-DC3BA2FDDFA9}" type="datetime1">
+            <a:fld id="{093783DB-9ACD-4D37-AE89-5C33E2728DB5}" type="datetime1">
               <a:rPr lang="fr-FR" noProof="0" smtClean="0"/>
               <a:t>15/03/2023</a:t>
             </a:fld>
@@ -7271,7 +7098,7 @@
           <a:lstStyle/>
           <a:p>
             <a:pPr rtl="0"/>
-            <a:fld id="{4D7956E9-AEC0-4DA1-BB87-2BA809D7EB38}" type="datetime1">
+            <a:fld id="{D9050DA6-31AD-445E-8018-032338D340FD}" type="datetime1">
               <a:rPr lang="fr-FR" noProof="0" smtClean="0"/>
               <a:t>15/03/2023</a:t>
             </a:fld>
@@ -7555,7 +7382,7 @@
           <a:lstStyle/>
           <a:p>
             <a:pPr rtl="0"/>
-            <a:fld id="{AFE9DDED-1587-4748-A10C-1C559DC89EFD}" type="datetime1">
+            <a:fld id="{C39A2106-C75F-410C-9CB2-8E2EFAF868DC}" type="datetime1">
               <a:rPr lang="fr-FR" noProof="0" smtClean="0"/>
               <a:t>15/03/2023</a:t>
             </a:fld>
@@ -7848,7 +7675,7 @@
           <a:lstStyle/>
           <a:p>
             <a:pPr rtl="0"/>
-            <a:fld id="{56C38EC1-8C78-490D-93C7-F0929EF1A746}" type="datetime1">
+            <a:fld id="{E41DB17A-1B3E-4E3F-9CE7-090CF0DACBA6}" type="datetime1">
               <a:rPr lang="fr-FR" noProof="0" smtClean="0"/>
               <a:t>15/03/2023</a:t>
             </a:fld>
@@ -8379,7 +8206,7 @@
           </a:lstStyle>
           <a:p>
             <a:pPr rtl="0"/>
-            <a:fld id="{4A389481-0702-4F41-9EB5-E681FC51ED9F}" type="datetime1">
+            <a:fld id="{A17AD5CF-98FE-4D4D-9BB7-9016A7623B2F}" type="datetime1">
               <a:rPr lang="fr-FR" noProof="0" smtClean="0"/>
               <a:t>15/03/2023</a:t>
             </a:fld>
@@ -9362,6 +9189,42 @@
           </a:p>
         </p:txBody>
       </p:sp>
+      <p:sp>
+        <p:nvSpPr>
+          <p:cNvPr id="8" name="Espace réservé du numéro de diapositive 4">
+            <a:extLst>
+              <a:ext uri="{FF2B5EF4-FFF2-40B4-BE49-F238E27FC236}">
+                <a16:creationId xmlns:a16="http://schemas.microsoft.com/office/drawing/2014/main" id="{C83545B9-97F4-4DCD-9B80-A1AFF2BD35E8}"/>
+              </a:ext>
+            </a:extLst>
+          </p:cNvPr>
+          <p:cNvSpPr>
+            <a:spLocks noGrp="1"/>
+          </p:cNvSpPr>
+          <p:nvPr>
+            <p:ph type="sldNum" sz="quarter" idx="12"/>
+          </p:nvPr>
+        </p:nvSpPr>
+        <p:spPr>
+          <a:xfrm>
+            <a:off x="10746298" y="5883275"/>
+            <a:ext cx="756726" cy="365125"/>
+          </a:xfrm>
+        </p:spPr>
+        <p:txBody>
+          <a:bodyPr/>
+          <a:lstStyle/>
+          <a:p>
+            <a:pPr rtl="0"/>
+            <a:fld id="{D57F1E4F-1CFF-5643-939E-217C01CDF565}" type="slidenum">
+              <a:rPr lang="fr-FR" sz="3600" noProof="0" smtClean="0"/>
+              <a:pPr rtl="0"/>
+              <a:t>1</a:t>
+            </a:fld>
+            <a:endParaRPr lang="fr-FR" sz="3600" noProof="0" dirty="0"/>
+          </a:p>
+        </p:txBody>
+      </p:sp>
     </p:spTree>
     <p:extLst>
       <p:ext uri="{BB962C8B-B14F-4D97-AF65-F5344CB8AC3E}">
@@ -9719,10 +9582,260 @@
           </a:p>
         </p:txBody>
       </p:sp>
+      <p:sp>
+        <p:nvSpPr>
+          <p:cNvPr id="9" name="Espace réservé du numéro de diapositive 4">
+            <a:extLst>
+              <a:ext uri="{FF2B5EF4-FFF2-40B4-BE49-F238E27FC236}">
+                <a16:creationId xmlns:a16="http://schemas.microsoft.com/office/drawing/2014/main" id="{98A31769-B34B-4419-B321-5DB08E1572E7}"/>
+              </a:ext>
+            </a:extLst>
+          </p:cNvPr>
+          <p:cNvSpPr>
+            <a:spLocks noGrp="1"/>
+          </p:cNvSpPr>
+          <p:nvPr>
+            <p:ph type="sldNum" sz="quarter" idx="12"/>
+          </p:nvPr>
+        </p:nvSpPr>
+        <p:spPr>
+          <a:xfrm>
+            <a:off x="10746298" y="5883275"/>
+            <a:ext cx="756726" cy="365125"/>
+          </a:xfrm>
+        </p:spPr>
+        <p:txBody>
+          <a:bodyPr/>
+          <a:lstStyle/>
+          <a:p>
+            <a:pPr rtl="0"/>
+            <a:fld id="{D57F1E4F-1CFF-5643-939E-217C01CDF565}" type="slidenum">
+              <a:rPr lang="fr-FR" sz="3600" noProof="0" smtClean="0"/>
+              <a:pPr rtl="0"/>
+              <a:t>10</a:t>
+            </a:fld>
+            <a:endParaRPr lang="fr-FR" sz="3600" noProof="0" dirty="0"/>
+          </a:p>
+        </p:txBody>
+      </p:sp>
     </p:spTree>
     <p:extLst>
       <p:ext uri="{BB962C8B-B14F-4D97-AF65-F5344CB8AC3E}">
         <p14:creationId xmlns:p14="http://schemas.microsoft.com/office/powerpoint/2010/main" val="2671687526"/>
+      </p:ext>
+    </p:extLst>
+  </p:cSld>
+  <p:clrMapOvr>
+    <a:masterClrMapping/>
+  </p:clrMapOvr>
+</p:sld>
+</file>
+
+<file path=ppt/slides/slide11.xml><?xml version="1.0" encoding="utf-8"?>
+<p:sld xmlns:a="http://schemas.openxmlformats.org/drawingml/2006/main" xmlns:r="http://schemas.openxmlformats.org/officeDocument/2006/relationships" xmlns:p="http://schemas.openxmlformats.org/presentationml/2006/main">
+  <p:cSld>
+    <p:spTree>
+      <p:nvGrpSpPr>
+        <p:cNvPr id="1" name=""/>
+        <p:cNvGrpSpPr/>
+        <p:nvPr/>
+      </p:nvGrpSpPr>
+      <p:grpSpPr>
+        <a:xfrm>
+          <a:off x="0" y="0"/>
+          <a:ext cx="0" cy="0"/>
+          <a:chOff x="0" y="0"/>
+          <a:chExt cx="0" cy="0"/>
+        </a:xfrm>
+      </p:grpSpPr>
+      <p:sp>
+        <p:nvSpPr>
+          <p:cNvPr id="5" name="Titre 4">
+            <a:extLst>
+              <a:ext uri="{FF2B5EF4-FFF2-40B4-BE49-F238E27FC236}">
+                <a16:creationId xmlns:a16="http://schemas.microsoft.com/office/drawing/2014/main" id="{9CDF639A-B306-4553-A399-1FAE7490246A}"/>
+              </a:ext>
+            </a:extLst>
+          </p:cNvPr>
+          <p:cNvSpPr>
+            <a:spLocks noGrp="1"/>
+          </p:cNvSpPr>
+          <p:nvPr>
+            <p:ph type="ctrTitle"/>
+          </p:nvPr>
+        </p:nvSpPr>
+        <p:spPr>
+          <a:xfrm>
+            <a:off x="2928401" y="1380068"/>
+            <a:ext cx="8574622" cy="1069517"/>
+          </a:xfrm>
+        </p:spPr>
+        <p:txBody>
+          <a:bodyPr>
+            <a:normAutofit/>
+          </a:bodyPr>
+          <a:lstStyle/>
+          <a:p>
+            <a:r>
+              <a:rPr lang="fr-CH" sz="6300" dirty="0"/>
+              <a:t>Merci pour votre écoute !</a:t>
+            </a:r>
+          </a:p>
+        </p:txBody>
+      </p:sp>
+      <p:sp>
+        <p:nvSpPr>
+          <p:cNvPr id="12" name="Sous-titre 11">
+            <a:extLst>
+              <a:ext uri="{FF2B5EF4-FFF2-40B4-BE49-F238E27FC236}">
+                <a16:creationId xmlns:a16="http://schemas.microsoft.com/office/drawing/2014/main" id="{85E803CC-EC19-4A7E-BD3D-63C5D6C21B88}"/>
+              </a:ext>
+            </a:extLst>
+          </p:cNvPr>
+          <p:cNvSpPr>
+            <a:spLocks noGrp="1"/>
+          </p:cNvSpPr>
+          <p:nvPr>
+            <p:ph type="subTitle" idx="1"/>
+          </p:nvPr>
+        </p:nvSpPr>
+        <p:spPr/>
+        <p:txBody>
+          <a:bodyPr>
+            <a:normAutofit/>
+          </a:bodyPr>
+          <a:lstStyle/>
+          <a:p>
+            <a:r>
+              <a:rPr lang="fr-CH" sz="3200" dirty="0"/>
+              <a:t>Avez-vous des questions ?</a:t>
+            </a:r>
+          </a:p>
+        </p:txBody>
+      </p:sp>
+      <p:sp>
+        <p:nvSpPr>
+          <p:cNvPr id="4" name="Espace réservé du pied de page 3">
+            <a:extLst>
+              <a:ext uri="{FF2B5EF4-FFF2-40B4-BE49-F238E27FC236}">
+                <a16:creationId xmlns:a16="http://schemas.microsoft.com/office/drawing/2014/main" id="{6885CD8E-41C2-464B-934B-EE61BCB946BE}"/>
+              </a:ext>
+            </a:extLst>
+          </p:cNvPr>
+          <p:cNvSpPr>
+            <a:spLocks noGrp="1"/>
+          </p:cNvSpPr>
+          <p:nvPr>
+            <p:ph type="ftr" sz="quarter" idx="11"/>
+          </p:nvPr>
+        </p:nvSpPr>
+        <p:spPr/>
+        <p:txBody>
+          <a:bodyPr anchor="ctr">
+            <a:normAutofit/>
+          </a:bodyPr>
+          <a:lstStyle/>
+          <a:p>
+            <a:pPr rtl="0">
+              <a:spcAft>
+                <a:spcPts val="600"/>
+              </a:spcAft>
+            </a:pPr>
+            <a:r>
+              <a:rPr lang="fr-FR" noProof="0"/>
+              <a:t>ETML - P_Appro1 2023</a:t>
+            </a:r>
+          </a:p>
+        </p:txBody>
+      </p:sp>
+      <p:pic>
+        <p:nvPicPr>
+          <p:cNvPr id="5124" name="Picture 4" descr="Gender Equality icon">
+            <a:extLst>
+              <a:ext uri="{FF2B5EF4-FFF2-40B4-BE49-F238E27FC236}">
+                <a16:creationId xmlns:a16="http://schemas.microsoft.com/office/drawing/2014/main" id="{F94CD12B-94F2-48BE-B3C4-09CEE0F7ECA5}"/>
+              </a:ext>
+            </a:extLst>
+          </p:cNvPr>
+          <p:cNvPicPr>
+            <a:picLocks noChangeAspect="1" noChangeArrowheads="1"/>
+          </p:cNvPicPr>
+          <p:nvPr/>
+        </p:nvPicPr>
+        <p:blipFill>
+          <a:blip r:embed="rId2">
+            <a:alphaModFix amt="5000"/>
+            <a:extLst>
+              <a:ext uri="{28A0092B-C50C-407E-A947-70E740481C1C}">
+                <a14:useLocalDpi xmlns:a14="http://schemas.microsoft.com/office/drawing/2010/main" val="0"/>
+              </a:ext>
+            </a:extLst>
+          </a:blip>
+          <a:srcRect/>
+          <a:stretch>
+            <a:fillRect/>
+          </a:stretch>
+        </p:blipFill>
+        <p:spPr bwMode="auto">
+          <a:xfrm>
+            <a:off x="1402549" y="6679036"/>
+            <a:ext cx="163523" cy="178964"/>
+          </a:xfrm>
+          <a:prstGeom prst="rect">
+            <a:avLst/>
+          </a:prstGeom>
+          <a:noFill/>
+          <a:extLst>
+            <a:ext uri="{909E8E84-426E-40DD-AFC4-6F175D3DCCD1}">
+              <a14:hiddenFill xmlns:a14="http://schemas.microsoft.com/office/drawing/2010/main">
+                <a:solidFill>
+                  <a:srgbClr val="FFFFFF"/>
+                </a:solidFill>
+              </a14:hiddenFill>
+            </a:ext>
+          </a:extLst>
+        </p:spPr>
+      </p:pic>
+      <p:pic>
+        <p:nvPicPr>
+          <p:cNvPr id="16" name="Graphique 15" descr="Questions">
+            <a:extLst>
+              <a:ext uri="{FF2B5EF4-FFF2-40B4-BE49-F238E27FC236}">
+                <a16:creationId xmlns:a16="http://schemas.microsoft.com/office/drawing/2014/main" id="{3F0F7800-78CB-4BF0-BE61-898660E1238D}"/>
+              </a:ext>
+            </a:extLst>
+          </p:cNvPr>
+          <p:cNvPicPr>
+            <a:picLocks noChangeAspect="1"/>
+          </p:cNvPicPr>
+          <p:nvPr/>
+        </p:nvPicPr>
+        <p:blipFill>
+          <a:blip r:embed="rId3">
+            <a:extLst>
+              <a:ext uri="{96DAC541-7B7A-43D3-8B79-37D633B846F1}">
+                <asvg:svgBlip xmlns:asvg="http://schemas.microsoft.com/office/drawing/2016/SVG/main" r:embed="rId4"/>
+              </a:ext>
+            </a:extLst>
+          </a:blip>
+          <a:stretch>
+            <a:fillRect/>
+          </a:stretch>
+        </p:blipFill>
+        <p:spPr>
+          <a:xfrm>
+            <a:off x="3742887" y="2636240"/>
+            <a:ext cx="2431409" cy="2431409"/>
+          </a:xfrm>
+          <a:prstGeom prst="rect">
+            <a:avLst/>
+          </a:prstGeom>
+        </p:spPr>
+      </p:pic>
+    </p:spTree>
+    <p:extLst>
+      <p:ext uri="{BB962C8B-B14F-4D97-AF65-F5344CB8AC3E}">
+        <p14:creationId xmlns:p14="http://schemas.microsoft.com/office/powerpoint/2010/main" val="2684598916"/>
       </p:ext>
     </p:extLst>
   </p:cSld>
@@ -9907,6 +10020,42 @@
               <a:t>ETML - P_Appro1 2023</a:t>
             </a:r>
             <a:endParaRPr lang="fr-CH" dirty="0"/>
+          </a:p>
+        </p:txBody>
+      </p:sp>
+      <p:sp>
+        <p:nvSpPr>
+          <p:cNvPr id="7" name="Espace réservé du numéro de diapositive 4">
+            <a:extLst>
+              <a:ext uri="{FF2B5EF4-FFF2-40B4-BE49-F238E27FC236}">
+                <a16:creationId xmlns:a16="http://schemas.microsoft.com/office/drawing/2014/main" id="{6D25FDA7-38C5-472A-A29C-048154673681}"/>
+              </a:ext>
+            </a:extLst>
+          </p:cNvPr>
+          <p:cNvSpPr>
+            <a:spLocks noGrp="1"/>
+          </p:cNvSpPr>
+          <p:nvPr>
+            <p:ph type="sldNum" sz="quarter" idx="12"/>
+          </p:nvPr>
+        </p:nvSpPr>
+        <p:spPr>
+          <a:xfrm>
+            <a:off x="10746298" y="5883275"/>
+            <a:ext cx="756726" cy="365125"/>
+          </a:xfrm>
+        </p:spPr>
+        <p:txBody>
+          <a:bodyPr/>
+          <a:lstStyle/>
+          <a:p>
+            <a:pPr rtl="0"/>
+            <a:fld id="{D57F1E4F-1CFF-5643-939E-217C01CDF565}" type="slidenum">
+              <a:rPr lang="fr-FR" sz="3600" noProof="0" smtClean="0"/>
+              <a:pPr rtl="0"/>
+              <a:t>2</a:t>
+            </a:fld>
+            <a:endParaRPr lang="fr-FR" sz="3600" noProof="0" dirty="0"/>
           </a:p>
         </p:txBody>
       </p:sp>
@@ -9995,6 +10144,25 @@
               <a:buFont typeface="Wingdings" panose="05000000000000000000" pitchFamily="2" charset="2"/>
               <a:buChar char="v"/>
             </a:pPr>
+            <a:r>
+              <a:rPr lang="fr-CH" sz="2800" dirty="0"/>
+              <a:t>Méthodologie des 6 pas</a:t>
+            </a:r>
+          </a:p>
+          <a:p>
+            <a:pPr>
+              <a:buSzPct val="100000"/>
+              <a:buFont typeface="Wingdings" panose="05000000000000000000" pitchFamily="2" charset="2"/>
+              <a:buChar char="v"/>
+            </a:pPr>
+            <a:r>
+              <a:rPr lang="fr-CH" sz="2800" dirty="0"/>
+              <a:t>Outil de </a:t>
+            </a:r>
+            <a:r>
+              <a:rPr lang="fr-CH" sz="2800" dirty="0" err="1"/>
+              <a:t>versionning</a:t>
+            </a:r>
             <a:endParaRPr lang="fr-CH" sz="2800" dirty="0"/>
           </a:p>
           <a:p>
@@ -10066,7 +10234,7 @@
         </p:blipFill>
         <p:spPr>
           <a:xfrm>
-            <a:off x="6522098" y="3237322"/>
+            <a:off x="6555654" y="2977263"/>
             <a:ext cx="3709860" cy="2645953"/>
           </a:xfrm>
           <a:prstGeom prst="rect">
@@ -10132,6 +10300,42 @@
               </a:rPr>
               <a:t> - Fonctionnalités demandées - Planification et journal de travail - Réalisation - Problèmes rencontrés - Conclusion</a:t>
             </a:r>
+          </a:p>
+        </p:txBody>
+      </p:sp>
+      <p:sp>
+        <p:nvSpPr>
+          <p:cNvPr id="9" name="Espace réservé du numéro de diapositive 4">
+            <a:extLst>
+              <a:ext uri="{FF2B5EF4-FFF2-40B4-BE49-F238E27FC236}">
+                <a16:creationId xmlns:a16="http://schemas.microsoft.com/office/drawing/2014/main" id="{753C49CA-4175-4F92-AFA3-CF6B8A3557E1}"/>
+              </a:ext>
+            </a:extLst>
+          </p:cNvPr>
+          <p:cNvSpPr>
+            <a:spLocks noGrp="1"/>
+          </p:cNvSpPr>
+          <p:nvPr>
+            <p:ph type="sldNum" sz="quarter" idx="12"/>
+          </p:nvPr>
+        </p:nvSpPr>
+        <p:spPr>
+          <a:xfrm>
+            <a:off x="10746298" y="5883275"/>
+            <a:ext cx="756726" cy="365125"/>
+          </a:xfrm>
+        </p:spPr>
+        <p:txBody>
+          <a:bodyPr/>
+          <a:lstStyle/>
+          <a:p>
+            <a:pPr rtl="0"/>
+            <a:fld id="{D57F1E4F-1CFF-5643-939E-217C01CDF565}" type="slidenum">
+              <a:rPr lang="fr-FR" sz="3600" noProof="0" smtClean="0"/>
+              <a:pPr rtl="0"/>
+              <a:t>3</a:t>
+            </a:fld>
+            <a:endParaRPr lang="fr-FR" sz="3600" noProof="0" dirty="0"/>
           </a:p>
         </p:txBody>
       </p:sp>
@@ -10335,6 +10539,42 @@
           </a:p>
         </p:txBody>
       </p:sp>
+      <p:sp>
+        <p:nvSpPr>
+          <p:cNvPr id="10" name="Espace réservé du numéro de diapositive 4">
+            <a:extLst>
+              <a:ext uri="{FF2B5EF4-FFF2-40B4-BE49-F238E27FC236}">
+                <a16:creationId xmlns:a16="http://schemas.microsoft.com/office/drawing/2014/main" id="{25CCBC68-5394-43B0-8F07-D4EA66A47CD0}"/>
+              </a:ext>
+            </a:extLst>
+          </p:cNvPr>
+          <p:cNvSpPr>
+            <a:spLocks noGrp="1"/>
+          </p:cNvSpPr>
+          <p:nvPr>
+            <p:ph type="sldNum" sz="quarter" idx="12"/>
+          </p:nvPr>
+        </p:nvSpPr>
+        <p:spPr>
+          <a:xfrm>
+            <a:off x="10746298" y="5883275"/>
+            <a:ext cx="756726" cy="365125"/>
+          </a:xfrm>
+        </p:spPr>
+        <p:txBody>
+          <a:bodyPr/>
+          <a:lstStyle/>
+          <a:p>
+            <a:pPr rtl="0"/>
+            <a:fld id="{D57F1E4F-1CFF-5643-939E-217C01CDF565}" type="slidenum">
+              <a:rPr lang="fr-FR" sz="3600" noProof="0" smtClean="0"/>
+              <a:pPr rtl="0"/>
+              <a:t>4</a:t>
+            </a:fld>
+            <a:endParaRPr lang="fr-FR" sz="3600" noProof="0" dirty="0"/>
+          </a:p>
+        </p:txBody>
+      </p:sp>
     </p:spTree>
     <p:extLst>
       <p:ext uri="{BB962C8B-B14F-4D97-AF65-F5344CB8AC3E}">
@@ -10394,36 +10634,6 @@
           </a:p>
         </p:txBody>
       </p:sp>
-      <p:graphicFrame>
-        <p:nvGraphicFramePr>
-          <p:cNvPr id="10" name="Graphique 9">
-            <a:extLst>
-              <a:ext uri="{FF2B5EF4-FFF2-40B4-BE49-F238E27FC236}">
-                <a16:creationId xmlns:a16="http://schemas.microsoft.com/office/drawing/2014/main" id="{33B3B761-BE99-4B8F-9EDF-D4E603BAEECF}"/>
-              </a:ext>
-            </a:extLst>
-          </p:cNvPr>
-          <p:cNvGraphicFramePr>
-            <a:graphicFrameLocks/>
-          </p:cNvGraphicFramePr>
-          <p:nvPr>
-            <p:extLst>
-              <p:ext uri="{D42A27DB-BD31-4B8C-83A1-F6EECF244321}">
-                <p14:modId xmlns:p14="http://schemas.microsoft.com/office/powerpoint/2010/main" val="763240194"/>
-              </p:ext>
-            </p:extLst>
-          </p:nvPr>
-        </p:nvGraphicFramePr>
-        <p:xfrm>
-          <a:off x="1385895" y="1076312"/>
-          <a:ext cx="9321793" cy="4806963"/>
-        </p:xfrm>
-        <a:graphic>
-          <a:graphicData uri="http://schemas.openxmlformats.org/drawingml/2006/chart">
-            <c:chart xmlns:c="http://schemas.openxmlformats.org/drawingml/2006/chart" xmlns:r="http://schemas.openxmlformats.org/officeDocument/2006/relationships" r:id="rId2"/>
-          </a:graphicData>
-        </a:graphic>
-      </p:graphicFrame>
       <p:sp>
         <p:nvSpPr>
           <p:cNvPr id="12" name="Organigramme : Connecteur 11">
@@ -10732,6 +10942,72 @@
               </a:rPr>
               <a:t> - Réalisation - Problèmes rencontrés - Conclusion</a:t>
             </a:r>
+          </a:p>
+        </p:txBody>
+      </p:sp>
+      <p:graphicFrame>
+        <p:nvGraphicFramePr>
+          <p:cNvPr id="9" name="Graphique 8">
+            <a:extLst>
+              <a:ext uri="{FF2B5EF4-FFF2-40B4-BE49-F238E27FC236}">
+                <a16:creationId xmlns:a16="http://schemas.microsoft.com/office/drawing/2014/main" id="{F31306B1-C438-4F21-9696-8BCDC17C87CF}"/>
+              </a:ext>
+            </a:extLst>
+          </p:cNvPr>
+          <p:cNvGraphicFramePr>
+            <a:graphicFrameLocks/>
+          </p:cNvGraphicFramePr>
+          <p:nvPr>
+            <p:extLst>
+              <p:ext uri="{D42A27DB-BD31-4B8C-83A1-F6EECF244321}">
+                <p14:modId xmlns:p14="http://schemas.microsoft.com/office/powerpoint/2010/main" val="1580608286"/>
+              </p:ext>
+            </p:extLst>
+          </p:nvPr>
+        </p:nvGraphicFramePr>
+        <p:xfrm>
+          <a:off x="1752760" y="815445"/>
+          <a:ext cx="9698212" cy="4998126"/>
+        </p:xfrm>
+        <a:graphic>
+          <a:graphicData uri="http://schemas.openxmlformats.org/drawingml/2006/chart">
+            <c:chart xmlns:c="http://schemas.openxmlformats.org/drawingml/2006/chart" xmlns:r="http://schemas.openxmlformats.org/officeDocument/2006/relationships" r:id="rId2"/>
+          </a:graphicData>
+        </a:graphic>
+      </p:graphicFrame>
+      <p:sp>
+        <p:nvSpPr>
+          <p:cNvPr id="11" name="Espace réservé du numéro de diapositive 4">
+            <a:extLst>
+              <a:ext uri="{FF2B5EF4-FFF2-40B4-BE49-F238E27FC236}">
+                <a16:creationId xmlns:a16="http://schemas.microsoft.com/office/drawing/2014/main" id="{6E6B1F92-9D63-4F52-BA0B-C24CAC93A2E8}"/>
+              </a:ext>
+            </a:extLst>
+          </p:cNvPr>
+          <p:cNvSpPr>
+            <a:spLocks noGrp="1"/>
+          </p:cNvSpPr>
+          <p:nvPr>
+            <p:ph type="sldNum" sz="quarter" idx="12"/>
+          </p:nvPr>
+        </p:nvSpPr>
+        <p:spPr>
+          <a:xfrm>
+            <a:off x="10746298" y="5883275"/>
+            <a:ext cx="756726" cy="365125"/>
+          </a:xfrm>
+        </p:spPr>
+        <p:txBody>
+          <a:bodyPr/>
+          <a:lstStyle/>
+          <a:p>
+            <a:pPr rtl="0"/>
+            <a:fld id="{D57F1E4F-1CFF-5643-939E-217C01CDF565}" type="slidenum">
+              <a:rPr lang="fr-FR" sz="3600" noProof="0" smtClean="0"/>
+              <a:pPr rtl="0"/>
+              <a:t>5</a:t>
+            </a:fld>
+            <a:endParaRPr lang="fr-FR" sz="3600" noProof="0" dirty="0"/>
           </a:p>
         </p:txBody>
       </p:sp>
@@ -10954,6 +11230,42 @@
           </a:p>
         </p:txBody>
       </p:sp>
+      <p:sp>
+        <p:nvSpPr>
+          <p:cNvPr id="9" name="Espace réservé du numéro de diapositive 4">
+            <a:extLst>
+              <a:ext uri="{FF2B5EF4-FFF2-40B4-BE49-F238E27FC236}">
+                <a16:creationId xmlns:a16="http://schemas.microsoft.com/office/drawing/2014/main" id="{4E4B0B91-9B2D-401E-8AC1-1CD76C4F2EB3}"/>
+              </a:ext>
+            </a:extLst>
+          </p:cNvPr>
+          <p:cNvSpPr>
+            <a:spLocks noGrp="1"/>
+          </p:cNvSpPr>
+          <p:nvPr>
+            <p:ph type="sldNum" sz="quarter" idx="12"/>
+          </p:nvPr>
+        </p:nvSpPr>
+        <p:spPr>
+          <a:xfrm>
+            <a:off x="10746298" y="5883275"/>
+            <a:ext cx="756726" cy="365125"/>
+          </a:xfrm>
+        </p:spPr>
+        <p:txBody>
+          <a:bodyPr/>
+          <a:lstStyle/>
+          <a:p>
+            <a:pPr rtl="0"/>
+            <a:fld id="{D57F1E4F-1CFF-5643-939E-217C01CDF565}" type="slidenum">
+              <a:rPr lang="fr-FR" sz="3600" noProof="0" smtClean="0"/>
+              <a:pPr rtl="0"/>
+              <a:t>6</a:t>
+            </a:fld>
+            <a:endParaRPr lang="fr-FR" sz="3600" noProof="0" dirty="0"/>
+          </a:p>
+        </p:txBody>
+      </p:sp>
     </p:spTree>
     <p:extLst>
       <p:ext uri="{BB962C8B-B14F-4D97-AF65-F5344CB8AC3E}">
@@ -11128,6 +11440,42 @@
               </a:rPr>
               <a:t> - Conclusion</a:t>
             </a:r>
+          </a:p>
+        </p:txBody>
+      </p:sp>
+      <p:sp>
+        <p:nvSpPr>
+          <p:cNvPr id="7" name="Espace réservé du numéro de diapositive 4">
+            <a:extLst>
+              <a:ext uri="{FF2B5EF4-FFF2-40B4-BE49-F238E27FC236}">
+                <a16:creationId xmlns:a16="http://schemas.microsoft.com/office/drawing/2014/main" id="{9924D39F-A624-4CD2-9736-AC89D800389E}"/>
+              </a:ext>
+            </a:extLst>
+          </p:cNvPr>
+          <p:cNvSpPr>
+            <a:spLocks noGrp="1"/>
+          </p:cNvSpPr>
+          <p:nvPr>
+            <p:ph type="sldNum" sz="quarter" idx="12"/>
+          </p:nvPr>
+        </p:nvSpPr>
+        <p:spPr>
+          <a:xfrm>
+            <a:off x="10746298" y="5883275"/>
+            <a:ext cx="756726" cy="365125"/>
+          </a:xfrm>
+        </p:spPr>
+        <p:txBody>
+          <a:bodyPr/>
+          <a:lstStyle/>
+          <a:p>
+            <a:pPr rtl="0"/>
+            <a:fld id="{D57F1E4F-1CFF-5643-939E-217C01CDF565}" type="slidenum">
+              <a:rPr lang="fr-FR" sz="3600" noProof="0" smtClean="0"/>
+              <a:pPr rtl="0"/>
+              <a:t>7</a:t>
+            </a:fld>
+            <a:endParaRPr lang="fr-FR" sz="3600" noProof="0" dirty="0"/>
           </a:p>
         </p:txBody>
       </p:sp>
@@ -11418,6 +11766,42 @@
           </a:p>
         </p:txBody>
       </p:sp>
+      <p:sp>
+        <p:nvSpPr>
+          <p:cNvPr id="15" name="Espace réservé du numéro de diapositive 4">
+            <a:extLst>
+              <a:ext uri="{FF2B5EF4-FFF2-40B4-BE49-F238E27FC236}">
+                <a16:creationId xmlns:a16="http://schemas.microsoft.com/office/drawing/2014/main" id="{5B176019-27CB-470E-9C7B-A14041725E55}"/>
+              </a:ext>
+            </a:extLst>
+          </p:cNvPr>
+          <p:cNvSpPr>
+            <a:spLocks noGrp="1"/>
+          </p:cNvSpPr>
+          <p:nvPr>
+            <p:ph type="sldNum" sz="quarter" idx="12"/>
+          </p:nvPr>
+        </p:nvSpPr>
+        <p:spPr>
+          <a:xfrm>
+            <a:off x="10746298" y="5883275"/>
+            <a:ext cx="756726" cy="365125"/>
+          </a:xfrm>
+        </p:spPr>
+        <p:txBody>
+          <a:bodyPr/>
+          <a:lstStyle/>
+          <a:p>
+            <a:pPr rtl="0"/>
+            <a:fld id="{D57F1E4F-1CFF-5643-939E-217C01CDF565}" type="slidenum">
+              <a:rPr lang="fr-FR" sz="3600" noProof="0" smtClean="0"/>
+              <a:pPr rtl="0"/>
+              <a:t>8</a:t>
+            </a:fld>
+            <a:endParaRPr lang="fr-FR" sz="3600" noProof="0" dirty="0"/>
+          </a:p>
+        </p:txBody>
+      </p:sp>
     </p:spTree>
     <p:extLst>
       <p:ext uri="{BB962C8B-B14F-4D97-AF65-F5344CB8AC3E}">
@@ -11706,6 +12090,42 @@
               <a:rPr lang="fr-CH" sz="3600" dirty="0"/>
               <a:t>Enregistrement Excel avec Macros</a:t>
             </a:r>
+          </a:p>
+        </p:txBody>
+      </p:sp>
+      <p:sp>
+        <p:nvSpPr>
+          <p:cNvPr id="10" name="Espace réservé du numéro de diapositive 4">
+            <a:extLst>
+              <a:ext uri="{FF2B5EF4-FFF2-40B4-BE49-F238E27FC236}">
+                <a16:creationId xmlns:a16="http://schemas.microsoft.com/office/drawing/2014/main" id="{7C065660-5EBE-4196-A709-3A786FCD98A6}"/>
+              </a:ext>
+            </a:extLst>
+          </p:cNvPr>
+          <p:cNvSpPr>
+            <a:spLocks noGrp="1"/>
+          </p:cNvSpPr>
+          <p:nvPr>
+            <p:ph type="sldNum" sz="quarter" idx="12"/>
+          </p:nvPr>
+        </p:nvSpPr>
+        <p:spPr>
+          <a:xfrm>
+            <a:off x="10746298" y="5883275"/>
+            <a:ext cx="756726" cy="365125"/>
+          </a:xfrm>
+        </p:spPr>
+        <p:txBody>
+          <a:bodyPr/>
+          <a:lstStyle/>
+          <a:p>
+            <a:pPr rtl="0"/>
+            <a:fld id="{D57F1E4F-1CFF-5643-939E-217C01CDF565}" type="slidenum">
+              <a:rPr lang="fr-FR" sz="3600" noProof="0" smtClean="0"/>
+              <a:pPr rtl="0"/>
+              <a:t>9</a:t>
+            </a:fld>
+            <a:endParaRPr lang="fr-FR" sz="3600" noProof="0" dirty="0"/>
           </a:p>
         </p:txBody>
       </p:sp>
@@ -12543,6 +12963,15 @@
 </file>
 
 <file path=customXml/item2.xml><?xml version="1.0" encoding="utf-8"?>
+<?mso-contentType ?>
+<FormTemplates xmlns="http://schemas.microsoft.com/sharepoint/v3/contenttype/forms">
+  <Display>DocumentLibraryForm</Display>
+  <Edit>DocumentLibraryForm</Edit>
+  <New>DocumentLibraryForm</New>
+</FormTemplates>
+</file>
+
+<file path=customXml/item3.xml><?xml version="1.0" encoding="utf-8"?>
 <ct:contentTypeSchema xmlns:ct="http://schemas.microsoft.com/office/2006/metadata/contentType" xmlns:ma="http://schemas.microsoft.com/office/2006/metadata/properties/metaAttributes" ct:_="" ma:_="" ma:contentTypeName="Document" ma:contentTypeID="0x01010079F111ED35F8CC479449609E8A0923A6" ma:contentTypeVersion="11" ma:contentTypeDescription="Create a new document." ma:contentTypeScope="" ma:versionID="9677210f24a1be23c92c90fd886aa0aa">
   <xsd:schema xmlns:xsd="http://www.w3.org/2001/XMLSchema" xmlns:xs="http://www.w3.org/2001/XMLSchema" xmlns:p="http://schemas.microsoft.com/office/2006/metadata/properties" xmlns:ns2="71af3243-3dd4-4a8d-8c0d-dd76da1f02a5" xmlns:ns3="16c05727-aa75-4e4a-9b5f-8a80a1165891" targetNamespace="http://schemas.microsoft.com/office/2006/metadata/properties" ma:root="true" ma:fieldsID="60e05723c5c1908df1a1a4ebf11d344e" ns2:_="" ns3:_="">
     <xsd:import namespace="71af3243-3dd4-4a8d-8c0d-dd76da1f02a5"/>
@@ -12753,26 +13182,32 @@
 </ct:contentTypeSchema>
 </file>
 
-<file path=customXml/item3.xml><?xml version="1.0" encoding="utf-8"?>
-<?mso-contentType ?>
-<FormTemplates xmlns="http://schemas.microsoft.com/sharepoint/v3/contenttype/forms">
-  <Display>DocumentLibraryForm</Display>
-  <Edit>DocumentLibraryForm</Edit>
-  <New>DocumentLibraryForm</New>
-</FormTemplates>
-</file>
-
 <file path=customXml/itemProps1.xml><?xml version="1.0" encoding="utf-8"?>
 <ds:datastoreItem xmlns:ds="http://schemas.openxmlformats.org/officeDocument/2006/customXml" ds:itemID="{D7023227-530E-4024-91EF-312A851A758C}">
   <ds:schemaRefs>
+    <ds:schemaRef ds:uri="16c05727-aa75-4e4a-9b5f-8a80a1165891"/>
+    <ds:schemaRef ds:uri="http://schemas.microsoft.com/office/infopath/2007/PartnerControls"/>
+    <ds:schemaRef ds:uri="http://schemas.openxmlformats.org/package/2006/metadata/core-properties"/>
+    <ds:schemaRef ds:uri="http://purl.org/dc/elements/1.1/"/>
+    <ds:schemaRef ds:uri="http://purl.org/dc/dcmitype/"/>
+    <ds:schemaRef ds:uri="http://purl.org/dc/terms/"/>
+    <ds:schemaRef ds:uri="http://schemas.microsoft.com/office/2006/documentManagement/types"/>
+    <ds:schemaRef ds:uri="http://www.w3.org/XML/1998/namespace"/>
+    <ds:schemaRef ds:uri="71af3243-3dd4-4a8d-8c0d-dd76da1f02a5"/>
     <ds:schemaRef ds:uri="http://schemas.microsoft.com/office/2006/metadata/properties"/>
-    <ds:schemaRef ds:uri="http://schemas.microsoft.com/office/infopath/2007/PartnerControls"/>
-    <ds:schemaRef ds:uri="71af3243-3dd4-4a8d-8c0d-dd76da1f02a5"/>
   </ds:schemaRefs>
 </ds:datastoreItem>
 </file>
 
 <file path=customXml/itemProps2.xml><?xml version="1.0" encoding="utf-8"?>
+<ds:datastoreItem xmlns:ds="http://schemas.openxmlformats.org/officeDocument/2006/customXml" ds:itemID="{33315AA3-EAE3-44ED-8368-BAC2FFFB4817}">
+  <ds:schemaRefs>
+    <ds:schemaRef ds:uri="http://schemas.microsoft.com/sharepoint/v3/contenttype/forms"/>
+  </ds:schemaRefs>
+</ds:datastoreItem>
+</file>
+
+<file path=customXml/itemProps3.xml><?xml version="1.0" encoding="utf-8"?>
 <ds:datastoreItem xmlns:ds="http://schemas.openxmlformats.org/officeDocument/2006/customXml" ds:itemID="{627C19A7-3107-4CB2-BD0D-F7C79BE028CC}">
   <ds:schemaRefs>
     <ds:schemaRef ds:uri="http://schemas.microsoft.com/office/2006/metadata/contentType"/>
@@ -12789,12 +13224,4 @@
     <ds:schemaRef ds:uri="http://schemas.microsoft.com/internal/obd"/>
   </ds:schemaRefs>
 </ds:datastoreItem>
-</file>
-
-<file path=customXml/itemProps3.xml><?xml version="1.0" encoding="utf-8"?>
-<ds:datastoreItem xmlns:ds="http://schemas.openxmlformats.org/officeDocument/2006/customXml" ds:itemID="{33315AA3-EAE3-44ED-8368-BAC2FFFB4817}">
-  <ds:schemaRefs>
-    <ds:schemaRef ds:uri="http://schemas.microsoft.com/sharepoint/v3/contenttype/forms"/>
-  </ds:schemaRefs>
-</ds:datastoreItem>
 </file>
--- a/CDC-rapport-jdt/Presentation/Presentation_philipona.pptx
+++ b/CDC-rapport-jdt/Presentation/Presentation_philipona.pptx
@@ -9301,7 +9301,7 @@
             </a:pPr>
             <a:r>
               <a:rPr lang="fr-CH" dirty="0"/>
-              <a:t>Plus value du projet</a:t>
+              <a:t>Plus-value du projet</a:t>
             </a:r>
           </a:p>
           <a:p>
@@ -10157,13 +10157,8 @@
             </a:pPr>
             <a:r>
               <a:rPr lang="fr-CH" sz="2800" dirty="0"/>
-              <a:t>Outil de </a:t>
-            </a:r>
-            <a:r>
-              <a:rPr lang="fr-CH" sz="2800" dirty="0" err="1"/>
-              <a:t>versionning</a:t>
-            </a:r>
-            <a:endParaRPr lang="fr-CH" sz="2800" dirty="0"/>
+              <a:t>Outil de versioning</a:t>
+            </a:r>
           </a:p>
           <a:p>
             <a:pPr>
@@ -12955,20 +12950,20 @@
 </file>
 
 <file path=customXml/item1.xml><?xml version="1.0" encoding="utf-8"?>
-<p:properties xmlns:p="http://schemas.microsoft.com/office/2006/metadata/properties" xmlns:xsi="http://www.w3.org/2001/XMLSchema-instance" xmlns:pc="http://schemas.microsoft.com/office/infopath/2007/PartnerControls">
-  <documentManagement>
-    <MediaServiceKeyPoints xmlns="71af3243-3dd4-4a8d-8c0d-dd76da1f02a5" xsi:nil="true"/>
-  </documentManagement>
-</p:properties>
-</file>
-
-<file path=customXml/item2.xml><?xml version="1.0" encoding="utf-8"?>
 <?mso-contentType ?>
 <FormTemplates xmlns="http://schemas.microsoft.com/sharepoint/v3/contenttype/forms">
   <Display>DocumentLibraryForm</Display>
   <Edit>DocumentLibraryForm</Edit>
   <New>DocumentLibraryForm</New>
 </FormTemplates>
+</file>
+
+<file path=customXml/item2.xml><?xml version="1.0" encoding="utf-8"?>
+<p:properties xmlns:p="http://schemas.microsoft.com/office/2006/metadata/properties" xmlns:xsi="http://www.w3.org/2001/XMLSchema-instance" xmlns:pc="http://schemas.microsoft.com/office/infopath/2007/PartnerControls">
+  <documentManagement>
+    <MediaServiceKeyPoints xmlns="71af3243-3dd4-4a8d-8c0d-dd76da1f02a5" xsi:nil="true"/>
+  </documentManagement>
+</p:properties>
 </file>
 
 <file path=customXml/item3.xml><?xml version="1.0" encoding="utf-8"?>
@@ -13183,26 +13178,26 @@
 </file>
 
 <file path=customXml/itemProps1.xml><?xml version="1.0" encoding="utf-8"?>
-<ds:datastoreItem xmlns:ds="http://schemas.openxmlformats.org/officeDocument/2006/customXml" ds:itemID="{D7023227-530E-4024-91EF-312A851A758C}">
+<ds:datastoreItem xmlns:ds="http://schemas.openxmlformats.org/officeDocument/2006/customXml" ds:itemID="{33315AA3-EAE3-44ED-8368-BAC2FFFB4817}">
   <ds:schemaRefs>
-    <ds:schemaRef ds:uri="16c05727-aa75-4e4a-9b5f-8a80a1165891"/>
-    <ds:schemaRef ds:uri="http://schemas.microsoft.com/office/infopath/2007/PartnerControls"/>
-    <ds:schemaRef ds:uri="http://schemas.openxmlformats.org/package/2006/metadata/core-properties"/>
-    <ds:schemaRef ds:uri="http://purl.org/dc/elements/1.1/"/>
-    <ds:schemaRef ds:uri="http://purl.org/dc/dcmitype/"/>
-    <ds:schemaRef ds:uri="http://purl.org/dc/terms/"/>
-    <ds:schemaRef ds:uri="http://schemas.microsoft.com/office/2006/documentManagement/types"/>
-    <ds:schemaRef ds:uri="http://www.w3.org/XML/1998/namespace"/>
-    <ds:schemaRef ds:uri="71af3243-3dd4-4a8d-8c0d-dd76da1f02a5"/>
-    <ds:schemaRef ds:uri="http://schemas.microsoft.com/office/2006/metadata/properties"/>
+    <ds:schemaRef ds:uri="http://schemas.microsoft.com/sharepoint/v3/contenttype/forms"/>
   </ds:schemaRefs>
 </ds:datastoreItem>
 </file>
 
 <file path=customXml/itemProps2.xml><?xml version="1.0" encoding="utf-8"?>
-<ds:datastoreItem xmlns:ds="http://schemas.openxmlformats.org/officeDocument/2006/customXml" ds:itemID="{33315AA3-EAE3-44ED-8368-BAC2FFFB4817}">
+<ds:datastoreItem xmlns:ds="http://schemas.openxmlformats.org/officeDocument/2006/customXml" ds:itemID="{D7023227-530E-4024-91EF-312A851A758C}">
   <ds:schemaRefs>
-    <ds:schemaRef ds:uri="http://schemas.microsoft.com/sharepoint/v3/contenttype/forms"/>
+    <ds:schemaRef ds:uri="http://purl.org/dc/dcmitype/"/>
+    <ds:schemaRef ds:uri="http://schemas.microsoft.com/office/2006/documentManagement/types"/>
+    <ds:schemaRef ds:uri="http://www.w3.org/XML/1998/namespace"/>
+    <ds:schemaRef ds:uri="71af3243-3dd4-4a8d-8c0d-dd76da1f02a5"/>
+    <ds:schemaRef ds:uri="http://purl.org/dc/elements/1.1/"/>
+    <ds:schemaRef ds:uri="http://purl.org/dc/terms/"/>
+    <ds:schemaRef ds:uri="http://schemas.microsoft.com/office/infopath/2007/PartnerControls"/>
+    <ds:schemaRef ds:uri="http://schemas.openxmlformats.org/package/2006/metadata/core-properties"/>
+    <ds:schemaRef ds:uri="16c05727-aa75-4e4a-9b5f-8a80a1165891"/>
+    <ds:schemaRef ds:uri="http://schemas.microsoft.com/office/2006/metadata/properties"/>
   </ds:schemaRefs>
 </ds:datastoreItem>
 </file>
